--- a/docs/Presentation.pptx
+++ b/docs/Presentation.pptx
@@ -13,7 +13,15 @@
     <p:sldId id="262" r:id="rId7"/>
     <p:sldId id="263" r:id="rId8"/>
     <p:sldId id="264" r:id="rId9"/>
-    <p:sldId id="258" r:id="rId10"/>
+    <p:sldId id="265" r:id="rId10"/>
+    <p:sldId id="266" r:id="rId11"/>
+    <p:sldId id="267" r:id="rId12"/>
+    <p:sldId id="272" r:id="rId13"/>
+    <p:sldId id="268" r:id="rId14"/>
+    <p:sldId id="269" r:id="rId15"/>
+    <p:sldId id="270" r:id="rId16"/>
+    <p:sldId id="271" r:id="rId17"/>
+    <p:sldId id="258" r:id="rId18"/>
   </p:sldIdLst>
   <p:sldSz cx="12192000" cy="6858000"/>
   <p:notesSz cx="6858000" cy="9144000"/>
@@ -112,6 +120,11 @@
       </a:defRPr>
     </a:lvl9pPr>
   </p:defaultTextStyle>
+  <p:extLst>
+    <p:ext uri="{EFAFB233-063F-42B5-8137-9DF3F51BA10A}">
+      <p15:sldGuideLst xmlns:p15="http://schemas.microsoft.com/office/powerpoint/2012/main"/>
+    </p:ext>
+  </p:extLst>
 </p:presentation>
 </file>
 
@@ -838,7 +851,7 @@
             <a:fld id="{B61BEF0D-F0BB-DE4B-95CE-6DB70DBA9567}" type="datetimeFigureOut">
               <a:rPr lang="en-US" dirty="0"/>
               <a:pPr/>
-              <a:t>11/6/2014</a:t>
+              <a:t>11/7/2014</a:t>
             </a:fld>
             <a:endParaRPr lang="en-US" dirty="0"/>
           </a:p>
@@ -1086,7 +1099,7 @@
             <a:fld id="{B61BEF0D-F0BB-DE4B-95CE-6DB70DBA9567}" type="datetimeFigureOut">
               <a:rPr lang="en-US" dirty="0"/>
               <a:pPr/>
-              <a:t>11/6/2014</a:t>
+              <a:t>11/7/2014</a:t>
             </a:fld>
             <a:endParaRPr lang="en-US" dirty="0"/>
           </a:p>
@@ -1397,7 +1410,7 @@
             <a:fld id="{B61BEF0D-F0BB-DE4B-95CE-6DB70DBA9567}" type="datetimeFigureOut">
               <a:rPr lang="en-US" dirty="0"/>
               <a:pPr/>
-              <a:t>11/6/2014</a:t>
+              <a:t>11/7/2014</a:t>
             </a:fld>
             <a:endParaRPr lang="en-US" dirty="0"/>
           </a:p>
@@ -1735,7 +1748,7 @@
             <a:fld id="{B61BEF0D-F0BB-DE4B-95CE-6DB70DBA9567}" type="datetimeFigureOut">
               <a:rPr lang="en-US" dirty="0"/>
               <a:pPr/>
-              <a:t>11/6/2014</a:t>
+              <a:t>11/7/2014</a:t>
             </a:fld>
             <a:endParaRPr lang="en-US" dirty="0"/>
           </a:p>
@@ -2046,7 +2059,7 @@
             <a:fld id="{B61BEF0D-F0BB-DE4B-95CE-6DB70DBA9567}" type="datetimeFigureOut">
               <a:rPr lang="en-US" dirty="0"/>
               <a:pPr/>
-              <a:t>11/6/2014</a:t>
+              <a:t>11/7/2014</a:t>
             </a:fld>
             <a:endParaRPr lang="en-US" dirty="0"/>
           </a:p>
@@ -2436,7 +2449,7 @@
             <a:fld id="{B61BEF0D-F0BB-DE4B-95CE-6DB70DBA9567}" type="datetimeFigureOut">
               <a:rPr lang="en-US" dirty="0"/>
               <a:pPr/>
-              <a:t>11/6/2014</a:t>
+              <a:t>11/7/2014</a:t>
             </a:fld>
             <a:endParaRPr lang="en-US" dirty="0"/>
           </a:p>
@@ -2602,7 +2615,7 @@
           <a:p>
             <a:fld id="{55C6B4A9-1611-4792-9094-5F34BCA07E0B}" type="datetimeFigureOut">
               <a:rPr lang="en-US" dirty="0"/>
-              <a:t>11/6/2014</a:t>
+              <a:t>11/7/2014</a:t>
             </a:fld>
             <a:endParaRPr lang="en-US" dirty="0"/>
           </a:p>
@@ -2778,7 +2791,7 @@
             <a:fld id="{B61BEF0D-F0BB-DE4B-95CE-6DB70DBA9567}" type="datetimeFigureOut">
               <a:rPr lang="en-US" dirty="0"/>
               <a:pPr/>
-              <a:t>11/6/2014</a:t>
+              <a:t>11/7/2014</a:t>
             </a:fld>
             <a:endParaRPr lang="en-US" dirty="0"/>
           </a:p>
@@ -2951,7 +2964,7 @@
             <a:fld id="{B61BEF0D-F0BB-DE4B-95CE-6DB70DBA9567}" type="datetimeFigureOut">
               <a:rPr lang="en-US" dirty="0"/>
               <a:pPr/>
-              <a:t>11/6/2014</a:t>
+              <a:t>11/7/2014</a:t>
             </a:fld>
             <a:endParaRPr lang="en-US" dirty="0"/>
           </a:p>
@@ -3195,7 +3208,7 @@
             <a:fld id="{B61BEF0D-F0BB-DE4B-95CE-6DB70DBA9567}" type="datetimeFigureOut">
               <a:rPr lang="en-US" dirty="0"/>
               <a:pPr/>
-              <a:t>11/6/2014</a:t>
+              <a:t>11/7/2014</a:t>
             </a:fld>
             <a:endParaRPr lang="en-US" dirty="0"/>
           </a:p>
@@ -3423,7 +3436,7 @@
           <a:p>
             <a:fld id="{EB712588-04B1-427B-82EE-E8DB90309F08}" type="datetimeFigureOut">
               <a:rPr lang="en-US" dirty="0"/>
-              <a:t>11/6/2014</a:t>
+              <a:t>11/7/2014</a:t>
             </a:fld>
             <a:endParaRPr lang="en-US" dirty="0"/>
           </a:p>
@@ -3793,7 +3806,7 @@
             <a:fld id="{B61BEF0D-F0BB-DE4B-95CE-6DB70DBA9567}" type="datetimeFigureOut">
               <a:rPr lang="en-US" dirty="0"/>
               <a:pPr/>
-              <a:t>11/6/2014</a:t>
+              <a:t>11/7/2014</a:t>
             </a:fld>
             <a:endParaRPr lang="en-US" dirty="0"/>
           </a:p>
@@ -3913,7 +3926,7 @@
             <a:fld id="{B61BEF0D-F0BB-DE4B-95CE-6DB70DBA9567}" type="datetimeFigureOut">
               <a:rPr lang="en-US" dirty="0"/>
               <a:pPr/>
-              <a:t>11/6/2014</a:t>
+              <a:t>11/7/2014</a:t>
             </a:fld>
             <a:endParaRPr lang="en-US" dirty="0"/>
           </a:p>
@@ -4005,7 +4018,7 @@
             <a:fld id="{B61BEF0D-F0BB-DE4B-95CE-6DB70DBA9567}" type="datetimeFigureOut">
               <a:rPr lang="en-US" dirty="0"/>
               <a:pPr/>
-              <a:t>11/6/2014</a:t>
+              <a:t>11/7/2014</a:t>
             </a:fld>
             <a:endParaRPr lang="en-US" dirty="0"/>
           </a:p>
@@ -4256,7 +4269,7 @@
           <a:p>
             <a:fld id="{42A54C80-263E-416B-A8E0-580EDEADCBDC}" type="datetimeFigureOut">
               <a:rPr lang="en-US" dirty="0"/>
-              <a:t>11/6/2014</a:t>
+              <a:t>11/7/2014</a:t>
             </a:fld>
             <a:endParaRPr lang="en-US" dirty="0"/>
           </a:p>
@@ -4515,7 +4528,7 @@
             <a:fld id="{B61BEF0D-F0BB-DE4B-95CE-6DB70DBA9567}" type="datetimeFigureOut">
               <a:rPr lang="en-US" dirty="0"/>
               <a:pPr/>
-              <a:t>11/6/2014</a:t>
+              <a:t>11/7/2014</a:t>
             </a:fld>
             <a:endParaRPr lang="en-US" dirty="0"/>
           </a:p>
@@ -5255,7 +5268,7 @@
             <a:fld id="{B61BEF0D-F0BB-DE4B-95CE-6DB70DBA9567}" type="datetimeFigureOut">
               <a:rPr lang="en-US" dirty="0"/>
               <a:pPr/>
-              <a:t>11/6/2014</a:t>
+              <a:t>11/7/2014</a:t>
             </a:fld>
             <a:endParaRPr lang="en-US" dirty="0"/>
           </a:p>
@@ -5873,6 +5886,1118 @@
 </p:sld>
 </file>
 
+<file path=ppt/slides/slide10.xml><?xml version="1.0" encoding="utf-8"?>
+<p:sld xmlns:a="http://schemas.openxmlformats.org/drawingml/2006/main" xmlns:r="http://schemas.openxmlformats.org/officeDocument/2006/relationships" xmlns:p="http://schemas.openxmlformats.org/presentationml/2006/main">
+  <p:cSld>
+    <p:spTree>
+      <p:nvGrpSpPr>
+        <p:cNvPr id="1" name=""/>
+        <p:cNvGrpSpPr/>
+        <p:nvPr/>
+      </p:nvGrpSpPr>
+      <p:grpSpPr>
+        <a:xfrm>
+          <a:off x="0" y="0"/>
+          <a:ext cx="0" cy="0"/>
+          <a:chOff x="0" y="0"/>
+          <a:chExt cx="0" cy="0"/>
+        </a:xfrm>
+      </p:grpSpPr>
+      <p:sp>
+        <p:nvSpPr>
+          <p:cNvPr id="2" name="Title 1"/>
+          <p:cNvSpPr>
+            <a:spLocks noGrp="1"/>
+          </p:cNvSpPr>
+          <p:nvPr>
+            <p:ph type="title"/>
+          </p:nvPr>
+        </p:nvSpPr>
+        <p:spPr/>
+        <p:txBody>
+          <a:bodyPr/>
+          <a:lstStyle/>
+          <a:p>
+            <a:r>
+              <a:rPr lang="en-US" dirty="0" smtClean="0"/>
+              <a:t>Skybox</a:t>
+            </a:r>
+            <a:endParaRPr lang="en-US" dirty="0"/>
+          </a:p>
+        </p:txBody>
+      </p:sp>
+      <p:pic>
+        <p:nvPicPr>
+          <p:cNvPr id="4" name="Content Placeholder 3"/>
+          <p:cNvPicPr>
+            <a:picLocks noGrp="1"/>
+          </p:cNvPicPr>
+          <p:nvPr>
+            <p:ph idx="1"/>
+          </p:nvPr>
+        </p:nvPicPr>
+        <p:blipFill>
+          <a:blip r:embed="rId2">
+            <a:extLst>
+              <a:ext uri="{28A0092B-C50C-407E-A947-70E740481C1C}">
+                <a14:useLocalDpi xmlns:a14="http://schemas.microsoft.com/office/drawing/2010/main" val="0"/>
+              </a:ext>
+            </a:extLst>
+          </a:blip>
+          <a:srcRect/>
+          <a:stretch>
+            <a:fillRect/>
+          </a:stretch>
+        </p:blipFill>
+        <p:spPr bwMode="auto">
+          <a:xfrm>
+            <a:off x="7074568" y="1433095"/>
+            <a:ext cx="2199434" cy="1807411"/>
+          </a:xfrm>
+          <a:prstGeom prst="rect">
+            <a:avLst/>
+          </a:prstGeom>
+          <a:noFill/>
+          <a:ln>
+            <a:noFill/>
+          </a:ln>
+        </p:spPr>
+      </p:pic>
+      <p:pic>
+        <p:nvPicPr>
+          <p:cNvPr id="5" name="Picture 4"/>
+          <p:cNvPicPr/>
+          <p:nvPr/>
+        </p:nvPicPr>
+        <p:blipFill>
+          <a:blip r:embed="rId3">
+            <a:extLst>
+              <a:ext uri="{28A0092B-C50C-407E-A947-70E740481C1C}">
+                <a14:useLocalDpi xmlns:a14="http://schemas.microsoft.com/office/drawing/2010/main" val="0"/>
+              </a:ext>
+            </a:extLst>
+          </a:blip>
+          <a:srcRect/>
+          <a:stretch>
+            <a:fillRect/>
+          </a:stretch>
+        </p:blipFill>
+        <p:spPr bwMode="auto">
+          <a:xfrm>
+            <a:off x="7074568" y="3748337"/>
+            <a:ext cx="2199434" cy="1898483"/>
+          </a:xfrm>
+          <a:prstGeom prst="rect">
+            <a:avLst/>
+          </a:prstGeom>
+          <a:noFill/>
+          <a:ln>
+            <a:noFill/>
+          </a:ln>
+        </p:spPr>
+      </p:pic>
+    </p:spTree>
+    <p:extLst>
+      <p:ext uri="{BB962C8B-B14F-4D97-AF65-F5344CB8AC3E}">
+        <p14:creationId xmlns:p14="http://schemas.microsoft.com/office/powerpoint/2010/main" val="2181486486"/>
+      </p:ext>
+    </p:extLst>
+  </p:cSld>
+  <p:clrMapOvr>
+    <a:masterClrMapping/>
+  </p:clrMapOvr>
+</p:sld>
+</file>
+
+<file path=ppt/slides/slide11.xml><?xml version="1.0" encoding="utf-8"?>
+<p:sld xmlns:a="http://schemas.openxmlformats.org/drawingml/2006/main" xmlns:r="http://schemas.openxmlformats.org/officeDocument/2006/relationships" xmlns:p="http://schemas.openxmlformats.org/presentationml/2006/main">
+  <p:cSld>
+    <p:spTree>
+      <p:nvGrpSpPr>
+        <p:cNvPr id="1" name=""/>
+        <p:cNvGrpSpPr/>
+        <p:nvPr/>
+      </p:nvGrpSpPr>
+      <p:grpSpPr>
+        <a:xfrm>
+          <a:off x="0" y="0"/>
+          <a:ext cx="0" cy="0"/>
+          <a:chOff x="0" y="0"/>
+          <a:chExt cx="0" cy="0"/>
+        </a:xfrm>
+      </p:grpSpPr>
+      <p:sp>
+        <p:nvSpPr>
+          <p:cNvPr id="2" name="Title 1"/>
+          <p:cNvSpPr>
+            <a:spLocks noGrp="1"/>
+          </p:cNvSpPr>
+          <p:nvPr>
+            <p:ph type="title"/>
+          </p:nvPr>
+        </p:nvSpPr>
+        <p:spPr/>
+        <p:txBody>
+          <a:bodyPr/>
+          <a:lstStyle/>
+          <a:p>
+            <a:r>
+              <a:rPr lang="en-US" dirty="0" smtClean="0"/>
+              <a:t>Camera Controls</a:t>
+            </a:r>
+            <a:endParaRPr lang="en-US" dirty="0"/>
+          </a:p>
+        </p:txBody>
+      </p:sp>
+      <p:sp>
+        <p:nvSpPr>
+          <p:cNvPr id="3" name="Content Placeholder 2"/>
+          <p:cNvSpPr>
+            <a:spLocks noGrp="1"/>
+          </p:cNvSpPr>
+          <p:nvPr>
+            <p:ph idx="1"/>
+          </p:nvPr>
+        </p:nvSpPr>
+        <p:spPr/>
+        <p:txBody>
+          <a:bodyPr/>
+          <a:lstStyle/>
+          <a:p>
+            <a:endParaRPr lang="en-US"/>
+          </a:p>
+        </p:txBody>
+      </p:sp>
+    </p:spTree>
+    <p:extLst>
+      <p:ext uri="{BB962C8B-B14F-4D97-AF65-F5344CB8AC3E}">
+        <p14:creationId xmlns:p14="http://schemas.microsoft.com/office/powerpoint/2010/main" val="4243432018"/>
+      </p:ext>
+    </p:extLst>
+  </p:cSld>
+  <p:clrMapOvr>
+    <a:masterClrMapping/>
+  </p:clrMapOvr>
+</p:sld>
+</file>
+
+<file path=ppt/slides/slide12.xml><?xml version="1.0" encoding="utf-8"?>
+<p:sld xmlns:a="http://schemas.openxmlformats.org/drawingml/2006/main" xmlns:r="http://schemas.openxmlformats.org/officeDocument/2006/relationships" xmlns:p="http://schemas.openxmlformats.org/presentationml/2006/main">
+  <p:cSld>
+    <p:spTree>
+      <p:nvGrpSpPr>
+        <p:cNvPr id="1" name=""/>
+        <p:cNvGrpSpPr/>
+        <p:nvPr/>
+      </p:nvGrpSpPr>
+      <p:grpSpPr>
+        <a:xfrm>
+          <a:off x="0" y="0"/>
+          <a:ext cx="0" cy="0"/>
+          <a:chOff x="0" y="0"/>
+          <a:chExt cx="0" cy="0"/>
+        </a:xfrm>
+      </p:grpSpPr>
+      <p:sp>
+        <p:nvSpPr>
+          <p:cNvPr id="2" name="Title 1"/>
+          <p:cNvSpPr>
+            <a:spLocks noGrp="1"/>
+          </p:cNvSpPr>
+          <p:nvPr>
+            <p:ph type="title"/>
+          </p:nvPr>
+        </p:nvSpPr>
+        <p:spPr/>
+        <p:txBody>
+          <a:bodyPr/>
+          <a:lstStyle/>
+          <a:p>
+            <a:r>
+              <a:rPr lang="en-US" dirty="0" smtClean="0"/>
+              <a:t>Performance Statistics</a:t>
+            </a:r>
+            <a:endParaRPr lang="en-US" dirty="0"/>
+          </a:p>
+        </p:txBody>
+      </p:sp>
+      <p:sp>
+        <p:nvSpPr>
+          <p:cNvPr id="3" name="Content Placeholder 2"/>
+          <p:cNvSpPr>
+            <a:spLocks noGrp="1"/>
+          </p:cNvSpPr>
+          <p:nvPr>
+            <p:ph idx="1"/>
+          </p:nvPr>
+        </p:nvSpPr>
+        <p:spPr/>
+        <p:txBody>
+          <a:bodyPr/>
+          <a:lstStyle/>
+          <a:p>
+            <a:r>
+              <a:rPr lang="en-US" dirty="0" smtClean="0"/>
+              <a:t>FPS</a:t>
+            </a:r>
+          </a:p>
+        </p:txBody>
+      </p:sp>
+      <p:pic>
+        <p:nvPicPr>
+          <p:cNvPr id="4" name="Picture 3"/>
+          <p:cNvPicPr/>
+          <p:nvPr/>
+        </p:nvPicPr>
+        <p:blipFill>
+          <a:blip r:embed="rId2">
+            <a:extLst>
+              <a:ext uri="{28A0092B-C50C-407E-A947-70E740481C1C}">
+                <a14:useLocalDpi xmlns:a14="http://schemas.microsoft.com/office/drawing/2010/main" val="0"/>
+              </a:ext>
+            </a:extLst>
+          </a:blip>
+          <a:srcRect/>
+          <a:stretch>
+            <a:fillRect/>
+          </a:stretch>
+        </p:blipFill>
+        <p:spPr bwMode="auto">
+          <a:xfrm>
+            <a:off x="6492702" y="2633490"/>
+            <a:ext cx="2781300" cy="2934970"/>
+          </a:xfrm>
+          <a:prstGeom prst="rect">
+            <a:avLst/>
+          </a:prstGeom>
+          <a:noFill/>
+          <a:ln>
+            <a:noFill/>
+          </a:ln>
+        </p:spPr>
+      </p:pic>
+    </p:spTree>
+    <p:extLst>
+      <p:ext uri="{BB962C8B-B14F-4D97-AF65-F5344CB8AC3E}">
+        <p14:creationId xmlns:p14="http://schemas.microsoft.com/office/powerpoint/2010/main" val="4182685146"/>
+      </p:ext>
+    </p:extLst>
+  </p:cSld>
+  <p:clrMapOvr>
+    <a:masterClrMapping/>
+  </p:clrMapOvr>
+</p:sld>
+</file>
+
+<file path=ppt/slides/slide13.xml><?xml version="1.0" encoding="utf-8"?>
+<p:sld xmlns:a="http://schemas.openxmlformats.org/drawingml/2006/main" xmlns:r="http://schemas.openxmlformats.org/officeDocument/2006/relationships" xmlns:p="http://schemas.openxmlformats.org/presentationml/2006/main">
+  <p:cSld>
+    <p:spTree>
+      <p:nvGrpSpPr>
+        <p:cNvPr id="1" name=""/>
+        <p:cNvGrpSpPr/>
+        <p:nvPr/>
+      </p:nvGrpSpPr>
+      <p:grpSpPr>
+        <a:xfrm>
+          <a:off x="0" y="0"/>
+          <a:ext cx="0" cy="0"/>
+          <a:chOff x="0" y="0"/>
+          <a:chExt cx="0" cy="0"/>
+        </a:xfrm>
+      </p:grpSpPr>
+      <p:sp>
+        <p:nvSpPr>
+          <p:cNvPr id="2" name="Title 1"/>
+          <p:cNvSpPr>
+            <a:spLocks noGrp="1"/>
+          </p:cNvSpPr>
+          <p:nvPr>
+            <p:ph type="title"/>
+          </p:nvPr>
+        </p:nvSpPr>
+        <p:spPr/>
+        <p:txBody>
+          <a:bodyPr/>
+          <a:lstStyle/>
+          <a:p>
+            <a:r>
+              <a:rPr lang="en-US" dirty="0" smtClean="0"/>
+              <a:t>Technology</a:t>
+            </a:r>
+            <a:endParaRPr lang="en-US" dirty="0"/>
+          </a:p>
+        </p:txBody>
+      </p:sp>
+      <p:sp>
+        <p:nvSpPr>
+          <p:cNvPr id="3" name="Content Placeholder 2"/>
+          <p:cNvSpPr>
+            <a:spLocks noGrp="1"/>
+          </p:cNvSpPr>
+          <p:nvPr>
+            <p:ph idx="1"/>
+          </p:nvPr>
+        </p:nvSpPr>
+        <p:spPr/>
+        <p:txBody>
+          <a:bodyPr/>
+          <a:lstStyle/>
+          <a:p>
+            <a:r>
+              <a:rPr lang="en-US" dirty="0" smtClean="0"/>
+              <a:t>C++</a:t>
+            </a:r>
+          </a:p>
+          <a:p>
+            <a:r>
+              <a:rPr lang="en-US" dirty="0" smtClean="0"/>
+              <a:t>Windows 8.1 SDK</a:t>
+            </a:r>
+          </a:p>
+          <a:p>
+            <a:r>
+              <a:rPr lang="en-US" dirty="0" smtClean="0"/>
+              <a:t>DirectX 11 SDK</a:t>
+            </a:r>
+          </a:p>
+          <a:p>
+            <a:r>
+              <a:rPr lang="en-US" dirty="0" err="1" smtClean="0"/>
+              <a:t>DirecXTK</a:t>
+            </a:r>
+            <a:endParaRPr lang="en-US" dirty="0" smtClean="0"/>
+          </a:p>
+          <a:p>
+            <a:r>
+              <a:rPr lang="en-US" dirty="0" smtClean="0"/>
+              <a:t>Visual Studio 2013</a:t>
+            </a:r>
+          </a:p>
+          <a:p>
+            <a:r>
+              <a:rPr lang="en-US" dirty="0" err="1" smtClean="0"/>
+              <a:t>Github</a:t>
+            </a:r>
+            <a:r>
+              <a:rPr lang="en-US" dirty="0"/>
+              <a:t> </a:t>
+            </a:r>
+            <a:r>
+              <a:rPr lang="en-US" dirty="0" smtClean="0"/>
+              <a:t>/ </a:t>
+            </a:r>
+            <a:r>
+              <a:rPr lang="en-US" dirty="0" err="1" smtClean="0"/>
+              <a:t>GitExtentions</a:t>
+            </a:r>
+            <a:endParaRPr lang="en-US" dirty="0"/>
+          </a:p>
+        </p:txBody>
+      </p:sp>
+    </p:spTree>
+    <p:extLst>
+      <p:ext uri="{BB962C8B-B14F-4D97-AF65-F5344CB8AC3E}">
+        <p14:creationId xmlns:p14="http://schemas.microsoft.com/office/powerpoint/2010/main" val="2128679913"/>
+      </p:ext>
+    </p:extLst>
+  </p:cSld>
+  <p:clrMapOvr>
+    <a:masterClrMapping/>
+  </p:clrMapOvr>
+</p:sld>
+</file>
+
+<file path=ppt/slides/slide14.xml><?xml version="1.0" encoding="utf-8"?>
+<p:sld xmlns:a="http://schemas.openxmlformats.org/drawingml/2006/main" xmlns:r="http://schemas.openxmlformats.org/officeDocument/2006/relationships" xmlns:p="http://schemas.openxmlformats.org/presentationml/2006/main">
+  <p:cSld>
+    <p:spTree>
+      <p:nvGrpSpPr>
+        <p:cNvPr id="1" name=""/>
+        <p:cNvGrpSpPr/>
+        <p:nvPr/>
+      </p:nvGrpSpPr>
+      <p:grpSpPr>
+        <a:xfrm>
+          <a:off x="0" y="0"/>
+          <a:ext cx="0" cy="0"/>
+          <a:chOff x="0" y="0"/>
+          <a:chExt cx="0" cy="0"/>
+        </a:xfrm>
+      </p:grpSpPr>
+      <p:sp>
+        <p:nvSpPr>
+          <p:cNvPr id="2" name="Title 1"/>
+          <p:cNvSpPr>
+            <a:spLocks noGrp="1"/>
+          </p:cNvSpPr>
+          <p:nvPr>
+            <p:ph type="title"/>
+          </p:nvPr>
+        </p:nvSpPr>
+        <p:spPr/>
+        <p:txBody>
+          <a:bodyPr/>
+          <a:lstStyle/>
+          <a:p>
+            <a:r>
+              <a:rPr lang="en-US" dirty="0" smtClean="0"/>
+              <a:t>Challenges</a:t>
+            </a:r>
+            <a:endParaRPr lang="en-US" dirty="0"/>
+          </a:p>
+        </p:txBody>
+      </p:sp>
+      <p:sp>
+        <p:nvSpPr>
+          <p:cNvPr id="3" name="Content Placeholder 2"/>
+          <p:cNvSpPr>
+            <a:spLocks noGrp="1"/>
+          </p:cNvSpPr>
+          <p:nvPr>
+            <p:ph idx="1"/>
+          </p:nvPr>
+        </p:nvSpPr>
+        <p:spPr/>
+        <p:txBody>
+          <a:bodyPr/>
+          <a:lstStyle/>
+          <a:p>
+            <a:r>
+              <a:rPr lang="en-US" dirty="0" smtClean="0"/>
+              <a:t>Sharp Transitions</a:t>
+            </a:r>
+          </a:p>
+          <a:p>
+            <a:r>
+              <a:rPr lang="en-US" dirty="0" smtClean="0"/>
+              <a:t>Texture Stretching</a:t>
+            </a:r>
+          </a:p>
+          <a:p>
+            <a:r>
+              <a:rPr lang="en-US" dirty="0" smtClean="0"/>
+              <a:t>Sea Level </a:t>
+            </a:r>
+            <a:r>
+              <a:rPr lang="en-US" dirty="0" err="1" smtClean="0"/>
+              <a:t>Transisiton</a:t>
+            </a:r>
+            <a:endParaRPr lang="en-US" dirty="0" smtClean="0"/>
+          </a:p>
+          <a:p>
+            <a:r>
+              <a:rPr lang="en-US" dirty="0" smtClean="0"/>
+              <a:t>Clipping</a:t>
+            </a:r>
+          </a:p>
+          <a:p>
+            <a:r>
+              <a:rPr lang="en-US" dirty="0" smtClean="0"/>
+              <a:t>Skybox Edges</a:t>
+            </a:r>
+            <a:endParaRPr lang="en-US" dirty="0"/>
+          </a:p>
+        </p:txBody>
+      </p:sp>
+    </p:spTree>
+    <p:extLst>
+      <p:ext uri="{BB962C8B-B14F-4D97-AF65-F5344CB8AC3E}">
+        <p14:creationId xmlns:p14="http://schemas.microsoft.com/office/powerpoint/2010/main" val="1529131390"/>
+      </p:ext>
+    </p:extLst>
+  </p:cSld>
+  <p:clrMapOvr>
+    <a:masterClrMapping/>
+  </p:clrMapOvr>
+</p:sld>
+</file>
+
+<file path=ppt/slides/slide15.xml><?xml version="1.0" encoding="utf-8"?>
+<p:sld xmlns:a="http://schemas.openxmlformats.org/drawingml/2006/main" xmlns:r="http://schemas.openxmlformats.org/officeDocument/2006/relationships" xmlns:p="http://schemas.openxmlformats.org/presentationml/2006/main">
+  <p:cSld>
+    <p:spTree>
+      <p:nvGrpSpPr>
+        <p:cNvPr id="1" name=""/>
+        <p:cNvGrpSpPr/>
+        <p:nvPr/>
+      </p:nvGrpSpPr>
+      <p:grpSpPr>
+        <a:xfrm>
+          <a:off x="0" y="0"/>
+          <a:ext cx="0" cy="0"/>
+          <a:chOff x="0" y="0"/>
+          <a:chExt cx="0" cy="0"/>
+        </a:xfrm>
+      </p:grpSpPr>
+      <p:sp>
+        <p:nvSpPr>
+          <p:cNvPr id="2" name="Title 1"/>
+          <p:cNvSpPr>
+            <a:spLocks noGrp="1"/>
+          </p:cNvSpPr>
+          <p:nvPr>
+            <p:ph type="title"/>
+          </p:nvPr>
+        </p:nvSpPr>
+        <p:spPr/>
+        <p:txBody>
+          <a:bodyPr/>
+          <a:lstStyle/>
+          <a:p>
+            <a:r>
+              <a:rPr lang="en-US" dirty="0" smtClean="0"/>
+              <a:t>Conclusion</a:t>
+            </a:r>
+            <a:endParaRPr lang="en-US" dirty="0"/>
+          </a:p>
+        </p:txBody>
+      </p:sp>
+      <p:sp>
+        <p:nvSpPr>
+          <p:cNvPr id="3" name="Content Placeholder 2"/>
+          <p:cNvSpPr>
+            <a:spLocks noGrp="1"/>
+          </p:cNvSpPr>
+          <p:nvPr>
+            <p:ph idx="1"/>
+          </p:nvPr>
+        </p:nvSpPr>
+        <p:spPr/>
+        <p:txBody>
+          <a:bodyPr/>
+          <a:lstStyle/>
+          <a:p>
+            <a:endParaRPr lang="en-US"/>
+          </a:p>
+        </p:txBody>
+      </p:sp>
+    </p:spTree>
+    <p:extLst>
+      <p:ext uri="{BB962C8B-B14F-4D97-AF65-F5344CB8AC3E}">
+        <p14:creationId xmlns:p14="http://schemas.microsoft.com/office/powerpoint/2010/main" val="10931396"/>
+      </p:ext>
+    </p:extLst>
+  </p:cSld>
+  <p:clrMapOvr>
+    <a:masterClrMapping/>
+  </p:clrMapOvr>
+</p:sld>
+</file>
+
+<file path=ppt/slides/slide16.xml><?xml version="1.0" encoding="utf-8"?>
+<p:sld xmlns:a="http://schemas.openxmlformats.org/drawingml/2006/main" xmlns:r="http://schemas.openxmlformats.org/officeDocument/2006/relationships" xmlns:p="http://schemas.openxmlformats.org/presentationml/2006/main">
+  <p:cSld>
+    <p:spTree>
+      <p:nvGrpSpPr>
+        <p:cNvPr id="1" name=""/>
+        <p:cNvGrpSpPr/>
+        <p:nvPr/>
+      </p:nvGrpSpPr>
+      <p:grpSpPr>
+        <a:xfrm>
+          <a:off x="0" y="0"/>
+          <a:ext cx="0" cy="0"/>
+          <a:chOff x="0" y="0"/>
+          <a:chExt cx="0" cy="0"/>
+        </a:xfrm>
+      </p:grpSpPr>
+      <p:sp>
+        <p:nvSpPr>
+          <p:cNvPr id="2" name="Title 1"/>
+          <p:cNvSpPr>
+            <a:spLocks noGrp="1"/>
+          </p:cNvSpPr>
+          <p:nvPr>
+            <p:ph type="title"/>
+          </p:nvPr>
+        </p:nvSpPr>
+        <p:spPr/>
+        <p:txBody>
+          <a:bodyPr/>
+          <a:lstStyle/>
+          <a:p>
+            <a:r>
+              <a:rPr lang="en-US" dirty="0" smtClean="0"/>
+              <a:t>Future Enhancements</a:t>
+            </a:r>
+            <a:endParaRPr lang="en-US" dirty="0"/>
+          </a:p>
+        </p:txBody>
+      </p:sp>
+      <p:sp>
+        <p:nvSpPr>
+          <p:cNvPr id="3" name="Content Placeholder 2"/>
+          <p:cNvSpPr>
+            <a:spLocks noGrp="1"/>
+          </p:cNvSpPr>
+          <p:nvPr>
+            <p:ph idx="1"/>
+          </p:nvPr>
+        </p:nvSpPr>
+        <p:spPr/>
+        <p:txBody>
+          <a:bodyPr/>
+          <a:lstStyle/>
+          <a:p>
+            <a:r>
+              <a:rPr lang="en-US" dirty="0" smtClean="0"/>
+              <a:t>Shadow Mapping</a:t>
+            </a:r>
+          </a:p>
+          <a:p>
+            <a:r>
+              <a:rPr lang="en-US" dirty="0" smtClean="0"/>
+              <a:t>Tessellation </a:t>
+            </a:r>
+            <a:r>
+              <a:rPr lang="en-US" dirty="0" err="1" smtClean="0"/>
+              <a:t>Shader</a:t>
+            </a:r>
+            <a:endParaRPr lang="en-US" dirty="0" smtClean="0"/>
+          </a:p>
+          <a:p>
+            <a:r>
+              <a:rPr lang="en-US" dirty="0" smtClean="0"/>
+              <a:t>Terrain Editor</a:t>
+            </a:r>
+          </a:p>
+          <a:p>
+            <a:r>
+              <a:rPr lang="en-US" dirty="0" smtClean="0"/>
+              <a:t>Ocean </a:t>
+            </a:r>
+            <a:r>
+              <a:rPr lang="en-US" dirty="0" err="1" smtClean="0"/>
+              <a:t>Shader</a:t>
+            </a:r>
+            <a:endParaRPr lang="en-US" dirty="0" smtClean="0"/>
+          </a:p>
+          <a:p>
+            <a:r>
+              <a:rPr lang="en-US" dirty="0" smtClean="0"/>
+              <a:t>User Interface</a:t>
+            </a:r>
+          </a:p>
+          <a:p>
+            <a:r>
+              <a:rPr lang="en-US" dirty="0" smtClean="0"/>
+              <a:t>Segway to Game Engine</a:t>
+            </a:r>
+            <a:endParaRPr lang="en-US" dirty="0"/>
+          </a:p>
+        </p:txBody>
+      </p:sp>
+    </p:spTree>
+    <p:extLst>
+      <p:ext uri="{BB962C8B-B14F-4D97-AF65-F5344CB8AC3E}">
+        <p14:creationId xmlns:p14="http://schemas.microsoft.com/office/powerpoint/2010/main" val="4214031117"/>
+      </p:ext>
+    </p:extLst>
+  </p:cSld>
+  <p:clrMapOvr>
+    <a:masterClrMapping/>
+  </p:clrMapOvr>
+</p:sld>
+</file>
+
+<file path=ppt/slides/slide17.xml><?xml version="1.0" encoding="utf-8"?>
+<p:sld xmlns:a="http://schemas.openxmlformats.org/drawingml/2006/main" xmlns:r="http://schemas.openxmlformats.org/officeDocument/2006/relationships" xmlns:p="http://schemas.openxmlformats.org/presentationml/2006/main">
+  <p:cSld>
+    <p:spTree>
+      <p:nvGrpSpPr>
+        <p:cNvPr id="1" name=""/>
+        <p:cNvGrpSpPr/>
+        <p:nvPr/>
+      </p:nvGrpSpPr>
+      <p:grpSpPr>
+        <a:xfrm>
+          <a:off x="0" y="0"/>
+          <a:ext cx="0" cy="0"/>
+          <a:chOff x="0" y="0"/>
+          <a:chExt cx="0" cy="0"/>
+        </a:xfrm>
+      </p:grpSpPr>
+      <p:sp>
+        <p:nvSpPr>
+          <p:cNvPr id="2" name="Title 1"/>
+          <p:cNvSpPr>
+            <a:spLocks noGrp="1"/>
+          </p:cNvSpPr>
+          <p:nvPr>
+            <p:ph type="title"/>
+          </p:nvPr>
+        </p:nvSpPr>
+        <p:spPr/>
+        <p:txBody>
+          <a:bodyPr/>
+          <a:lstStyle/>
+          <a:p>
+            <a:r>
+              <a:rPr lang="en-US" dirty="0" smtClean="0"/>
+              <a:t>Demo</a:t>
+            </a:r>
+            <a:endParaRPr lang="en-US" dirty="0"/>
+          </a:p>
+        </p:txBody>
+      </p:sp>
+      <p:sp>
+        <p:nvSpPr>
+          <p:cNvPr id="3" name="Content Placeholder 2"/>
+          <p:cNvSpPr>
+            <a:spLocks noGrp="1"/>
+          </p:cNvSpPr>
+          <p:nvPr>
+            <p:ph sz="half" idx="1"/>
+          </p:nvPr>
+        </p:nvSpPr>
+        <p:spPr/>
+        <p:txBody>
+          <a:bodyPr>
+            <a:normAutofit fontScale="85000" lnSpcReduction="20000"/>
+          </a:bodyPr>
+          <a:lstStyle/>
+          <a:p>
+            <a:pPr lvl="0"/>
+            <a:r>
+              <a:rPr lang="en-US" dirty="0"/>
+              <a:t>‘w’ – Move camera forward</a:t>
+            </a:r>
+          </a:p>
+          <a:p>
+            <a:pPr lvl="0"/>
+            <a:r>
+              <a:rPr lang="en-US" dirty="0"/>
+              <a:t>‘s’ – Move camera back</a:t>
+            </a:r>
+          </a:p>
+          <a:p>
+            <a:pPr lvl="0"/>
+            <a:r>
+              <a:rPr lang="en-US" dirty="0"/>
+              <a:t>‘a’ – Yaw camera left</a:t>
+            </a:r>
+          </a:p>
+          <a:p>
+            <a:pPr lvl="0"/>
+            <a:r>
+              <a:rPr lang="en-US" dirty="0"/>
+              <a:t>‘d’ – Yaw camera right</a:t>
+            </a:r>
+          </a:p>
+          <a:p>
+            <a:pPr lvl="0"/>
+            <a:r>
+              <a:rPr lang="en-US" dirty="0"/>
+              <a:t>‘e’ – Pitch camera up</a:t>
+            </a:r>
+          </a:p>
+          <a:p>
+            <a:pPr lvl="0"/>
+            <a:r>
+              <a:rPr lang="en-US" dirty="0"/>
+              <a:t>‘c’ – Pitch camera down</a:t>
+            </a:r>
+          </a:p>
+          <a:p>
+            <a:pPr lvl="0"/>
+            <a:r>
+              <a:rPr lang="en-US" dirty="0"/>
+              <a:t>‘k’ –Screen shot</a:t>
+            </a:r>
+          </a:p>
+          <a:p>
+            <a:pPr lvl="0"/>
+            <a:r>
+              <a:rPr lang="en-US" dirty="0"/>
+              <a:t>‘l’ – Toggle Lighting</a:t>
+            </a:r>
+          </a:p>
+          <a:p>
+            <a:pPr lvl="0"/>
+            <a:r>
+              <a:rPr lang="en-US" dirty="0"/>
+              <a:t>‘m’ – Toggle wire-mesh</a:t>
+            </a:r>
+          </a:p>
+          <a:p>
+            <a:pPr lvl="0"/>
+            <a:r>
+              <a:rPr lang="en-US" dirty="0"/>
+              <a:t>‘t’ – Toggle texturing</a:t>
+            </a:r>
+          </a:p>
+          <a:p>
+            <a:pPr lvl="0"/>
+            <a:r>
+              <a:rPr lang="en-US" dirty="0"/>
+              <a:t>‘1’ – Toggle terrain</a:t>
+            </a:r>
+          </a:p>
+          <a:p>
+            <a:pPr lvl="0"/>
+            <a:r>
+              <a:rPr lang="en-US" dirty="0"/>
+              <a:t>‘2’ – Toggle skybox</a:t>
+            </a:r>
+          </a:p>
+        </p:txBody>
+      </p:sp>
+      <p:sp>
+        <p:nvSpPr>
+          <p:cNvPr id="4" name="Content Placeholder 3"/>
+          <p:cNvSpPr>
+            <a:spLocks noGrp="1"/>
+          </p:cNvSpPr>
+          <p:nvPr>
+            <p:ph sz="half" idx="2"/>
+          </p:nvPr>
+        </p:nvSpPr>
+        <p:spPr>
+          <a:xfrm>
+            <a:off x="4461429" y="1424801"/>
+            <a:ext cx="4184034" cy="3880773"/>
+          </a:xfrm>
+        </p:spPr>
+        <p:txBody>
+          <a:bodyPr/>
+          <a:lstStyle/>
+          <a:p>
+            <a:pPr marL="0" indent="0" algn="ctr">
+              <a:buNone/>
+            </a:pPr>
+            <a:endParaRPr lang="en-US" dirty="0" smtClean="0">
+              <a:solidFill>
+                <a:schemeClr val="accent2">
+                  <a:lumMod val="60000"/>
+                  <a:lumOff val="40000"/>
+                </a:schemeClr>
+              </a:solidFill>
+              <a:latin typeface="+mj-lt"/>
+            </a:endParaRPr>
+          </a:p>
+          <a:p>
+            <a:pPr marL="0" indent="0" algn="ctr">
+              <a:buNone/>
+            </a:pPr>
+            <a:endParaRPr lang="en-US" dirty="0">
+              <a:solidFill>
+                <a:schemeClr val="accent2">
+                  <a:lumMod val="60000"/>
+                  <a:lumOff val="40000"/>
+                </a:schemeClr>
+              </a:solidFill>
+              <a:latin typeface="+mj-lt"/>
+            </a:endParaRPr>
+          </a:p>
+          <a:p>
+            <a:pPr marL="0" indent="0" algn="ctr">
+              <a:buNone/>
+            </a:pPr>
+            <a:endParaRPr lang="en-US" dirty="0" smtClean="0">
+              <a:solidFill>
+                <a:schemeClr val="accent2">
+                  <a:lumMod val="60000"/>
+                  <a:lumOff val="40000"/>
+                </a:schemeClr>
+              </a:solidFill>
+              <a:latin typeface="+mj-lt"/>
+            </a:endParaRPr>
+          </a:p>
+          <a:p>
+            <a:pPr marL="0" indent="0" algn="ctr">
+              <a:buNone/>
+            </a:pPr>
+            <a:endParaRPr lang="en-US" dirty="0">
+              <a:solidFill>
+                <a:schemeClr val="accent2">
+                  <a:lumMod val="60000"/>
+                  <a:lumOff val="40000"/>
+                </a:schemeClr>
+              </a:solidFill>
+              <a:latin typeface="+mj-lt"/>
+            </a:endParaRPr>
+          </a:p>
+          <a:p>
+            <a:pPr marL="0" indent="0" algn="ctr">
+              <a:buNone/>
+            </a:pPr>
+            <a:r>
+              <a:rPr lang="en-US" sz="4000" dirty="0" smtClean="0">
+                <a:solidFill>
+                  <a:schemeClr val="accent2">
+                    <a:lumMod val="60000"/>
+                    <a:lumOff val="40000"/>
+                  </a:schemeClr>
+                </a:solidFill>
+                <a:latin typeface="Cooper Black" panose="0208090404030B020404" pitchFamily="18" charset="0"/>
+              </a:rPr>
+              <a:t>THANK YOU !</a:t>
+            </a:r>
+            <a:endParaRPr lang="en-US" sz="4000" dirty="0">
+              <a:solidFill>
+                <a:schemeClr val="accent2">
+                  <a:lumMod val="60000"/>
+                  <a:lumOff val="40000"/>
+                </a:schemeClr>
+              </a:solidFill>
+              <a:latin typeface="Cooper Black" panose="0208090404030B020404" pitchFamily="18" charset="0"/>
+            </a:endParaRPr>
+          </a:p>
+        </p:txBody>
+      </p:sp>
+      <p:pic>
+        <p:nvPicPr>
+          <p:cNvPr id="5" name="Picture 4"/>
+          <p:cNvPicPr/>
+          <p:nvPr/>
+        </p:nvPicPr>
+        <p:blipFill>
+          <a:blip r:embed="rId2">
+            <a:extLst>
+              <a:ext uri="{28A0092B-C50C-407E-A947-70E740481C1C}">
+                <a14:useLocalDpi xmlns:a14="http://schemas.microsoft.com/office/drawing/2010/main" val="0"/>
+              </a:ext>
+            </a:extLst>
+          </a:blip>
+          <a:srcRect/>
+          <a:stretch>
+            <a:fillRect/>
+          </a:stretch>
+        </p:blipFill>
+        <p:spPr bwMode="auto">
+          <a:xfrm>
+            <a:off x="6770832" y="368968"/>
+            <a:ext cx="2503170" cy="2590800"/>
+          </a:xfrm>
+          <a:prstGeom prst="rect">
+            <a:avLst/>
+          </a:prstGeom>
+          <a:noFill/>
+          <a:ln>
+            <a:noFill/>
+          </a:ln>
+        </p:spPr>
+      </p:pic>
+      <p:pic>
+        <p:nvPicPr>
+          <p:cNvPr id="6" name="Picture 5"/>
+          <p:cNvPicPr/>
+          <p:nvPr/>
+        </p:nvPicPr>
+        <p:blipFill>
+          <a:blip r:embed="rId3">
+            <a:extLst>
+              <a:ext uri="{28A0092B-C50C-407E-A947-70E740481C1C}">
+                <a14:useLocalDpi xmlns:a14="http://schemas.microsoft.com/office/drawing/2010/main" val="0"/>
+              </a:ext>
+            </a:extLst>
+          </a:blip>
+          <a:srcRect/>
+          <a:stretch>
+            <a:fillRect/>
+          </a:stretch>
+        </p:blipFill>
+        <p:spPr bwMode="auto">
+          <a:xfrm>
+            <a:off x="3838385" y="368968"/>
+            <a:ext cx="2503170" cy="2590800"/>
+          </a:xfrm>
+          <a:prstGeom prst="rect">
+            <a:avLst/>
+          </a:prstGeom>
+          <a:noFill/>
+          <a:ln>
+            <a:noFill/>
+          </a:ln>
+        </p:spPr>
+      </p:pic>
+      <p:pic>
+        <p:nvPicPr>
+          <p:cNvPr id="7" name="Picture 6"/>
+          <p:cNvPicPr/>
+          <p:nvPr/>
+        </p:nvPicPr>
+        <p:blipFill>
+          <a:blip r:embed="rId4">
+            <a:extLst>
+              <a:ext uri="{28A0092B-C50C-407E-A947-70E740481C1C}">
+                <a14:useLocalDpi xmlns:a14="http://schemas.microsoft.com/office/drawing/2010/main" val="0"/>
+              </a:ext>
+            </a:extLst>
+          </a:blip>
+          <a:srcRect/>
+          <a:stretch>
+            <a:fillRect/>
+          </a:stretch>
+        </p:blipFill>
+        <p:spPr bwMode="auto">
+          <a:xfrm>
+            <a:off x="3827491" y="3855690"/>
+            <a:ext cx="2503170" cy="2590165"/>
+          </a:xfrm>
+          <a:prstGeom prst="rect">
+            <a:avLst/>
+          </a:prstGeom>
+          <a:noFill/>
+          <a:ln>
+            <a:noFill/>
+          </a:ln>
+        </p:spPr>
+      </p:pic>
+      <p:pic>
+        <p:nvPicPr>
+          <p:cNvPr id="8" name="Picture 7"/>
+          <p:cNvPicPr/>
+          <p:nvPr/>
+        </p:nvPicPr>
+        <p:blipFill>
+          <a:blip r:embed="rId5">
+            <a:extLst>
+              <a:ext uri="{28A0092B-C50C-407E-A947-70E740481C1C}">
+                <a14:useLocalDpi xmlns:a14="http://schemas.microsoft.com/office/drawing/2010/main" val="0"/>
+              </a:ext>
+            </a:extLst>
+          </a:blip>
+          <a:srcRect/>
+          <a:stretch>
+            <a:fillRect/>
+          </a:stretch>
+        </p:blipFill>
+        <p:spPr bwMode="auto">
+          <a:xfrm>
+            <a:off x="6765434" y="3813148"/>
+            <a:ext cx="2513965" cy="2601595"/>
+          </a:xfrm>
+          <a:prstGeom prst="rect">
+            <a:avLst/>
+          </a:prstGeom>
+          <a:noFill/>
+          <a:ln>
+            <a:noFill/>
+          </a:ln>
+        </p:spPr>
+      </p:pic>
+    </p:spTree>
+    <p:extLst>
+      <p:ext uri="{BB962C8B-B14F-4D97-AF65-F5344CB8AC3E}">
+        <p14:creationId xmlns:p14="http://schemas.microsoft.com/office/powerpoint/2010/main" val="4069655452"/>
+      </p:ext>
+    </p:extLst>
+  </p:cSld>
+  <p:clrMapOvr>
+    <a:masterClrMapping/>
+  </p:clrMapOvr>
+  <p:timing>
+    <p:tnLst>
+      <p:par>
+        <p:cTn id="1" dur="indefinite" restart="never" nodeType="tmRoot"/>
+      </p:par>
+    </p:tnLst>
+  </p:timing>
+</p:sld>
+</file>
+
 <file path=ppt/slides/slide2.xml><?xml version="1.0" encoding="utf-8"?>
 <p:sld xmlns:a="http://schemas.openxmlformats.org/drawingml/2006/main" xmlns:r="http://schemas.openxmlformats.org/officeDocument/2006/relationships" xmlns:p="http://schemas.openxmlformats.org/presentationml/2006/main">
   <p:cSld>
@@ -5926,7 +7051,7 @@
         <p:spPr/>
         <p:txBody>
           <a:bodyPr>
-            <a:normAutofit fontScale="92500" lnSpcReduction="20000"/>
+            <a:normAutofit lnSpcReduction="10000"/>
           </a:bodyPr>
           <a:lstStyle/>
           <a:p>
@@ -5938,8 +7063,9 @@
           <a:p>
             <a:r>
               <a:rPr lang="en-US" dirty="0" smtClean="0"/>
-              <a:t>Background</a:t>
-            </a:r>
+              <a:t>Background &amp; Motivation</a:t>
+            </a:r>
+            <a:endParaRPr lang="en-US" dirty="0" smtClean="0"/>
           </a:p>
           <a:p>
             <a:r>
@@ -5950,14 +7076,9 @@
           <a:p>
             <a:r>
               <a:rPr lang="en-US" dirty="0" smtClean="0"/>
-              <a:t>Multi-texturing</a:t>
-            </a:r>
-          </a:p>
-          <a:p>
-            <a:r>
-              <a:rPr lang="en-US" dirty="0" smtClean="0"/>
-              <a:t>Tri-planar texture mapping</a:t>
-            </a:r>
+              <a:t>Rendering Techniques</a:t>
+            </a:r>
+            <a:endParaRPr lang="en-US" dirty="0" smtClean="0"/>
           </a:p>
           <a:p>
             <a:r>
@@ -6072,7 +7193,58 @@
           <a:bodyPr/>
           <a:lstStyle/>
           <a:p>
-            <a:endParaRPr lang="en-US"/>
+            <a:r>
+              <a:rPr lang="en-US" dirty="0" smtClean="0"/>
+              <a:t>Height map generation</a:t>
+            </a:r>
+          </a:p>
+          <a:p>
+            <a:r>
+              <a:rPr lang="en-US" dirty="0" smtClean="0"/>
+              <a:t>Tessellation</a:t>
+            </a:r>
+          </a:p>
+          <a:p>
+            <a:r>
+              <a:rPr lang="en-US" dirty="0" smtClean="0"/>
+              <a:t>Calculating </a:t>
+            </a:r>
+            <a:r>
+              <a:rPr lang="en-US" dirty="0" err="1" smtClean="0"/>
+              <a:t>Normals</a:t>
+            </a:r>
+            <a:endParaRPr lang="en-US" dirty="0" smtClean="0"/>
+          </a:p>
+          <a:p>
+            <a:r>
+              <a:rPr lang="en-US" dirty="0" smtClean="0"/>
+              <a:t>Lighting</a:t>
+            </a:r>
+          </a:p>
+          <a:p>
+            <a:r>
+              <a:rPr lang="en-US" dirty="0" smtClean="0"/>
+              <a:t>Texturing</a:t>
+            </a:r>
+          </a:p>
+          <a:p>
+            <a:r>
+              <a:rPr lang="en-US" dirty="0" smtClean="0"/>
+              <a:t>Skybox</a:t>
+            </a:r>
+          </a:p>
+          <a:p>
+            <a:r>
+              <a:rPr lang="en-US" dirty="0" smtClean="0"/>
+              <a:t>Camera Controls</a:t>
+            </a:r>
+          </a:p>
+          <a:p>
+            <a:r>
+              <a:rPr lang="en-US" dirty="0" smtClean="0"/>
+              <a:t>Performance Statistics</a:t>
+            </a:r>
+            <a:endParaRPr lang="en-US" dirty="0"/>
           </a:p>
         </p:txBody>
       </p:sp>
@@ -6151,7 +7323,21 @@
           <a:bodyPr/>
           <a:lstStyle/>
           <a:p>
-            <a:endParaRPr lang="en-US"/>
+            <a:r>
+              <a:rPr lang="en-US" dirty="0" smtClean="0"/>
+              <a:t>Diamon</a:t>
+            </a:r>
+            <a:r>
+              <a:rPr lang="en-US" dirty="0" smtClean="0"/>
+              <a:t>d Square Recursive Subdivision</a:t>
+            </a:r>
+          </a:p>
+          <a:p>
+            <a:r>
+              <a:rPr lang="en-US" dirty="0" smtClean="0"/>
+              <a:t>Applications</a:t>
+            </a:r>
+            <a:endParaRPr lang="en-US" dirty="0"/>
           </a:p>
         </p:txBody>
       </p:sp>
@@ -6236,15 +7422,13 @@
             </a:r>
             <a:r>
               <a:rPr lang="en-US" dirty="0" smtClean="0"/>
-              <a:t> Noise</a:t>
-            </a:r>
-          </a:p>
-          <a:p>
+              <a:t> </a:t>
+            </a:r>
             <a:r>
               <a:rPr lang="en-US" dirty="0" smtClean="0"/>
-              <a:t>Diamond Square Recursive subdivision</a:t>
-            </a:r>
-            <a:endParaRPr lang="en-US" dirty="0"/>
+              <a:t>Noise</a:t>
+            </a:r>
+            <a:endParaRPr lang="en-US" dirty="0" smtClean="0"/>
           </a:p>
         </p:txBody>
       </p:sp>
@@ -6301,9 +7485,10 @@
           <a:lstStyle/>
           <a:p>
             <a:r>
-              <a:rPr lang="en-US" dirty="0"/>
-              <a:t>Multi-texturing</a:t>
-            </a:r>
+              <a:rPr lang="en-US" dirty="0" smtClean="0"/>
+              <a:t>Tessellation</a:t>
+            </a:r>
+            <a:endParaRPr lang="en-US" dirty="0"/>
           </a:p>
         </p:txBody>
       </p:sp>
@@ -6326,6 +7511,72 @@
           </a:p>
         </p:txBody>
       </p:sp>
+      <p:pic>
+        <p:nvPicPr>
+          <p:cNvPr id="4" name="Picture 3"/>
+          <p:cNvPicPr/>
+          <p:nvPr/>
+        </p:nvPicPr>
+        <p:blipFill>
+          <a:blip r:embed="rId2">
+            <a:extLst>
+              <a:ext uri="{28A0092B-C50C-407E-A947-70E740481C1C}">
+                <a14:useLocalDpi xmlns:a14="http://schemas.microsoft.com/office/drawing/2010/main" val="0"/>
+              </a:ext>
+            </a:extLst>
+          </a:blip>
+          <a:srcRect/>
+          <a:stretch>
+            <a:fillRect/>
+          </a:stretch>
+        </p:blipFill>
+        <p:spPr bwMode="auto">
+          <a:xfrm>
+            <a:off x="7270577" y="2160589"/>
+            <a:ext cx="2003425" cy="1571625"/>
+          </a:xfrm>
+          <a:prstGeom prst="rect">
+            <a:avLst/>
+          </a:prstGeom>
+          <a:noFill/>
+          <a:ln>
+            <a:noFill/>
+          </a:ln>
+        </p:spPr>
+      </p:pic>
+      <p:pic>
+        <p:nvPicPr>
+          <p:cNvPr id="5" name="Picture 4"/>
+          <p:cNvPicPr/>
+          <p:nvPr/>
+        </p:nvPicPr>
+        <p:blipFill>
+          <a:blip r:embed="rId3">
+            <a:extLst>
+              <a:ext uri="{28A0092B-C50C-407E-A947-70E740481C1C}">
+                <a14:useLocalDpi xmlns:a14="http://schemas.microsoft.com/office/drawing/2010/main" val="0"/>
+              </a:ext>
+            </a:extLst>
+          </a:blip>
+          <a:srcRect/>
+          <a:stretch>
+            <a:fillRect/>
+          </a:stretch>
+        </p:blipFill>
+        <p:spPr bwMode="auto">
+          <a:xfrm>
+            <a:off x="7245177" y="4100975"/>
+            <a:ext cx="2028825" cy="1590675"/>
+          </a:xfrm>
+          <a:prstGeom prst="rect">
+            <a:avLst/>
+          </a:prstGeom>
+          <a:noFill/>
+          <a:ln>
+            <a:noFill/>
+          </a:ln>
+        </p:spPr>
+      </p:pic>
     </p:spTree>
     <p:extLst>
       <p:ext uri="{BB962C8B-B14F-4D97-AF65-F5344CB8AC3E}">
@@ -6380,7 +7631,11 @@
           <a:p>
             <a:r>
               <a:rPr lang="en-US" dirty="0" smtClean="0"/>
-              <a:t>Tri-planar texture mapping</a:t>
+              <a:t>Calculating </a:t>
+            </a:r>
+            <a:r>
+              <a:rPr lang="en-US" dirty="0" err="1" smtClean="0"/>
+              <a:t>Normals</a:t>
             </a:r>
             <a:endParaRPr lang="en-US" dirty="0"/>
           </a:p>
@@ -6457,7 +7712,11 @@
           <a:bodyPr/>
           <a:lstStyle/>
           <a:p>
-            <a:endParaRPr lang="en-US"/>
+            <a:r>
+              <a:rPr lang="en-US" dirty="0" smtClean="0"/>
+              <a:t>Lighting</a:t>
+            </a:r>
+            <a:endParaRPr lang="en-US" dirty="0"/>
           </a:p>
         </p:txBody>
       </p:sp>
@@ -6476,10 +7735,43 @@
           <a:bodyPr/>
           <a:lstStyle/>
           <a:p>
-            <a:endParaRPr lang="en-US"/>
-          </a:p>
-        </p:txBody>
-      </p:sp>
+            <a:endParaRPr lang="en-US" dirty="0"/>
+          </a:p>
+        </p:txBody>
+      </p:sp>
+      <p:pic>
+        <p:nvPicPr>
+          <p:cNvPr id="4" name="Picture 3"/>
+          <p:cNvPicPr/>
+          <p:nvPr/>
+        </p:nvPicPr>
+        <p:blipFill>
+          <a:blip r:embed="rId2">
+            <a:extLst>
+              <a:ext uri="{28A0092B-C50C-407E-A947-70E740481C1C}">
+                <a14:useLocalDpi xmlns:a14="http://schemas.microsoft.com/office/drawing/2010/main" val="0"/>
+              </a:ext>
+            </a:extLst>
+          </a:blip>
+          <a:srcRect/>
+          <a:stretch>
+            <a:fillRect/>
+          </a:stretch>
+        </p:blipFill>
+        <p:spPr bwMode="auto">
+          <a:xfrm>
+            <a:off x="6396182" y="2813634"/>
+            <a:ext cx="2877820" cy="2257425"/>
+          </a:xfrm>
+          <a:prstGeom prst="rect">
+            <a:avLst/>
+          </a:prstGeom>
+          <a:noFill/>
+          <a:ln>
+            <a:noFill/>
+          </a:ln>
+        </p:spPr>
+      </p:pic>
     </p:spTree>
     <p:extLst>
       <p:ext uri="{BB962C8B-B14F-4D97-AF65-F5344CB8AC3E}">
@@ -6532,134 +7824,61 @@
           <a:bodyPr/>
           <a:lstStyle/>
           <a:p>
-            <a:pPr algn="ctr"/>
             <a:r>
               <a:rPr lang="en-US" dirty="0" smtClean="0"/>
-              <a:t>Demo</a:t>
-            </a:r>
-            <a:endParaRPr lang="en-US" dirty="0"/>
-          </a:p>
-        </p:txBody>
-      </p:sp>
-      <p:sp>
-        <p:nvSpPr>
-          <p:cNvPr id="3" name="Content Placeholder 2"/>
-          <p:cNvSpPr>
-            <a:spLocks noGrp="1"/>
-          </p:cNvSpPr>
+              <a:t>Texturing</a:t>
+            </a:r>
+            <a:endParaRPr lang="en-US" dirty="0"/>
+          </a:p>
+        </p:txBody>
+      </p:sp>
+      <p:pic>
+        <p:nvPicPr>
+          <p:cNvPr id="4" name="Content Placeholder 3"/>
+          <p:cNvPicPr>
+            <a:picLocks noGrp="1"/>
+          </p:cNvPicPr>
           <p:nvPr>
             <p:ph idx="1"/>
           </p:nvPr>
-        </p:nvSpPr>
-        <p:spPr/>
-        <p:txBody>
-          <a:bodyPr>
-            <a:normAutofit fontScale="85000" lnSpcReduction="20000"/>
-          </a:bodyPr>
-          <a:lstStyle/>
-          <a:p>
-            <a:pPr lvl="0"/>
-            <a:r>
-              <a:rPr lang="en-US" dirty="0"/>
-              <a:t>‘w’ – Move camera forward</a:t>
-            </a:r>
-          </a:p>
-          <a:p>
-            <a:pPr lvl="0"/>
-            <a:r>
-              <a:rPr lang="en-US" dirty="0"/>
-              <a:t>‘s’ – Move camera back</a:t>
-            </a:r>
-          </a:p>
-          <a:p>
-            <a:pPr lvl="0"/>
-            <a:r>
-              <a:rPr lang="en-US" dirty="0"/>
-              <a:t>‘a’ – Yaw camera left</a:t>
-            </a:r>
-          </a:p>
-          <a:p>
-            <a:pPr lvl="0"/>
-            <a:r>
-              <a:rPr lang="en-US" dirty="0"/>
-              <a:t>‘d’ – Yaw camera right</a:t>
-            </a:r>
-          </a:p>
-          <a:p>
-            <a:pPr lvl="0"/>
-            <a:r>
-              <a:rPr lang="en-US" dirty="0"/>
-              <a:t>‘e’ – Pitch camera up</a:t>
-            </a:r>
-          </a:p>
-          <a:p>
-            <a:pPr lvl="0"/>
-            <a:r>
-              <a:rPr lang="en-US" dirty="0"/>
-              <a:t>‘c’ – Pitch camera down</a:t>
-            </a:r>
-          </a:p>
-          <a:p>
-            <a:pPr lvl="0"/>
-            <a:r>
-              <a:rPr lang="en-US" dirty="0"/>
-              <a:t>‘k’ –Screen shot</a:t>
-            </a:r>
-          </a:p>
-          <a:p>
-            <a:pPr lvl="0"/>
-            <a:r>
-              <a:rPr lang="en-US" dirty="0"/>
-              <a:t>‘l’ – Toggle Lighting</a:t>
-            </a:r>
-          </a:p>
-          <a:p>
-            <a:pPr lvl="0"/>
-            <a:r>
-              <a:rPr lang="en-US" dirty="0"/>
-              <a:t>‘m’ – Toggle wire-mesh</a:t>
-            </a:r>
-          </a:p>
-          <a:p>
-            <a:pPr lvl="0"/>
-            <a:r>
-              <a:rPr lang="en-US" dirty="0"/>
-              <a:t>‘t’ – Toggle texturing</a:t>
-            </a:r>
-          </a:p>
-          <a:p>
-            <a:pPr lvl="0"/>
-            <a:r>
-              <a:rPr lang="en-US" dirty="0"/>
-              <a:t>‘1’ – Toggle terrain</a:t>
-            </a:r>
-          </a:p>
-          <a:p>
-            <a:pPr lvl="0"/>
-            <a:r>
-              <a:rPr lang="en-US" dirty="0"/>
-              <a:t>‘2’ – Toggle skybox</a:t>
-            </a:r>
-          </a:p>
-        </p:txBody>
-      </p:sp>
+        </p:nvPicPr>
+        <p:blipFill>
+          <a:blip r:embed="rId2">
+            <a:extLst>
+              <a:ext uri="{28A0092B-C50C-407E-A947-70E740481C1C}">
+                <a14:useLocalDpi xmlns:a14="http://schemas.microsoft.com/office/drawing/2010/main" val="0"/>
+              </a:ext>
+            </a:extLst>
+          </a:blip>
+          <a:srcRect/>
+          <a:stretch>
+            <a:fillRect/>
+          </a:stretch>
+        </p:blipFill>
+        <p:spPr bwMode="auto">
+          <a:xfrm>
+            <a:off x="6641432" y="2058738"/>
+            <a:ext cx="2632570" cy="2673684"/>
+          </a:xfrm>
+          <a:prstGeom prst="rect">
+            <a:avLst/>
+          </a:prstGeom>
+          <a:noFill/>
+          <a:ln>
+            <a:noFill/>
+          </a:ln>
+        </p:spPr>
+      </p:pic>
     </p:spTree>
     <p:extLst>
       <p:ext uri="{BB962C8B-B14F-4D97-AF65-F5344CB8AC3E}">
-        <p14:creationId xmlns:p14="http://schemas.microsoft.com/office/powerpoint/2010/main" val="4069655452"/>
+        <p14:creationId xmlns:p14="http://schemas.microsoft.com/office/powerpoint/2010/main" val="2832251835"/>
       </p:ext>
     </p:extLst>
   </p:cSld>
   <p:clrMapOvr>
     <a:masterClrMapping/>
   </p:clrMapOvr>
-  <p:timing>
-    <p:tnLst>
-      <p:par>
-        <p:cTn id="1" dur="indefinite" restart="never" nodeType="tmRoot"/>
-      </p:par>
-    </p:tnLst>
-  </p:timing>
 </p:sld>
 </file>
 

--- a/docs/Presentation.pptx
+++ b/docs/Presentation.pptx
@@ -1,6 +1,6 @@
 
 <file path=ppt/presentation.xml><?xml version="1.0" encoding="utf-8"?>
-<p:presentation xmlns:a="http://schemas.openxmlformats.org/drawingml/2006/main" xmlns:r="http://schemas.openxmlformats.org/officeDocument/2006/relationships" xmlns:p="http://schemas.openxmlformats.org/presentationml/2006/main" autoCompressPictures="0">
+<p:presentation xmlns:a="http://schemas.openxmlformats.org/drawingml/2006/main" xmlns:r="http://schemas.openxmlformats.org/officeDocument/2006/relationships" xmlns:p="http://schemas.openxmlformats.org/presentationml/2006/main" autoCompressPictures="0" bookmarkIdSeed="11">
   <p:sldMasterIdLst>
     <p:sldMasterId id="2147483648" r:id="rId1"/>
   </p:sldMasterIdLst>
@@ -10,18 +10,34 @@
     <p:sldId id="259" r:id="rId4"/>
     <p:sldId id="260" r:id="rId5"/>
     <p:sldId id="261" r:id="rId6"/>
-    <p:sldId id="262" r:id="rId7"/>
-    <p:sldId id="263" r:id="rId8"/>
-    <p:sldId id="264" r:id="rId9"/>
-    <p:sldId id="265" r:id="rId10"/>
-    <p:sldId id="266" r:id="rId11"/>
-    <p:sldId id="267" r:id="rId12"/>
-    <p:sldId id="272" r:id="rId13"/>
-    <p:sldId id="268" r:id="rId14"/>
-    <p:sldId id="269" r:id="rId15"/>
-    <p:sldId id="270" r:id="rId16"/>
-    <p:sldId id="271" r:id="rId17"/>
-    <p:sldId id="258" r:id="rId18"/>
+    <p:sldId id="273" r:id="rId7"/>
+    <p:sldId id="274" r:id="rId8"/>
+    <p:sldId id="262" r:id="rId9"/>
+    <p:sldId id="264" r:id="rId10"/>
+    <p:sldId id="265" r:id="rId11"/>
+    <p:sldId id="275" r:id="rId12"/>
+    <p:sldId id="276" r:id="rId13"/>
+    <p:sldId id="277" r:id="rId14"/>
+    <p:sldId id="267" r:id="rId15"/>
+    <p:sldId id="278" r:id="rId16"/>
+    <p:sldId id="266" r:id="rId17"/>
+    <p:sldId id="288" r:id="rId18"/>
+    <p:sldId id="287" r:id="rId19"/>
+    <p:sldId id="282" r:id="rId20"/>
+    <p:sldId id="281" r:id="rId21"/>
+    <p:sldId id="283" r:id="rId22"/>
+    <p:sldId id="284" r:id="rId23"/>
+    <p:sldId id="285" r:id="rId24"/>
+    <p:sldId id="268" r:id="rId25"/>
+    <p:sldId id="289" r:id="rId26"/>
+    <p:sldId id="279" r:id="rId27"/>
+    <p:sldId id="272" r:id="rId28"/>
+    <p:sldId id="286" r:id="rId29"/>
+    <p:sldId id="269" r:id="rId30"/>
+    <p:sldId id="270" r:id="rId31"/>
+    <p:sldId id="271" r:id="rId32"/>
+    <p:sldId id="258" r:id="rId33"/>
+    <p:sldId id="280" r:id="rId34"/>
   </p:sldIdLst>
   <p:sldSz cx="12192000" cy="6858000"/>
   <p:notesSz cx="6858000" cy="9144000"/>
@@ -851,7 +867,7 @@
             <a:fld id="{B61BEF0D-F0BB-DE4B-95CE-6DB70DBA9567}" type="datetimeFigureOut">
               <a:rPr lang="en-US" dirty="0"/>
               <a:pPr/>
-              <a:t>11/7/2014</a:t>
+              <a:t>11/9/2014</a:t>
             </a:fld>
             <a:endParaRPr lang="en-US" dirty="0"/>
           </a:p>
@@ -1099,7 +1115,7 @@
             <a:fld id="{B61BEF0D-F0BB-DE4B-95CE-6DB70DBA9567}" type="datetimeFigureOut">
               <a:rPr lang="en-US" dirty="0"/>
               <a:pPr/>
-              <a:t>11/7/2014</a:t>
+              <a:t>11/9/2014</a:t>
             </a:fld>
             <a:endParaRPr lang="en-US" dirty="0"/>
           </a:p>
@@ -1410,7 +1426,7 @@
             <a:fld id="{B61BEF0D-F0BB-DE4B-95CE-6DB70DBA9567}" type="datetimeFigureOut">
               <a:rPr lang="en-US" dirty="0"/>
               <a:pPr/>
-              <a:t>11/7/2014</a:t>
+              <a:t>11/9/2014</a:t>
             </a:fld>
             <a:endParaRPr lang="en-US" dirty="0"/>
           </a:p>
@@ -1748,7 +1764,7 @@
             <a:fld id="{B61BEF0D-F0BB-DE4B-95CE-6DB70DBA9567}" type="datetimeFigureOut">
               <a:rPr lang="en-US" dirty="0"/>
               <a:pPr/>
-              <a:t>11/7/2014</a:t>
+              <a:t>11/9/2014</a:t>
             </a:fld>
             <a:endParaRPr lang="en-US" dirty="0"/>
           </a:p>
@@ -2059,7 +2075,7 @@
             <a:fld id="{B61BEF0D-F0BB-DE4B-95CE-6DB70DBA9567}" type="datetimeFigureOut">
               <a:rPr lang="en-US" dirty="0"/>
               <a:pPr/>
-              <a:t>11/7/2014</a:t>
+              <a:t>11/9/2014</a:t>
             </a:fld>
             <a:endParaRPr lang="en-US" dirty="0"/>
           </a:p>
@@ -2449,7 +2465,7 @@
             <a:fld id="{B61BEF0D-F0BB-DE4B-95CE-6DB70DBA9567}" type="datetimeFigureOut">
               <a:rPr lang="en-US" dirty="0"/>
               <a:pPr/>
-              <a:t>11/7/2014</a:t>
+              <a:t>11/9/2014</a:t>
             </a:fld>
             <a:endParaRPr lang="en-US" dirty="0"/>
           </a:p>
@@ -2615,7 +2631,7 @@
           <a:p>
             <a:fld id="{55C6B4A9-1611-4792-9094-5F34BCA07E0B}" type="datetimeFigureOut">
               <a:rPr lang="en-US" dirty="0"/>
-              <a:t>11/7/2014</a:t>
+              <a:t>11/9/2014</a:t>
             </a:fld>
             <a:endParaRPr lang="en-US" dirty="0"/>
           </a:p>
@@ -2791,7 +2807,7 @@
             <a:fld id="{B61BEF0D-F0BB-DE4B-95CE-6DB70DBA9567}" type="datetimeFigureOut">
               <a:rPr lang="en-US" dirty="0"/>
               <a:pPr/>
-              <a:t>11/7/2014</a:t>
+              <a:t>11/9/2014</a:t>
             </a:fld>
             <a:endParaRPr lang="en-US" dirty="0"/>
           </a:p>
@@ -2964,7 +2980,7 @@
             <a:fld id="{B61BEF0D-F0BB-DE4B-95CE-6DB70DBA9567}" type="datetimeFigureOut">
               <a:rPr lang="en-US" dirty="0"/>
               <a:pPr/>
-              <a:t>11/7/2014</a:t>
+              <a:t>11/9/2014</a:t>
             </a:fld>
             <a:endParaRPr lang="en-US" dirty="0"/>
           </a:p>
@@ -3208,7 +3224,7 @@
             <a:fld id="{B61BEF0D-F0BB-DE4B-95CE-6DB70DBA9567}" type="datetimeFigureOut">
               <a:rPr lang="en-US" dirty="0"/>
               <a:pPr/>
-              <a:t>11/7/2014</a:t>
+              <a:t>11/9/2014</a:t>
             </a:fld>
             <a:endParaRPr lang="en-US" dirty="0"/>
           </a:p>
@@ -3436,7 +3452,7 @@
           <a:p>
             <a:fld id="{EB712588-04B1-427B-82EE-E8DB90309F08}" type="datetimeFigureOut">
               <a:rPr lang="en-US" dirty="0"/>
-              <a:t>11/7/2014</a:t>
+              <a:t>11/9/2014</a:t>
             </a:fld>
             <a:endParaRPr lang="en-US" dirty="0"/>
           </a:p>
@@ -3806,7 +3822,7 @@
             <a:fld id="{B61BEF0D-F0BB-DE4B-95CE-6DB70DBA9567}" type="datetimeFigureOut">
               <a:rPr lang="en-US" dirty="0"/>
               <a:pPr/>
-              <a:t>11/7/2014</a:t>
+              <a:t>11/9/2014</a:t>
             </a:fld>
             <a:endParaRPr lang="en-US" dirty="0"/>
           </a:p>
@@ -3926,7 +3942,7 @@
             <a:fld id="{B61BEF0D-F0BB-DE4B-95CE-6DB70DBA9567}" type="datetimeFigureOut">
               <a:rPr lang="en-US" dirty="0"/>
               <a:pPr/>
-              <a:t>11/7/2014</a:t>
+              <a:t>11/9/2014</a:t>
             </a:fld>
             <a:endParaRPr lang="en-US" dirty="0"/>
           </a:p>
@@ -4018,7 +4034,7 @@
             <a:fld id="{B61BEF0D-F0BB-DE4B-95CE-6DB70DBA9567}" type="datetimeFigureOut">
               <a:rPr lang="en-US" dirty="0"/>
               <a:pPr/>
-              <a:t>11/7/2014</a:t>
+              <a:t>11/9/2014</a:t>
             </a:fld>
             <a:endParaRPr lang="en-US" dirty="0"/>
           </a:p>
@@ -4269,7 +4285,7 @@
           <a:p>
             <a:fld id="{42A54C80-263E-416B-A8E0-580EDEADCBDC}" type="datetimeFigureOut">
               <a:rPr lang="en-US" dirty="0"/>
-              <a:t>11/7/2014</a:t>
+              <a:t>11/9/2014</a:t>
             </a:fld>
             <a:endParaRPr lang="en-US" dirty="0"/>
           </a:p>
@@ -4528,7 +4544,7 @@
             <a:fld id="{B61BEF0D-F0BB-DE4B-95CE-6DB70DBA9567}" type="datetimeFigureOut">
               <a:rPr lang="en-US" dirty="0"/>
               <a:pPr/>
-              <a:t>11/7/2014</a:t>
+              <a:t>11/9/2014</a:t>
             </a:fld>
             <a:endParaRPr lang="en-US" dirty="0"/>
           </a:p>
@@ -5268,7 +5284,7 @@
             <a:fld id="{B61BEF0D-F0BB-DE4B-95CE-6DB70DBA9567}" type="datetimeFigureOut">
               <a:rPr lang="en-US" dirty="0"/>
               <a:pPr/>
-              <a:t>11/7/2014</a:t>
+              <a:t>11/9/2014</a:t>
             </a:fld>
             <a:endParaRPr lang="en-US" dirty="0"/>
           </a:p>
@@ -5920,7 +5936,7 @@
           <a:p>
             <a:r>
               <a:rPr lang="en-US" dirty="0" smtClean="0"/>
-              <a:t>Skybox</a:t>
+              <a:t>Texturing</a:t>
             </a:r>
             <a:endParaRPr lang="en-US" dirty="0"/>
           </a:p>
@@ -5928,13 +5944,866 @@
       </p:sp>
       <p:pic>
         <p:nvPicPr>
-          <p:cNvPr id="4" name="Content Placeholder 3"/>
+          <p:cNvPr id="6" name="Content Placeholder 3"/>
           <p:cNvPicPr>
-            <a:picLocks noGrp="1"/>
+            <a:picLocks/>
           </p:cNvPicPr>
+          <p:nvPr/>
+        </p:nvPicPr>
+        <p:blipFill>
+          <a:blip r:embed="rId2">
+            <a:extLst>
+              <a:ext uri="{28A0092B-C50C-407E-A947-70E740481C1C}">
+                <a14:useLocalDpi xmlns:a14="http://schemas.microsoft.com/office/drawing/2010/main" val="0"/>
+              </a:ext>
+            </a:extLst>
+          </a:blip>
+          <a:stretch>
+            <a:fillRect/>
+          </a:stretch>
+        </p:blipFill>
+        <p:spPr bwMode="auto">
+          <a:xfrm>
+            <a:off x="6649451" y="2160589"/>
+            <a:ext cx="2624551" cy="2730589"/>
+          </a:xfrm>
+          <a:prstGeom prst="rect">
+            <a:avLst/>
+          </a:prstGeom>
+          <a:noFill/>
+          <a:ln>
+            <a:noFill/>
+          </a:ln>
+        </p:spPr>
+      </p:pic>
+      <p:sp>
+        <p:nvSpPr>
+          <p:cNvPr id="8" name="Content Placeholder 7"/>
+          <p:cNvSpPr>
+            <a:spLocks noGrp="1"/>
+          </p:cNvSpPr>
           <p:nvPr>
             <p:ph idx="1"/>
           </p:nvPr>
+        </p:nvSpPr>
+        <p:spPr/>
+        <p:txBody>
+          <a:bodyPr/>
+          <a:lstStyle/>
+          <a:p>
+            <a:r>
+              <a:rPr lang="en-US" dirty="0"/>
+              <a:t>S = Up </a:t>
+            </a:r>
+            <a:r>
+              <a:rPr lang="en-US" dirty="0" smtClean="0"/>
+              <a:t>. N </a:t>
+            </a:r>
+            <a:r>
+              <a:rPr lang="en-US" dirty="0"/>
+              <a:t>where,</a:t>
+            </a:r>
+            <a:br>
+              <a:rPr lang="en-US" dirty="0"/>
+            </a:br>
+            <a:r>
+              <a:rPr lang="en-US" dirty="0"/>
+              <a:t>S - is the slope factor being calculated</a:t>
+            </a:r>
+            <a:br>
+              <a:rPr lang="en-US" dirty="0"/>
+            </a:br>
+            <a:r>
+              <a:rPr lang="en-US" dirty="0"/>
+              <a:t>Up - is the Up vector (0,1,0)</a:t>
+            </a:r>
+            <a:br>
+              <a:rPr lang="en-US" dirty="0"/>
+            </a:br>
+            <a:r>
+              <a:rPr lang="en-US" dirty="0"/>
+              <a:t>N – is the normal calculated for the </a:t>
+            </a:r>
+            <a:r>
+              <a:rPr lang="en-US" dirty="0" smtClean="0"/>
+              <a:t>vertex</a:t>
+            </a:r>
+          </a:p>
+          <a:p>
+            <a:r>
+              <a:rPr lang="en-US" dirty="0" smtClean="0"/>
+              <a:t>S is used to calculate percentage combination grass</a:t>
+            </a:r>
+            <a:br>
+              <a:rPr lang="en-US" dirty="0" smtClean="0"/>
+            </a:br>
+            <a:r>
+              <a:rPr lang="en-US" dirty="0" smtClean="0"/>
+              <a:t>and rock texture</a:t>
+            </a:r>
+          </a:p>
+          <a:p>
+            <a:r>
+              <a:rPr lang="en-US" dirty="0" smtClean="0"/>
+              <a:t>Sea level</a:t>
+            </a:r>
+          </a:p>
+          <a:p>
+            <a:pPr lvl="1"/>
+            <a:r>
+              <a:rPr lang="en-US" dirty="0" smtClean="0"/>
+              <a:t>Transition from water to rock</a:t>
+            </a:r>
+            <a:endParaRPr lang="en-US" dirty="0"/>
+          </a:p>
+          <a:p>
+            <a:endParaRPr lang="en-US" dirty="0"/>
+          </a:p>
+        </p:txBody>
+      </p:sp>
+    </p:spTree>
+    <p:extLst>
+      <p:ext uri="{BB962C8B-B14F-4D97-AF65-F5344CB8AC3E}">
+        <p14:creationId xmlns:p14="http://schemas.microsoft.com/office/powerpoint/2010/main" val="2832251835"/>
+      </p:ext>
+    </p:extLst>
+  </p:cSld>
+  <p:clrMapOvr>
+    <a:masterClrMapping/>
+  </p:clrMapOvr>
+  <p:timing>
+    <p:tnLst>
+      <p:par>
+        <p:cTn id="1" dur="indefinite" restart="never" nodeType="tmRoot"/>
+      </p:par>
+    </p:tnLst>
+  </p:timing>
+</p:sld>
+</file>
+
+<file path=ppt/slides/slide11.xml><?xml version="1.0" encoding="utf-8"?>
+<p:sld xmlns:a="http://schemas.openxmlformats.org/drawingml/2006/main" xmlns:r="http://schemas.openxmlformats.org/officeDocument/2006/relationships" xmlns:p="http://schemas.openxmlformats.org/presentationml/2006/main">
+  <p:cSld>
+    <p:spTree>
+      <p:nvGrpSpPr>
+        <p:cNvPr id="1" name=""/>
+        <p:cNvGrpSpPr/>
+        <p:nvPr/>
+      </p:nvGrpSpPr>
+      <p:grpSpPr>
+        <a:xfrm>
+          <a:off x="0" y="0"/>
+          <a:ext cx="0" cy="0"/>
+          <a:chOff x="0" y="0"/>
+          <a:chExt cx="0" cy="0"/>
+        </a:xfrm>
+      </p:grpSpPr>
+      <p:sp>
+        <p:nvSpPr>
+          <p:cNvPr id="2" name="Title 1"/>
+          <p:cNvSpPr>
+            <a:spLocks noGrp="1"/>
+          </p:cNvSpPr>
+          <p:nvPr>
+            <p:ph type="title"/>
+          </p:nvPr>
+        </p:nvSpPr>
+        <p:spPr/>
+        <p:txBody>
+          <a:bodyPr/>
+          <a:lstStyle/>
+          <a:p>
+            <a:r>
+              <a:rPr lang="en-US" dirty="0" smtClean="0"/>
+              <a:t>Gains in this technique</a:t>
+            </a:r>
+            <a:endParaRPr lang="en-US" dirty="0"/>
+          </a:p>
+        </p:txBody>
+      </p:sp>
+      <p:sp>
+        <p:nvSpPr>
+          <p:cNvPr id="3" name="Content Placeholder 2"/>
+          <p:cNvSpPr>
+            <a:spLocks noGrp="1"/>
+          </p:cNvSpPr>
+          <p:nvPr>
+            <p:ph idx="1"/>
+          </p:nvPr>
+        </p:nvSpPr>
+        <p:spPr/>
+        <p:txBody>
+          <a:bodyPr/>
+          <a:lstStyle/>
+          <a:p>
+            <a:r>
+              <a:rPr lang="en-US" dirty="0" smtClean="0"/>
+              <a:t>Uses the Normal and the up-vector</a:t>
+            </a:r>
+          </a:p>
+          <a:p>
+            <a:r>
+              <a:rPr lang="en-US" dirty="0" smtClean="0"/>
+              <a:t>Normal vector is needed for lighting calculation</a:t>
+            </a:r>
+          </a:p>
+          <a:p>
+            <a:r>
+              <a:rPr lang="en-US" dirty="0" smtClean="0"/>
+              <a:t>Up-vector is required for camera movement</a:t>
+            </a:r>
+          </a:p>
+          <a:p>
+            <a:r>
+              <a:rPr lang="en-US" dirty="0" smtClean="0"/>
+              <a:t>No additional resources such as UV maps are required</a:t>
+            </a:r>
+          </a:p>
+          <a:p>
+            <a:r>
+              <a:rPr lang="en-US" dirty="0" smtClean="0"/>
+              <a:t>Simple and intuitive</a:t>
+            </a:r>
+          </a:p>
+          <a:p>
+            <a:r>
+              <a:rPr lang="en-US" dirty="0" smtClean="0"/>
+              <a:t>Can easily be implemented at the pixel </a:t>
+            </a:r>
+            <a:r>
+              <a:rPr lang="en-US" dirty="0" err="1" smtClean="0"/>
+              <a:t>shader</a:t>
+            </a:r>
+            <a:endParaRPr lang="en-US" dirty="0"/>
+          </a:p>
+        </p:txBody>
+      </p:sp>
+    </p:spTree>
+    <p:extLst>
+      <p:ext uri="{BB962C8B-B14F-4D97-AF65-F5344CB8AC3E}">
+        <p14:creationId xmlns:p14="http://schemas.microsoft.com/office/powerpoint/2010/main" val="2456263959"/>
+      </p:ext>
+    </p:extLst>
+  </p:cSld>
+  <p:clrMapOvr>
+    <a:masterClrMapping/>
+  </p:clrMapOvr>
+  <p:timing>
+    <p:tnLst>
+      <p:par>
+        <p:cTn id="1" dur="indefinite" restart="never" nodeType="tmRoot"/>
+      </p:par>
+    </p:tnLst>
+  </p:timing>
+</p:sld>
+</file>
+
+<file path=ppt/slides/slide12.xml><?xml version="1.0" encoding="utf-8"?>
+<p:sld xmlns:a="http://schemas.openxmlformats.org/drawingml/2006/main" xmlns:r="http://schemas.openxmlformats.org/officeDocument/2006/relationships" xmlns:p="http://schemas.openxmlformats.org/presentationml/2006/main">
+  <p:cSld>
+    <p:spTree>
+      <p:nvGrpSpPr>
+        <p:cNvPr id="1" name=""/>
+        <p:cNvGrpSpPr/>
+        <p:nvPr/>
+      </p:nvGrpSpPr>
+      <p:grpSpPr>
+        <a:xfrm>
+          <a:off x="0" y="0"/>
+          <a:ext cx="0" cy="0"/>
+          <a:chOff x="0" y="0"/>
+          <a:chExt cx="0" cy="0"/>
+        </a:xfrm>
+      </p:grpSpPr>
+      <p:sp>
+        <p:nvSpPr>
+          <p:cNvPr id="2" name="Title 1"/>
+          <p:cNvSpPr>
+            <a:spLocks noGrp="1"/>
+          </p:cNvSpPr>
+          <p:nvPr>
+            <p:ph type="title"/>
+          </p:nvPr>
+        </p:nvSpPr>
+        <p:spPr/>
+        <p:txBody>
+          <a:bodyPr/>
+          <a:lstStyle/>
+          <a:p>
+            <a:r>
+              <a:rPr lang="en-US" dirty="0" smtClean="0"/>
+              <a:t>Tri-planar mapping</a:t>
+            </a:r>
+            <a:endParaRPr lang="en-US" dirty="0"/>
+          </a:p>
+        </p:txBody>
+      </p:sp>
+      <p:sp>
+        <p:nvSpPr>
+          <p:cNvPr id="3" name="Content Placeholder 2"/>
+          <p:cNvSpPr>
+            <a:spLocks noGrp="1"/>
+          </p:cNvSpPr>
+          <p:nvPr>
+            <p:ph idx="1"/>
+          </p:nvPr>
+        </p:nvSpPr>
+        <p:spPr/>
+        <p:txBody>
+          <a:bodyPr/>
+          <a:lstStyle/>
+          <a:p>
+            <a:r>
+              <a:rPr lang="en-US" dirty="0" smtClean="0"/>
+              <a:t>Image stretching</a:t>
+            </a:r>
+          </a:p>
+          <a:p>
+            <a:r>
+              <a:rPr lang="en-US" dirty="0" smtClean="0"/>
+              <a:t>Cannot calculate texture mapping in 2 dimensions</a:t>
+            </a:r>
+          </a:p>
+          <a:p>
+            <a:r>
+              <a:rPr lang="en-US" dirty="0" smtClean="0"/>
+              <a:t>Must take into account height</a:t>
+            </a:r>
+          </a:p>
+          <a:p>
+            <a:r>
+              <a:rPr lang="en-US" dirty="0" smtClean="0"/>
+              <a:t>3 phases</a:t>
+            </a:r>
+          </a:p>
+          <a:p>
+            <a:pPr lvl="1"/>
+            <a:r>
+              <a:rPr lang="en-US" dirty="0" smtClean="0"/>
+              <a:t>XZ mapping</a:t>
+            </a:r>
+          </a:p>
+          <a:p>
+            <a:pPr lvl="1"/>
+            <a:r>
+              <a:rPr lang="en-US" dirty="0" smtClean="0"/>
+              <a:t>XY mapping</a:t>
+            </a:r>
+          </a:p>
+          <a:p>
+            <a:pPr lvl="1"/>
+            <a:r>
+              <a:rPr lang="en-US" dirty="0" smtClean="0"/>
+              <a:t>YZ mapping</a:t>
+            </a:r>
+          </a:p>
+          <a:p>
+            <a:r>
+              <a:rPr lang="en-US" dirty="0" smtClean="0"/>
+              <a:t>Slope determines the contribution of each phase (already calculated) </a:t>
+            </a:r>
+            <a:endParaRPr lang="en-US" dirty="0"/>
+          </a:p>
+        </p:txBody>
+      </p:sp>
+    </p:spTree>
+    <p:extLst>
+      <p:ext uri="{BB962C8B-B14F-4D97-AF65-F5344CB8AC3E}">
+        <p14:creationId xmlns:p14="http://schemas.microsoft.com/office/powerpoint/2010/main" val="218926268"/>
+      </p:ext>
+    </p:extLst>
+  </p:cSld>
+  <p:clrMapOvr>
+    <a:masterClrMapping/>
+  </p:clrMapOvr>
+  <p:timing>
+    <p:tnLst>
+      <p:par>
+        <p:cTn id="1" dur="indefinite" restart="never" nodeType="tmRoot"/>
+      </p:par>
+    </p:tnLst>
+  </p:timing>
+</p:sld>
+</file>
+
+<file path=ppt/slides/slide13.xml><?xml version="1.0" encoding="utf-8"?>
+<p:sld xmlns:a="http://schemas.openxmlformats.org/drawingml/2006/main" xmlns:r="http://schemas.openxmlformats.org/officeDocument/2006/relationships" xmlns:p="http://schemas.openxmlformats.org/presentationml/2006/main">
+  <p:cSld>
+    <p:spTree>
+      <p:nvGrpSpPr>
+        <p:cNvPr id="1" name=""/>
+        <p:cNvGrpSpPr/>
+        <p:nvPr/>
+      </p:nvGrpSpPr>
+      <p:grpSpPr>
+        <a:xfrm>
+          <a:off x="0" y="0"/>
+          <a:ext cx="0" cy="0"/>
+          <a:chOff x="0" y="0"/>
+          <a:chExt cx="0" cy="0"/>
+        </a:xfrm>
+      </p:grpSpPr>
+      <p:sp>
+        <p:nvSpPr>
+          <p:cNvPr id="2" name="Title 1"/>
+          <p:cNvSpPr>
+            <a:spLocks noGrp="1"/>
+          </p:cNvSpPr>
+          <p:nvPr>
+            <p:ph type="title"/>
+          </p:nvPr>
+        </p:nvSpPr>
+        <p:spPr/>
+        <p:txBody>
+          <a:bodyPr/>
+          <a:lstStyle/>
+          <a:p>
+            <a:r>
+              <a:rPr lang="en-US" dirty="0" smtClean="0"/>
+              <a:t>Gains in this technique</a:t>
+            </a:r>
+            <a:endParaRPr lang="en-US" dirty="0"/>
+          </a:p>
+        </p:txBody>
+      </p:sp>
+      <p:sp>
+        <p:nvSpPr>
+          <p:cNvPr id="3" name="Content Placeholder 2"/>
+          <p:cNvSpPr>
+            <a:spLocks noGrp="1"/>
+          </p:cNvSpPr>
+          <p:nvPr>
+            <p:ph idx="1"/>
+          </p:nvPr>
+        </p:nvSpPr>
+        <p:spPr/>
+        <p:txBody>
+          <a:bodyPr/>
+          <a:lstStyle/>
+          <a:p>
+            <a:r>
+              <a:rPr lang="en-US" dirty="0" smtClean="0"/>
+              <a:t>Need to sample thrice – but is still fast</a:t>
+            </a:r>
+          </a:p>
+          <a:p>
+            <a:r>
+              <a:rPr lang="en-US" dirty="0" smtClean="0"/>
+              <a:t>Textures are already loaded into memory</a:t>
+            </a:r>
+          </a:p>
+          <a:p>
+            <a:r>
+              <a:rPr lang="en-US" dirty="0" smtClean="0"/>
+              <a:t>No additional resources/complex computations required</a:t>
+            </a:r>
+          </a:p>
+          <a:p>
+            <a:r>
+              <a:rPr lang="en-US" dirty="0" smtClean="0"/>
+              <a:t>Slope factor has already been calculated</a:t>
+            </a:r>
+          </a:p>
+          <a:p>
+            <a:r>
+              <a:rPr lang="en-US" dirty="0" smtClean="0"/>
+              <a:t>Works well even with extremely steep and extremely flat surfaces</a:t>
+            </a:r>
+          </a:p>
+          <a:p>
+            <a:r>
+              <a:rPr lang="en-US" dirty="0" smtClean="0"/>
+              <a:t>Simple and intuitive</a:t>
+            </a:r>
+          </a:p>
+          <a:p>
+            <a:r>
+              <a:rPr lang="en-US" dirty="0" smtClean="0"/>
+              <a:t>Easily implemented in the pixel </a:t>
+            </a:r>
+            <a:r>
+              <a:rPr lang="en-US" dirty="0" err="1" smtClean="0"/>
+              <a:t>shader</a:t>
+            </a:r>
+            <a:endParaRPr lang="en-US" dirty="0"/>
+          </a:p>
+        </p:txBody>
+      </p:sp>
+    </p:spTree>
+    <p:extLst>
+      <p:ext uri="{BB962C8B-B14F-4D97-AF65-F5344CB8AC3E}">
+        <p14:creationId xmlns:p14="http://schemas.microsoft.com/office/powerpoint/2010/main" val="3106731657"/>
+      </p:ext>
+    </p:extLst>
+  </p:cSld>
+  <p:clrMapOvr>
+    <a:masterClrMapping/>
+  </p:clrMapOvr>
+  <p:timing>
+    <p:tnLst>
+      <p:par>
+        <p:cTn id="1" dur="indefinite" restart="never" nodeType="tmRoot"/>
+      </p:par>
+    </p:tnLst>
+  </p:timing>
+</p:sld>
+</file>
+
+<file path=ppt/slides/slide14.xml><?xml version="1.0" encoding="utf-8"?>
+<p:sld xmlns:a="http://schemas.openxmlformats.org/drawingml/2006/main" xmlns:r="http://schemas.openxmlformats.org/officeDocument/2006/relationships" xmlns:p="http://schemas.openxmlformats.org/presentationml/2006/main">
+  <p:cSld>
+    <p:spTree>
+      <p:nvGrpSpPr>
+        <p:cNvPr id="1" name=""/>
+        <p:cNvGrpSpPr/>
+        <p:nvPr/>
+      </p:nvGrpSpPr>
+      <p:grpSpPr>
+        <a:xfrm>
+          <a:off x="0" y="0"/>
+          <a:ext cx="0" cy="0"/>
+          <a:chOff x="0" y="0"/>
+          <a:chExt cx="0" cy="0"/>
+        </a:xfrm>
+      </p:grpSpPr>
+      <p:sp>
+        <p:nvSpPr>
+          <p:cNvPr id="2" name="Title 1"/>
+          <p:cNvSpPr>
+            <a:spLocks noGrp="1"/>
+          </p:cNvSpPr>
+          <p:nvPr>
+            <p:ph type="title"/>
+          </p:nvPr>
+        </p:nvSpPr>
+        <p:spPr/>
+        <p:txBody>
+          <a:bodyPr/>
+          <a:lstStyle/>
+          <a:p>
+            <a:r>
+              <a:rPr lang="en-US" dirty="0" smtClean="0"/>
+              <a:t>Camera Controls</a:t>
+            </a:r>
+            <a:endParaRPr lang="en-US" dirty="0"/>
+          </a:p>
+        </p:txBody>
+      </p:sp>
+      <p:sp>
+        <p:nvSpPr>
+          <p:cNvPr id="3" name="Content Placeholder 2"/>
+          <p:cNvSpPr>
+            <a:spLocks noGrp="1"/>
+          </p:cNvSpPr>
+          <p:nvPr>
+            <p:ph idx="1"/>
+          </p:nvPr>
+        </p:nvSpPr>
+        <p:spPr/>
+        <p:txBody>
+          <a:bodyPr/>
+          <a:lstStyle/>
+          <a:p>
+            <a:r>
+              <a:rPr lang="en-US" dirty="0" smtClean="0"/>
+              <a:t>Eye </a:t>
+            </a:r>
+            <a:r>
+              <a:rPr lang="en-US" dirty="0"/>
+              <a:t>position (e) – position of the camera</a:t>
+            </a:r>
+          </a:p>
+          <a:p>
+            <a:r>
+              <a:rPr lang="en-US" dirty="0" smtClean="0"/>
+              <a:t>Look-at </a:t>
+            </a:r>
+            <a:r>
+              <a:rPr lang="en-US" dirty="0"/>
+              <a:t>position (p) – the position in the 3d world that the camera is focused at</a:t>
+            </a:r>
+          </a:p>
+          <a:p>
+            <a:r>
+              <a:rPr lang="en-US" dirty="0" smtClean="0"/>
+              <a:t>Up </a:t>
+            </a:r>
+            <a:r>
+              <a:rPr lang="en-US" dirty="0"/>
+              <a:t>vector (u) – the vector that is up relative to the view </a:t>
+            </a:r>
+            <a:r>
+              <a:rPr lang="en-US" dirty="0" smtClean="0"/>
+              <a:t>direction</a:t>
+            </a:r>
+          </a:p>
+          <a:p>
+            <a:pPr lvl="0"/>
+            <a:r>
+              <a:rPr lang="en-US" dirty="0"/>
+              <a:t>View direction (v) = (p-e)</a:t>
+            </a:r>
+          </a:p>
+          <a:p>
+            <a:pPr lvl="0"/>
+            <a:r>
+              <a:rPr lang="en-US" dirty="0"/>
+              <a:t>Right vector (r) = u X v</a:t>
+            </a:r>
+          </a:p>
+          <a:p>
+            <a:endParaRPr lang="en-US" dirty="0"/>
+          </a:p>
+          <a:p>
+            <a:endParaRPr lang="en-US" dirty="0"/>
+          </a:p>
+        </p:txBody>
+      </p:sp>
+    </p:spTree>
+    <p:extLst>
+      <p:ext uri="{BB962C8B-B14F-4D97-AF65-F5344CB8AC3E}">
+        <p14:creationId xmlns:p14="http://schemas.microsoft.com/office/powerpoint/2010/main" val="4243432018"/>
+      </p:ext>
+    </p:extLst>
+  </p:cSld>
+  <p:clrMapOvr>
+    <a:masterClrMapping/>
+  </p:clrMapOvr>
+  <p:timing>
+    <p:tnLst>
+      <p:par>
+        <p:cTn id="1" dur="indefinite" restart="never" nodeType="tmRoot"/>
+      </p:par>
+    </p:tnLst>
+  </p:timing>
+</p:sld>
+</file>
+
+<file path=ppt/slides/slide15.xml><?xml version="1.0" encoding="utf-8"?>
+<p:sld xmlns:a="http://schemas.openxmlformats.org/drawingml/2006/main" xmlns:r="http://schemas.openxmlformats.org/officeDocument/2006/relationships" xmlns:p="http://schemas.openxmlformats.org/presentationml/2006/main">
+  <p:cSld>
+    <p:spTree>
+      <p:nvGrpSpPr>
+        <p:cNvPr id="1" name=""/>
+        <p:cNvGrpSpPr/>
+        <p:nvPr/>
+      </p:nvGrpSpPr>
+      <p:grpSpPr>
+        <a:xfrm>
+          <a:off x="0" y="0"/>
+          <a:ext cx="0" cy="0"/>
+          <a:chOff x="0" y="0"/>
+          <a:chExt cx="0" cy="0"/>
+        </a:xfrm>
+      </p:grpSpPr>
+      <p:sp>
+        <p:nvSpPr>
+          <p:cNvPr id="2" name="Title 1"/>
+          <p:cNvSpPr>
+            <a:spLocks noGrp="1"/>
+          </p:cNvSpPr>
+          <p:nvPr>
+            <p:ph type="title"/>
+          </p:nvPr>
+        </p:nvSpPr>
+        <p:spPr/>
+        <p:txBody>
+          <a:bodyPr/>
+          <a:lstStyle/>
+          <a:p>
+            <a:r>
+              <a:rPr lang="en-US" dirty="0" smtClean="0"/>
+              <a:t>Camera controls</a:t>
+            </a:r>
+            <a:endParaRPr lang="en-US" dirty="0"/>
+          </a:p>
+        </p:txBody>
+      </p:sp>
+      <p:sp>
+        <p:nvSpPr>
+          <p:cNvPr id="3" name="Content Placeholder 2"/>
+          <p:cNvSpPr>
+            <a:spLocks noGrp="1"/>
+          </p:cNvSpPr>
+          <p:nvPr>
+            <p:ph idx="1"/>
+          </p:nvPr>
+        </p:nvSpPr>
+        <p:spPr/>
+        <p:txBody>
+          <a:bodyPr/>
+          <a:lstStyle/>
+          <a:p>
+            <a:r>
+              <a:rPr lang="en-US" dirty="0" smtClean="0"/>
+              <a:t>Move forward/back</a:t>
+            </a:r>
+          </a:p>
+          <a:p>
+            <a:pPr lvl="1"/>
+            <a:r>
+              <a:rPr lang="en-US" dirty="0" smtClean="0"/>
+              <a:t>Move eye position and the look-at position along the view direction</a:t>
+            </a:r>
+          </a:p>
+          <a:p>
+            <a:pPr lvl="1"/>
+            <a:r>
+              <a:rPr lang="en-US" dirty="0" smtClean="0"/>
+              <a:t>Maintain distance between eye and look-at</a:t>
+            </a:r>
+          </a:p>
+          <a:p>
+            <a:r>
+              <a:rPr lang="en-US" dirty="0" smtClean="0"/>
+              <a:t>Yaw</a:t>
+            </a:r>
+          </a:p>
+          <a:p>
+            <a:pPr lvl="1"/>
+            <a:r>
+              <a:rPr lang="en-US" dirty="0" smtClean="0"/>
+              <a:t>Rotate look-at position around the axis defined by up-vector and the eye position</a:t>
+            </a:r>
+          </a:p>
+          <a:p>
+            <a:pPr lvl="1"/>
+            <a:r>
+              <a:rPr lang="en-US" dirty="0" smtClean="0"/>
+              <a:t>Maintain distance between eye and look-at</a:t>
+            </a:r>
+          </a:p>
+          <a:p>
+            <a:r>
+              <a:rPr lang="en-US" dirty="0" smtClean="0"/>
+              <a:t>Pitch</a:t>
+            </a:r>
+          </a:p>
+          <a:p>
+            <a:pPr lvl="1"/>
+            <a:r>
+              <a:rPr lang="en-US" dirty="0" smtClean="0"/>
+              <a:t>Rotate the look-at position around the axis defined by right-vector and the eye position</a:t>
+            </a:r>
+          </a:p>
+          <a:p>
+            <a:pPr lvl="1"/>
+            <a:r>
+              <a:rPr lang="en-US" dirty="0" smtClean="0"/>
+              <a:t>Maintain distance between eye and look-at</a:t>
+            </a:r>
+            <a:endParaRPr lang="en-US" dirty="0"/>
+          </a:p>
+        </p:txBody>
+      </p:sp>
+    </p:spTree>
+    <p:extLst>
+      <p:ext uri="{BB962C8B-B14F-4D97-AF65-F5344CB8AC3E}">
+        <p14:creationId xmlns:p14="http://schemas.microsoft.com/office/powerpoint/2010/main" val="815035083"/>
+      </p:ext>
+    </p:extLst>
+  </p:cSld>
+  <p:clrMapOvr>
+    <a:masterClrMapping/>
+  </p:clrMapOvr>
+</p:sld>
+</file>
+
+<file path=ppt/slides/slide16.xml><?xml version="1.0" encoding="utf-8"?>
+<p:sld xmlns:a="http://schemas.openxmlformats.org/drawingml/2006/main" xmlns:r="http://schemas.openxmlformats.org/officeDocument/2006/relationships" xmlns:p="http://schemas.openxmlformats.org/presentationml/2006/main">
+  <p:cSld>
+    <p:spTree>
+      <p:nvGrpSpPr>
+        <p:cNvPr id="1" name=""/>
+        <p:cNvGrpSpPr/>
+        <p:nvPr/>
+      </p:nvGrpSpPr>
+      <p:grpSpPr>
+        <a:xfrm>
+          <a:off x="0" y="0"/>
+          <a:ext cx="0" cy="0"/>
+          <a:chOff x="0" y="0"/>
+          <a:chExt cx="0" cy="0"/>
+        </a:xfrm>
+      </p:grpSpPr>
+      <p:sp>
+        <p:nvSpPr>
+          <p:cNvPr id="2" name="Title 1"/>
+          <p:cNvSpPr>
+            <a:spLocks noGrp="1"/>
+          </p:cNvSpPr>
+          <p:nvPr>
+            <p:ph type="title"/>
+          </p:nvPr>
+        </p:nvSpPr>
+        <p:spPr/>
+        <p:txBody>
+          <a:bodyPr/>
+          <a:lstStyle/>
+          <a:p>
+            <a:r>
+              <a:rPr lang="en-US" dirty="0" smtClean="0"/>
+              <a:t>Skybox</a:t>
+            </a:r>
+            <a:endParaRPr lang="en-US" dirty="0"/>
+          </a:p>
+        </p:txBody>
+      </p:sp>
+      <p:sp>
+        <p:nvSpPr>
+          <p:cNvPr id="3" name="Content Placeholder 2"/>
+          <p:cNvSpPr>
+            <a:spLocks noGrp="1"/>
+          </p:cNvSpPr>
+          <p:nvPr>
+            <p:ph idx="1"/>
+          </p:nvPr>
+        </p:nvSpPr>
+        <p:spPr/>
+        <p:txBody>
+          <a:bodyPr/>
+          <a:lstStyle/>
+          <a:p>
+            <a:r>
+              <a:rPr lang="en-US" dirty="0" smtClean="0"/>
+              <a:t>Cube centered at the camera position</a:t>
+            </a:r>
+          </a:p>
+          <a:p>
+            <a:r>
+              <a:rPr lang="en-US" dirty="0" smtClean="0"/>
+              <a:t>Perception of infinite distance</a:t>
+            </a:r>
+          </a:p>
+          <a:p>
+            <a:r>
+              <a:rPr lang="en-US" dirty="0" smtClean="0"/>
+              <a:t>Must be closer than the far plane</a:t>
+            </a:r>
+          </a:p>
+          <a:p>
+            <a:r>
+              <a:rPr lang="en-US" dirty="0" smtClean="0"/>
+              <a:t>Try to line up direction of light with placement of </a:t>
+            </a:r>
+            <a:br>
+              <a:rPr lang="en-US" dirty="0" smtClean="0"/>
+            </a:br>
+            <a:r>
+              <a:rPr lang="en-US" dirty="0" smtClean="0"/>
+              <a:t>sun / moon</a:t>
+            </a:r>
+            <a:endParaRPr lang="en-US" dirty="0"/>
+          </a:p>
+        </p:txBody>
+      </p:sp>
+      <p:pic>
+        <p:nvPicPr>
+          <p:cNvPr id="6" name="Content Placeholder 3"/>
+          <p:cNvPicPr>
+            <a:picLocks/>
+          </p:cNvPicPr>
+          <p:nvPr/>
         </p:nvPicPr>
         <p:blipFill>
           <a:blip r:embed="rId2">
@@ -5965,7 +6834,7 @@
       </p:pic>
       <p:pic>
         <p:nvPicPr>
-          <p:cNvPr id="5" name="Picture 4"/>
+          <p:cNvPr id="7" name="Picture 6"/>
           <p:cNvPicPr/>
           <p:nvPr/>
         </p:nvPicPr>
@@ -6009,7 +6878,7 @@
 </p:sld>
 </file>
 
-<file path=ppt/slides/slide11.xml><?xml version="1.0" encoding="utf-8"?>
+<file path=ppt/slides/slide17.xml><?xml version="1.0" encoding="utf-8"?>
 <p:sld xmlns:a="http://schemas.openxmlformats.org/drawingml/2006/main" xmlns:r="http://schemas.openxmlformats.org/officeDocument/2006/relationships" xmlns:p="http://schemas.openxmlformats.org/presentationml/2006/main">
   <p:cSld>
     <p:spTree>
@@ -6043,7 +6912,7 @@
           <a:p>
             <a:r>
               <a:rPr lang="en-US" dirty="0" smtClean="0"/>
-              <a:t>Camera Controls</a:t>
+              <a:t>Feature Toggling</a:t>
             </a:r>
             <a:endParaRPr lang="en-US" dirty="0"/>
           </a:p>
@@ -6064,14 +6933,38 @@
           <a:bodyPr/>
           <a:lstStyle/>
           <a:p>
-            <a:endParaRPr lang="en-US"/>
+            <a:r>
+              <a:rPr lang="en-US" dirty="0" smtClean="0"/>
+              <a:t>Importance learnt from previous project</a:t>
+            </a:r>
+          </a:p>
+          <a:p>
+            <a:r>
+              <a:rPr lang="en-US" dirty="0" smtClean="0"/>
+              <a:t>Valuable while developing features in isolation and combination</a:t>
+            </a:r>
+          </a:p>
+          <a:p>
+            <a:r>
+              <a:rPr lang="en-US" dirty="0" smtClean="0"/>
+              <a:t>Extremely valuable while debugging</a:t>
+            </a:r>
+          </a:p>
+          <a:p>
+            <a:r>
+              <a:rPr lang="en-US" dirty="0" smtClean="0"/>
+              <a:t>Great to explain the techniques to a graphics enthusiast</a:t>
+            </a:r>
+          </a:p>
+          <a:p>
+            <a:endParaRPr lang="en-US" dirty="0"/>
           </a:p>
         </p:txBody>
       </p:sp>
     </p:spTree>
     <p:extLst>
       <p:ext uri="{BB962C8B-B14F-4D97-AF65-F5344CB8AC3E}">
-        <p14:creationId xmlns:p14="http://schemas.microsoft.com/office/powerpoint/2010/main" val="4243432018"/>
+        <p14:creationId xmlns:p14="http://schemas.microsoft.com/office/powerpoint/2010/main" val="2657874208"/>
       </p:ext>
     </p:extLst>
   </p:cSld>
@@ -6081,7 +6974,7 @@
 </p:sld>
 </file>
 
-<file path=ppt/slides/slide12.xml><?xml version="1.0" encoding="utf-8"?>
+<file path=ppt/slides/slide18.xml><?xml version="1.0" encoding="utf-8"?>
 <p:sld xmlns:a="http://schemas.openxmlformats.org/drawingml/2006/main" xmlns:r="http://schemas.openxmlformats.org/officeDocument/2006/relationships" xmlns:p="http://schemas.openxmlformats.org/presentationml/2006/main">
   <p:cSld>
     <p:spTree>
@@ -6115,31 +7008,9 @@
           <a:p>
             <a:r>
               <a:rPr lang="en-US" dirty="0" smtClean="0"/>
-              <a:t>Performance Statistics</a:t>
-            </a:r>
-            <a:endParaRPr lang="en-US" dirty="0"/>
-          </a:p>
-        </p:txBody>
-      </p:sp>
-      <p:sp>
-        <p:nvSpPr>
-          <p:cNvPr id="3" name="Content Placeholder 2"/>
-          <p:cNvSpPr>
-            <a:spLocks noGrp="1"/>
-          </p:cNvSpPr>
-          <p:nvPr>
-            <p:ph idx="1"/>
-          </p:nvPr>
-        </p:nvSpPr>
-        <p:spPr/>
-        <p:txBody>
-          <a:bodyPr/>
-          <a:lstStyle/>
-          <a:p>
-            <a:r>
-              <a:rPr lang="en-US" dirty="0" smtClean="0"/>
-              <a:t>FPS</a:t>
-            </a:r>
+              <a:t>Feature Toggling</a:t>
+            </a:r>
+            <a:endParaRPr lang="en-US" dirty="0"/>
           </a:p>
         </p:txBody>
       </p:sp>
@@ -6164,8 +7035,1465 @@
         </p:blipFill>
         <p:spPr bwMode="auto">
           <a:xfrm>
-            <a:off x="6492702" y="2633490"/>
+            <a:off x="677334" y="2160589"/>
+            <a:ext cx="2003425" cy="1571625"/>
+          </a:xfrm>
+          <a:prstGeom prst="rect">
+            <a:avLst/>
+          </a:prstGeom>
+          <a:noFill/>
+          <a:ln>
+            <a:noFill/>
+          </a:ln>
+        </p:spPr>
+      </p:pic>
+      <p:pic>
+        <p:nvPicPr>
+          <p:cNvPr id="5" name="Picture 4"/>
+          <p:cNvPicPr/>
+          <p:nvPr/>
+        </p:nvPicPr>
+        <p:blipFill>
+          <a:blip r:embed="rId3">
+            <a:extLst>
+              <a:ext uri="{28A0092B-C50C-407E-A947-70E740481C1C}">
+                <a14:useLocalDpi xmlns:a14="http://schemas.microsoft.com/office/drawing/2010/main" val="0"/>
+              </a:ext>
+            </a:extLst>
+          </a:blip>
+          <a:srcRect/>
+          <a:stretch>
+            <a:fillRect/>
+          </a:stretch>
+        </p:blipFill>
+        <p:spPr bwMode="auto">
+          <a:xfrm>
+            <a:off x="3028501" y="2160589"/>
+            <a:ext cx="2028825" cy="1590675"/>
+          </a:xfrm>
+          <a:prstGeom prst="rect">
+            <a:avLst/>
+          </a:prstGeom>
+          <a:noFill/>
+          <a:ln>
+            <a:noFill/>
+          </a:ln>
+        </p:spPr>
+      </p:pic>
+      <p:pic>
+        <p:nvPicPr>
+          <p:cNvPr id="6" name="Picture 5"/>
+          <p:cNvPicPr/>
+          <p:nvPr/>
+        </p:nvPicPr>
+        <p:blipFill>
+          <a:blip r:embed="rId4">
+            <a:extLst>
+              <a:ext uri="{28A0092B-C50C-407E-A947-70E740481C1C}">
+                <a14:useLocalDpi xmlns:a14="http://schemas.microsoft.com/office/drawing/2010/main" val="0"/>
+              </a:ext>
+            </a:extLst>
+          </a:blip>
+          <a:srcRect/>
+          <a:stretch>
+            <a:fillRect/>
+          </a:stretch>
+        </p:blipFill>
+        <p:spPr bwMode="auto">
+          <a:xfrm>
+            <a:off x="5405068" y="2160589"/>
+            <a:ext cx="1918758" cy="1590675"/>
+          </a:xfrm>
+          <a:prstGeom prst="rect">
+            <a:avLst/>
+          </a:prstGeom>
+          <a:noFill/>
+          <a:ln>
+            <a:noFill/>
+          </a:ln>
+        </p:spPr>
+      </p:pic>
+      <p:pic>
+        <p:nvPicPr>
+          <p:cNvPr id="7" name="Picture 6"/>
+          <p:cNvPicPr/>
+          <p:nvPr/>
+        </p:nvPicPr>
+        <p:blipFill>
+          <a:blip r:embed="rId5">
+            <a:extLst>
+              <a:ext uri="{28A0092B-C50C-407E-A947-70E740481C1C}">
+                <a14:useLocalDpi xmlns:a14="http://schemas.microsoft.com/office/drawing/2010/main" val="0"/>
+              </a:ext>
+            </a:extLst>
+          </a:blip>
+          <a:srcRect/>
+          <a:stretch>
+            <a:fillRect/>
+          </a:stretch>
+        </p:blipFill>
+        <p:spPr bwMode="auto">
+          <a:xfrm>
+            <a:off x="677334" y="4100975"/>
+            <a:ext cx="2003425" cy="1782240"/>
+          </a:xfrm>
+          <a:prstGeom prst="rect">
+            <a:avLst/>
+          </a:prstGeom>
+          <a:noFill/>
+          <a:ln>
+            <a:noFill/>
+          </a:ln>
+        </p:spPr>
+      </p:pic>
+      <p:pic>
+        <p:nvPicPr>
+          <p:cNvPr id="8" name="Content Placeholder 7"/>
+          <p:cNvPicPr>
+            <a:picLocks noGrp="1"/>
+          </p:cNvPicPr>
+          <p:nvPr>
+            <p:ph idx="1"/>
+          </p:nvPr>
+        </p:nvPicPr>
+        <p:blipFill>
+          <a:blip r:embed="rId6">
+            <a:extLst>
+              <a:ext uri="{28A0092B-C50C-407E-A947-70E740481C1C}">
+                <a14:useLocalDpi xmlns:a14="http://schemas.microsoft.com/office/drawing/2010/main" val="0"/>
+              </a:ext>
+            </a:extLst>
+          </a:blip>
+          <a:srcRect/>
+          <a:stretch>
+            <a:fillRect/>
+          </a:stretch>
+        </p:blipFill>
+        <p:spPr bwMode="auto">
+          <a:xfrm>
+            <a:off x="3028501" y="4100975"/>
+            <a:ext cx="2028825" cy="1782240"/>
+          </a:xfrm>
+          <a:prstGeom prst="rect">
+            <a:avLst/>
+          </a:prstGeom>
+          <a:noFill/>
+          <a:ln>
+            <a:noFill/>
+          </a:ln>
+        </p:spPr>
+      </p:pic>
+      <p:pic>
+        <p:nvPicPr>
+          <p:cNvPr id="9" name="Picture 8"/>
+          <p:cNvPicPr/>
+          <p:nvPr/>
+        </p:nvPicPr>
+        <p:blipFill>
+          <a:blip r:embed="rId7">
+            <a:extLst>
+              <a:ext uri="{28A0092B-C50C-407E-A947-70E740481C1C}">
+                <a14:useLocalDpi xmlns:a14="http://schemas.microsoft.com/office/drawing/2010/main" val="0"/>
+              </a:ext>
+            </a:extLst>
+          </a:blip>
+          <a:srcRect/>
+          <a:stretch>
+            <a:fillRect/>
+          </a:stretch>
+        </p:blipFill>
+        <p:spPr bwMode="auto">
+          <a:xfrm>
+            <a:off x="5405069" y="4095750"/>
+            <a:ext cx="1918758" cy="1787465"/>
+          </a:xfrm>
+          <a:prstGeom prst="rect">
+            <a:avLst/>
+          </a:prstGeom>
+          <a:noFill/>
+          <a:ln>
+            <a:noFill/>
+          </a:ln>
+        </p:spPr>
+      </p:pic>
+    </p:spTree>
+    <p:extLst>
+      <p:ext uri="{BB962C8B-B14F-4D97-AF65-F5344CB8AC3E}">
+        <p14:creationId xmlns:p14="http://schemas.microsoft.com/office/powerpoint/2010/main" val="2396930085"/>
+      </p:ext>
+    </p:extLst>
+  </p:cSld>
+  <p:clrMapOvr>
+    <a:masterClrMapping/>
+  </p:clrMapOvr>
+</p:sld>
+</file>
+
+<file path=ppt/slides/slide19.xml><?xml version="1.0" encoding="utf-8"?>
+<p:sld xmlns:a="http://schemas.openxmlformats.org/drawingml/2006/main" xmlns:r="http://schemas.openxmlformats.org/officeDocument/2006/relationships" xmlns:p="http://schemas.openxmlformats.org/presentationml/2006/main">
+  <p:cSld>
+    <p:spTree>
+      <p:nvGrpSpPr>
+        <p:cNvPr id="1" name=""/>
+        <p:cNvGrpSpPr/>
+        <p:nvPr/>
+      </p:nvGrpSpPr>
+      <p:grpSpPr>
+        <a:xfrm>
+          <a:off x="0" y="0"/>
+          <a:ext cx="0" cy="0"/>
+          <a:chOff x="0" y="0"/>
+          <a:chExt cx="0" cy="0"/>
+        </a:xfrm>
+      </p:grpSpPr>
+      <p:sp>
+        <p:nvSpPr>
+          <p:cNvPr id="4" name="Title 3"/>
+          <p:cNvSpPr>
+            <a:spLocks noGrp="1"/>
+          </p:cNvSpPr>
+          <p:nvPr>
+            <p:ph type="title"/>
+          </p:nvPr>
+        </p:nvSpPr>
+        <p:spPr/>
+        <p:txBody>
+          <a:bodyPr/>
+          <a:lstStyle/>
+          <a:p>
+            <a:r>
+              <a:rPr lang="en-US" dirty="0" smtClean="0"/>
+              <a:t>Implementation</a:t>
+            </a:r>
+            <a:endParaRPr lang="en-US" dirty="0"/>
+          </a:p>
+        </p:txBody>
+      </p:sp>
+      <p:sp>
+        <p:nvSpPr>
+          <p:cNvPr id="5" name="Content Placeholder 4"/>
+          <p:cNvSpPr>
+            <a:spLocks noGrp="1"/>
+          </p:cNvSpPr>
+          <p:nvPr>
+            <p:ph idx="1"/>
+          </p:nvPr>
+        </p:nvSpPr>
+        <p:spPr/>
+        <p:txBody>
+          <a:bodyPr/>
+          <a:lstStyle/>
+          <a:p>
+            <a:r>
+              <a:rPr lang="en-US" dirty="0" smtClean="0"/>
+              <a:t>Window Initialization</a:t>
+            </a:r>
+          </a:p>
+          <a:p>
+            <a:endParaRPr lang="en-US" dirty="0"/>
+          </a:p>
+        </p:txBody>
+      </p:sp>
+      <p:pic>
+        <p:nvPicPr>
+          <p:cNvPr id="6" name="Picture 5"/>
+          <p:cNvPicPr/>
+          <p:nvPr/>
+        </p:nvPicPr>
+        <p:blipFill>
+          <a:blip r:embed="rId2"/>
+          <a:stretch>
+            <a:fillRect/>
+          </a:stretch>
+        </p:blipFill>
+        <p:spPr>
+          <a:xfrm>
+            <a:off x="3787602" y="1930400"/>
+            <a:ext cx="5486400" cy="3933190"/>
+          </a:xfrm>
+          <a:prstGeom prst="rect">
+            <a:avLst/>
+          </a:prstGeom>
+        </p:spPr>
+      </p:pic>
+    </p:spTree>
+    <p:extLst>
+      <p:ext uri="{BB962C8B-B14F-4D97-AF65-F5344CB8AC3E}">
+        <p14:creationId xmlns:p14="http://schemas.microsoft.com/office/powerpoint/2010/main" val="2409163828"/>
+      </p:ext>
+    </p:extLst>
+  </p:cSld>
+  <p:clrMapOvr>
+    <a:masterClrMapping/>
+  </p:clrMapOvr>
+</p:sld>
+</file>
+
+<file path=ppt/slides/slide2.xml><?xml version="1.0" encoding="utf-8"?>
+<p:sld xmlns:a="http://schemas.openxmlformats.org/drawingml/2006/main" xmlns:r="http://schemas.openxmlformats.org/officeDocument/2006/relationships" xmlns:p="http://schemas.openxmlformats.org/presentationml/2006/main">
+  <p:cSld>
+    <p:spTree>
+      <p:nvGrpSpPr>
+        <p:cNvPr id="1" name=""/>
+        <p:cNvGrpSpPr/>
+        <p:nvPr/>
+      </p:nvGrpSpPr>
+      <p:grpSpPr>
+        <a:xfrm>
+          <a:off x="0" y="0"/>
+          <a:ext cx="0" cy="0"/>
+          <a:chOff x="0" y="0"/>
+          <a:chExt cx="0" cy="0"/>
+        </a:xfrm>
+      </p:grpSpPr>
+      <p:sp>
+        <p:nvSpPr>
+          <p:cNvPr id="2" name="Title 1"/>
+          <p:cNvSpPr>
+            <a:spLocks noGrp="1"/>
+          </p:cNvSpPr>
+          <p:nvPr>
+            <p:ph type="title"/>
+          </p:nvPr>
+        </p:nvSpPr>
+        <p:spPr/>
+        <p:txBody>
+          <a:bodyPr/>
+          <a:lstStyle/>
+          <a:p>
+            <a:r>
+              <a:rPr lang="en-US" dirty="0" smtClean="0"/>
+              <a:t>Agenda</a:t>
+            </a:r>
+            <a:endParaRPr lang="en-US" dirty="0"/>
+          </a:p>
+        </p:txBody>
+      </p:sp>
+      <p:sp>
+        <p:nvSpPr>
+          <p:cNvPr id="3" name="Content Placeholder 2"/>
+          <p:cNvSpPr>
+            <a:spLocks noGrp="1"/>
+          </p:cNvSpPr>
+          <p:nvPr>
+            <p:ph idx="1"/>
+          </p:nvPr>
+        </p:nvSpPr>
+        <p:spPr/>
+        <p:txBody>
+          <a:bodyPr>
+            <a:normAutofit lnSpcReduction="10000"/>
+          </a:bodyPr>
+          <a:lstStyle/>
+          <a:p>
+            <a:r>
+              <a:rPr lang="en-US" dirty="0" smtClean="0"/>
+              <a:t>Overview</a:t>
+            </a:r>
+          </a:p>
+          <a:p>
+            <a:r>
+              <a:rPr lang="en-US" dirty="0" smtClean="0"/>
+              <a:t>Background &amp; Motivation</a:t>
+            </a:r>
+          </a:p>
+          <a:p>
+            <a:r>
+              <a:rPr lang="en-US" dirty="0" smtClean="0"/>
+              <a:t>Height-map Generation</a:t>
+            </a:r>
+          </a:p>
+          <a:p>
+            <a:r>
+              <a:rPr lang="en-US" dirty="0" smtClean="0"/>
+              <a:t>Rendering Techniques</a:t>
+            </a:r>
+          </a:p>
+          <a:p>
+            <a:r>
+              <a:rPr lang="en-US" dirty="0" smtClean="0"/>
+              <a:t>Technology</a:t>
+            </a:r>
+          </a:p>
+          <a:p>
+            <a:r>
+              <a:rPr lang="en-US" dirty="0" smtClean="0"/>
+              <a:t>Challenges</a:t>
+            </a:r>
+          </a:p>
+          <a:p>
+            <a:r>
+              <a:rPr lang="en-US" dirty="0" smtClean="0"/>
+              <a:t>Conclusion</a:t>
+            </a:r>
+          </a:p>
+          <a:p>
+            <a:r>
+              <a:rPr lang="en-US" dirty="0" smtClean="0"/>
+              <a:t>Future Work</a:t>
+            </a:r>
+          </a:p>
+          <a:p>
+            <a:r>
+              <a:rPr lang="en-US" dirty="0" smtClean="0"/>
+              <a:t>Demo</a:t>
+            </a:r>
+          </a:p>
+          <a:p>
+            <a:r>
+              <a:rPr lang="en-US" dirty="0" smtClean="0"/>
+              <a:t>Questions</a:t>
+            </a:r>
+          </a:p>
+        </p:txBody>
+      </p:sp>
+    </p:spTree>
+    <p:extLst>
+      <p:ext uri="{BB962C8B-B14F-4D97-AF65-F5344CB8AC3E}">
+        <p14:creationId xmlns:p14="http://schemas.microsoft.com/office/powerpoint/2010/main" val="276086946"/>
+      </p:ext>
+    </p:extLst>
+  </p:cSld>
+  <p:clrMapOvr>
+    <a:masterClrMapping/>
+  </p:clrMapOvr>
+  <p:timing>
+    <p:tnLst>
+      <p:par>
+        <p:cTn id="1" dur="indefinite" restart="never" nodeType="tmRoot"/>
+      </p:par>
+    </p:tnLst>
+  </p:timing>
+</p:sld>
+</file>
+
+<file path=ppt/slides/slide20.xml><?xml version="1.0" encoding="utf-8"?>
+<p:sld xmlns:a="http://schemas.openxmlformats.org/drawingml/2006/main" xmlns:r="http://schemas.openxmlformats.org/officeDocument/2006/relationships" xmlns:p="http://schemas.openxmlformats.org/presentationml/2006/main">
+  <p:cSld>
+    <p:spTree>
+      <p:nvGrpSpPr>
+        <p:cNvPr id="1" name=""/>
+        <p:cNvGrpSpPr/>
+        <p:nvPr/>
+      </p:nvGrpSpPr>
+      <p:grpSpPr>
+        <a:xfrm>
+          <a:off x="0" y="0"/>
+          <a:ext cx="0" cy="0"/>
+          <a:chOff x="0" y="0"/>
+          <a:chExt cx="0" cy="0"/>
+        </a:xfrm>
+      </p:grpSpPr>
+      <p:sp>
+        <p:nvSpPr>
+          <p:cNvPr id="2" name="Title 1"/>
+          <p:cNvSpPr>
+            <a:spLocks noGrp="1"/>
+          </p:cNvSpPr>
+          <p:nvPr>
+            <p:ph type="title"/>
+          </p:nvPr>
+        </p:nvSpPr>
+        <p:spPr/>
+        <p:txBody>
+          <a:bodyPr/>
+          <a:lstStyle/>
+          <a:p>
+            <a:r>
+              <a:rPr lang="en-US" dirty="0" smtClean="0"/>
+              <a:t>Implementation</a:t>
+            </a:r>
+            <a:endParaRPr lang="en-US" dirty="0"/>
+          </a:p>
+        </p:txBody>
+      </p:sp>
+      <p:sp>
+        <p:nvSpPr>
+          <p:cNvPr id="3" name="Content Placeholder 2"/>
+          <p:cNvSpPr>
+            <a:spLocks noGrp="1"/>
+          </p:cNvSpPr>
+          <p:nvPr>
+            <p:ph idx="1"/>
+          </p:nvPr>
+        </p:nvSpPr>
+        <p:spPr/>
+        <p:txBody>
+          <a:bodyPr>
+            <a:normAutofit lnSpcReduction="10000"/>
+          </a:bodyPr>
+          <a:lstStyle/>
+          <a:p>
+            <a:r>
+              <a:rPr lang="en-US" dirty="0" smtClean="0"/>
+              <a:t>DirectX interface setup</a:t>
+            </a:r>
+          </a:p>
+          <a:p>
+            <a:pPr lvl="1"/>
+            <a:r>
+              <a:rPr lang="en-US" dirty="0" smtClean="0"/>
+              <a:t>Create device and swap chain</a:t>
+            </a:r>
+          </a:p>
+          <a:p>
+            <a:pPr lvl="1"/>
+            <a:r>
+              <a:rPr lang="en-US" dirty="0" smtClean="0"/>
+              <a:t>Setup Back buffer</a:t>
+            </a:r>
+          </a:p>
+          <a:p>
+            <a:pPr lvl="1"/>
+            <a:r>
+              <a:rPr lang="en-US" dirty="0" smtClean="0"/>
+              <a:t>Setup Rasterizer</a:t>
+            </a:r>
+          </a:p>
+          <a:p>
+            <a:pPr lvl="1"/>
+            <a:r>
+              <a:rPr lang="en-US" dirty="0" smtClean="0"/>
+              <a:t>Setup Viewport</a:t>
+            </a:r>
+          </a:p>
+          <a:p>
+            <a:r>
+              <a:rPr lang="en-US" dirty="0" smtClean="0"/>
+              <a:t>Preparing for the render loop</a:t>
+            </a:r>
+          </a:p>
+          <a:p>
+            <a:pPr lvl="1"/>
+            <a:r>
+              <a:rPr lang="en-US" dirty="0" smtClean="0"/>
+              <a:t>Initialize </a:t>
+            </a:r>
+            <a:r>
+              <a:rPr lang="en-US" dirty="0" err="1" smtClean="0"/>
+              <a:t>Shaders</a:t>
+            </a:r>
+            <a:endParaRPr lang="en-US" dirty="0" smtClean="0"/>
+          </a:p>
+          <a:p>
+            <a:pPr lvl="1"/>
+            <a:r>
+              <a:rPr lang="en-US" dirty="0" smtClean="0"/>
+              <a:t>Load Textures</a:t>
+            </a:r>
+          </a:p>
+          <a:p>
+            <a:pPr lvl="1"/>
+            <a:r>
+              <a:rPr lang="en-US" dirty="0" smtClean="0"/>
+              <a:t>Initialize Lighting parameters</a:t>
+            </a:r>
+          </a:p>
+          <a:p>
+            <a:pPr lvl="1"/>
+            <a:r>
+              <a:rPr lang="en-US" dirty="0" smtClean="0"/>
+              <a:t>Load Vertex buffer</a:t>
+            </a:r>
+          </a:p>
+          <a:p>
+            <a:pPr lvl="1"/>
+            <a:r>
+              <a:rPr lang="en-US" dirty="0" smtClean="0"/>
+              <a:t>Load Index buffer</a:t>
+            </a:r>
+            <a:endParaRPr lang="en-US" dirty="0"/>
+          </a:p>
+        </p:txBody>
+      </p:sp>
+      <p:pic>
+        <p:nvPicPr>
+          <p:cNvPr id="6" name="Picture 5"/>
+          <p:cNvPicPr/>
+          <p:nvPr/>
+        </p:nvPicPr>
+        <p:blipFill>
+          <a:blip r:embed="rId2"/>
+          <a:stretch>
+            <a:fillRect/>
+          </a:stretch>
+        </p:blipFill>
+        <p:spPr>
+          <a:xfrm>
+            <a:off x="6607833" y="609600"/>
+            <a:ext cx="4269872" cy="6020513"/>
+          </a:xfrm>
+          <a:prstGeom prst="rect">
+            <a:avLst/>
+          </a:prstGeom>
+        </p:spPr>
+      </p:pic>
+    </p:spTree>
+    <p:extLst>
+      <p:ext uri="{BB962C8B-B14F-4D97-AF65-F5344CB8AC3E}">
+        <p14:creationId xmlns:p14="http://schemas.microsoft.com/office/powerpoint/2010/main" val="3300247520"/>
+      </p:ext>
+    </p:extLst>
+  </p:cSld>
+  <p:clrMapOvr>
+    <a:masterClrMapping/>
+  </p:clrMapOvr>
+</p:sld>
+</file>
+
+<file path=ppt/slides/slide21.xml><?xml version="1.0" encoding="utf-8"?>
+<p:sld xmlns:a="http://schemas.openxmlformats.org/drawingml/2006/main" xmlns:r="http://schemas.openxmlformats.org/officeDocument/2006/relationships" xmlns:p="http://schemas.openxmlformats.org/presentationml/2006/main">
+  <p:cSld>
+    <p:spTree>
+      <p:nvGrpSpPr>
+        <p:cNvPr id="1" name=""/>
+        <p:cNvGrpSpPr/>
+        <p:nvPr/>
+      </p:nvGrpSpPr>
+      <p:grpSpPr>
+        <a:xfrm>
+          <a:off x="0" y="0"/>
+          <a:ext cx="0" cy="0"/>
+          <a:chOff x="0" y="0"/>
+          <a:chExt cx="0" cy="0"/>
+        </a:xfrm>
+      </p:grpSpPr>
+      <p:sp>
+        <p:nvSpPr>
+          <p:cNvPr id="2" name="Title 1"/>
+          <p:cNvSpPr>
+            <a:spLocks noGrp="1"/>
+          </p:cNvSpPr>
+          <p:nvPr>
+            <p:ph type="title"/>
+          </p:nvPr>
+        </p:nvSpPr>
+        <p:spPr/>
+        <p:txBody>
+          <a:bodyPr/>
+          <a:lstStyle/>
+          <a:p>
+            <a:r>
+              <a:rPr lang="en-US" dirty="0" smtClean="0"/>
+              <a:t>Implementation</a:t>
+            </a:r>
+            <a:endParaRPr lang="en-US" dirty="0"/>
+          </a:p>
+        </p:txBody>
+      </p:sp>
+      <p:sp>
+        <p:nvSpPr>
+          <p:cNvPr id="3" name="Content Placeholder 2"/>
+          <p:cNvSpPr>
+            <a:spLocks noGrp="1"/>
+          </p:cNvSpPr>
+          <p:nvPr>
+            <p:ph idx="1"/>
+          </p:nvPr>
+        </p:nvSpPr>
+        <p:spPr/>
+        <p:txBody>
+          <a:bodyPr/>
+          <a:lstStyle/>
+          <a:p>
+            <a:r>
+              <a:rPr lang="en-US" dirty="0" smtClean="0"/>
+              <a:t>Render Loop</a:t>
+            </a:r>
+          </a:p>
+          <a:p>
+            <a:pPr lvl="1"/>
+            <a:r>
+              <a:rPr lang="en-US" dirty="0" smtClean="0"/>
+              <a:t>Message queue</a:t>
+            </a:r>
+          </a:p>
+          <a:p>
+            <a:pPr lvl="1"/>
+            <a:r>
+              <a:rPr lang="en-US" dirty="0" smtClean="0"/>
+              <a:t>Input Processing</a:t>
+            </a:r>
+          </a:p>
+          <a:p>
+            <a:pPr lvl="1"/>
+            <a:r>
+              <a:rPr lang="en-US" dirty="0" smtClean="0"/>
+              <a:t>Render frame</a:t>
+            </a:r>
+          </a:p>
+          <a:p>
+            <a:pPr lvl="1"/>
+            <a:r>
+              <a:rPr lang="en-US" dirty="0" smtClean="0"/>
+              <a:t>Profiling</a:t>
+            </a:r>
+            <a:endParaRPr lang="en-US" dirty="0"/>
+          </a:p>
+        </p:txBody>
+      </p:sp>
+      <p:pic>
+        <p:nvPicPr>
+          <p:cNvPr id="6" name="Picture 5"/>
+          <p:cNvPicPr/>
+          <p:nvPr/>
+        </p:nvPicPr>
+        <p:blipFill>
+          <a:blip r:embed="rId2"/>
+          <a:stretch>
+            <a:fillRect/>
+          </a:stretch>
+        </p:blipFill>
+        <p:spPr>
+          <a:xfrm>
+            <a:off x="5457645" y="128479"/>
+            <a:ext cx="5486400" cy="6566535"/>
+          </a:xfrm>
+          <a:prstGeom prst="rect">
+            <a:avLst/>
+          </a:prstGeom>
+        </p:spPr>
+      </p:pic>
+    </p:spTree>
+    <p:extLst>
+      <p:ext uri="{BB962C8B-B14F-4D97-AF65-F5344CB8AC3E}">
+        <p14:creationId xmlns:p14="http://schemas.microsoft.com/office/powerpoint/2010/main" val="3670878853"/>
+      </p:ext>
+    </p:extLst>
+  </p:cSld>
+  <p:clrMapOvr>
+    <a:masterClrMapping/>
+  </p:clrMapOvr>
+</p:sld>
+</file>
+
+<file path=ppt/slides/slide22.xml><?xml version="1.0" encoding="utf-8"?>
+<p:sld xmlns:a="http://schemas.openxmlformats.org/drawingml/2006/main" xmlns:r="http://schemas.openxmlformats.org/officeDocument/2006/relationships" xmlns:p="http://schemas.openxmlformats.org/presentationml/2006/main">
+  <p:cSld>
+    <p:spTree>
+      <p:nvGrpSpPr>
+        <p:cNvPr id="1" name=""/>
+        <p:cNvGrpSpPr/>
+        <p:nvPr/>
+      </p:nvGrpSpPr>
+      <p:grpSpPr>
+        <a:xfrm>
+          <a:off x="0" y="0"/>
+          <a:ext cx="0" cy="0"/>
+          <a:chOff x="0" y="0"/>
+          <a:chExt cx="0" cy="0"/>
+        </a:xfrm>
+      </p:grpSpPr>
+      <p:sp>
+        <p:nvSpPr>
+          <p:cNvPr id="2" name="Title 1"/>
+          <p:cNvSpPr>
+            <a:spLocks noGrp="1"/>
+          </p:cNvSpPr>
+          <p:nvPr>
+            <p:ph type="title"/>
+          </p:nvPr>
+        </p:nvSpPr>
+        <p:spPr/>
+        <p:txBody>
+          <a:bodyPr/>
+          <a:lstStyle/>
+          <a:p>
+            <a:r>
+              <a:rPr lang="en-US" dirty="0" smtClean="0"/>
+              <a:t>Implementation</a:t>
+            </a:r>
+            <a:endParaRPr lang="en-US" dirty="0"/>
+          </a:p>
+        </p:txBody>
+      </p:sp>
+      <p:sp>
+        <p:nvSpPr>
+          <p:cNvPr id="3" name="Content Placeholder 2"/>
+          <p:cNvSpPr>
+            <a:spLocks noGrp="1"/>
+          </p:cNvSpPr>
+          <p:nvPr>
+            <p:ph idx="1"/>
+          </p:nvPr>
+        </p:nvSpPr>
+        <p:spPr/>
+        <p:txBody>
+          <a:bodyPr/>
+          <a:lstStyle/>
+          <a:p>
+            <a:r>
+              <a:rPr lang="en-US" dirty="0" smtClean="0"/>
+              <a:t>Render Frame</a:t>
+            </a:r>
+          </a:p>
+          <a:p>
+            <a:pPr lvl="1"/>
+            <a:r>
+              <a:rPr lang="en-US" dirty="0" smtClean="0"/>
+              <a:t>Update scene</a:t>
+            </a:r>
+          </a:p>
+          <a:p>
+            <a:pPr lvl="1"/>
+            <a:r>
+              <a:rPr lang="en-US" dirty="0" smtClean="0"/>
+              <a:t>Clear Render Target</a:t>
+            </a:r>
+          </a:p>
+          <a:p>
+            <a:pPr lvl="1"/>
+            <a:r>
+              <a:rPr lang="en-US" dirty="0" smtClean="0"/>
+              <a:t>Set active </a:t>
+            </a:r>
+            <a:r>
+              <a:rPr lang="en-US" dirty="0" err="1" smtClean="0"/>
+              <a:t>shaders</a:t>
+            </a:r>
+            <a:endParaRPr lang="en-US" dirty="0" smtClean="0"/>
+          </a:p>
+          <a:p>
+            <a:pPr lvl="1"/>
+            <a:r>
+              <a:rPr lang="en-US" dirty="0" smtClean="0"/>
+              <a:t>Set active vertex buffer</a:t>
+            </a:r>
+          </a:p>
+          <a:p>
+            <a:pPr lvl="1"/>
+            <a:r>
+              <a:rPr lang="en-US" dirty="0" smtClean="0"/>
+              <a:t>Set active index buffer</a:t>
+            </a:r>
+          </a:p>
+          <a:p>
+            <a:pPr lvl="1"/>
+            <a:r>
+              <a:rPr lang="en-US" dirty="0" smtClean="0"/>
+              <a:t>Draw calls</a:t>
+            </a:r>
+          </a:p>
+          <a:p>
+            <a:pPr lvl="1"/>
+            <a:r>
+              <a:rPr lang="en-US" dirty="0" smtClean="0"/>
+              <a:t>Profiling</a:t>
+            </a:r>
+          </a:p>
+          <a:p>
+            <a:pPr lvl="1"/>
+            <a:endParaRPr lang="en-US" dirty="0"/>
+          </a:p>
+        </p:txBody>
+      </p:sp>
+      <p:pic>
+        <p:nvPicPr>
+          <p:cNvPr id="4" name="Picture 3"/>
+          <p:cNvPicPr/>
+          <p:nvPr/>
+        </p:nvPicPr>
+        <p:blipFill>
+          <a:blip r:embed="rId2"/>
+          <a:stretch>
+            <a:fillRect/>
+          </a:stretch>
+        </p:blipFill>
+        <p:spPr>
+          <a:xfrm>
+            <a:off x="5641675" y="414069"/>
+            <a:ext cx="4797030" cy="6160345"/>
+          </a:xfrm>
+          <a:prstGeom prst="rect">
+            <a:avLst/>
+          </a:prstGeom>
+        </p:spPr>
+      </p:pic>
+    </p:spTree>
+    <p:extLst>
+      <p:ext uri="{BB962C8B-B14F-4D97-AF65-F5344CB8AC3E}">
+        <p14:creationId xmlns:p14="http://schemas.microsoft.com/office/powerpoint/2010/main" val="1606671842"/>
+      </p:ext>
+    </p:extLst>
+  </p:cSld>
+  <p:clrMapOvr>
+    <a:masterClrMapping/>
+  </p:clrMapOvr>
+</p:sld>
+</file>
+
+<file path=ppt/slides/slide23.xml><?xml version="1.0" encoding="utf-8"?>
+<p:sld xmlns:a="http://schemas.openxmlformats.org/drawingml/2006/main" xmlns:r="http://schemas.openxmlformats.org/officeDocument/2006/relationships" xmlns:p="http://schemas.openxmlformats.org/presentationml/2006/main">
+  <p:cSld>
+    <p:spTree>
+      <p:nvGrpSpPr>
+        <p:cNvPr id="1" name=""/>
+        <p:cNvGrpSpPr/>
+        <p:nvPr/>
+      </p:nvGrpSpPr>
+      <p:grpSpPr>
+        <a:xfrm>
+          <a:off x="0" y="0"/>
+          <a:ext cx="0" cy="0"/>
+          <a:chOff x="0" y="0"/>
+          <a:chExt cx="0" cy="0"/>
+        </a:xfrm>
+      </p:grpSpPr>
+      <p:sp>
+        <p:nvSpPr>
+          <p:cNvPr id="2" name="Title 1"/>
+          <p:cNvSpPr>
+            <a:spLocks noGrp="1"/>
+          </p:cNvSpPr>
+          <p:nvPr>
+            <p:ph type="title"/>
+          </p:nvPr>
+        </p:nvSpPr>
+        <p:spPr/>
+        <p:txBody>
+          <a:bodyPr/>
+          <a:lstStyle/>
+          <a:p>
+            <a:r>
+              <a:rPr lang="en-US" dirty="0" smtClean="0"/>
+              <a:t>Implementation</a:t>
+            </a:r>
+            <a:endParaRPr lang="en-US" dirty="0"/>
+          </a:p>
+        </p:txBody>
+      </p:sp>
+      <p:sp>
+        <p:nvSpPr>
+          <p:cNvPr id="3" name="Content Placeholder 2"/>
+          <p:cNvSpPr>
+            <a:spLocks noGrp="1"/>
+          </p:cNvSpPr>
+          <p:nvPr>
+            <p:ph idx="1"/>
+          </p:nvPr>
+        </p:nvSpPr>
+        <p:spPr/>
+        <p:txBody>
+          <a:bodyPr/>
+          <a:lstStyle/>
+          <a:p>
+            <a:r>
+              <a:rPr lang="en-US" dirty="0" smtClean="0"/>
+              <a:t>User Interaction</a:t>
+            </a:r>
+            <a:endParaRPr lang="en-US" dirty="0"/>
+          </a:p>
+        </p:txBody>
+      </p:sp>
+      <p:pic>
+        <p:nvPicPr>
+          <p:cNvPr id="4" name="Picture 3"/>
+          <p:cNvPicPr/>
+          <p:nvPr/>
+        </p:nvPicPr>
+        <p:blipFill>
+          <a:blip r:embed="rId2"/>
+          <a:stretch>
+            <a:fillRect/>
+          </a:stretch>
+        </p:blipFill>
+        <p:spPr>
+          <a:xfrm>
+            <a:off x="3119887" y="2160589"/>
+            <a:ext cx="5486400" cy="3387725"/>
+          </a:xfrm>
+          <a:prstGeom prst="rect">
+            <a:avLst/>
+          </a:prstGeom>
+        </p:spPr>
+      </p:pic>
+    </p:spTree>
+    <p:extLst>
+      <p:ext uri="{BB962C8B-B14F-4D97-AF65-F5344CB8AC3E}">
+        <p14:creationId xmlns:p14="http://schemas.microsoft.com/office/powerpoint/2010/main" val="479148050"/>
+      </p:ext>
+    </p:extLst>
+  </p:cSld>
+  <p:clrMapOvr>
+    <a:masterClrMapping/>
+  </p:clrMapOvr>
+</p:sld>
+</file>
+
+<file path=ppt/slides/slide24.xml><?xml version="1.0" encoding="utf-8"?>
+<p:sld xmlns:a="http://schemas.openxmlformats.org/drawingml/2006/main" xmlns:r="http://schemas.openxmlformats.org/officeDocument/2006/relationships" xmlns:p="http://schemas.openxmlformats.org/presentationml/2006/main">
+  <p:cSld>
+    <p:spTree>
+      <p:nvGrpSpPr>
+        <p:cNvPr id="1" name=""/>
+        <p:cNvGrpSpPr/>
+        <p:nvPr/>
+      </p:nvGrpSpPr>
+      <p:grpSpPr>
+        <a:xfrm>
+          <a:off x="0" y="0"/>
+          <a:ext cx="0" cy="0"/>
+          <a:chOff x="0" y="0"/>
+          <a:chExt cx="0" cy="0"/>
+        </a:xfrm>
+      </p:grpSpPr>
+      <p:sp>
+        <p:nvSpPr>
+          <p:cNvPr id="2" name="Title 1"/>
+          <p:cNvSpPr>
+            <a:spLocks noGrp="1"/>
+          </p:cNvSpPr>
+          <p:nvPr>
+            <p:ph type="title"/>
+          </p:nvPr>
+        </p:nvSpPr>
+        <p:spPr/>
+        <p:txBody>
+          <a:bodyPr/>
+          <a:lstStyle/>
+          <a:p>
+            <a:r>
+              <a:rPr lang="en-US" dirty="0" smtClean="0"/>
+              <a:t>Technology</a:t>
+            </a:r>
+            <a:endParaRPr lang="en-US" dirty="0"/>
+          </a:p>
+        </p:txBody>
+      </p:sp>
+      <p:sp>
+        <p:nvSpPr>
+          <p:cNvPr id="3" name="Content Placeholder 2"/>
+          <p:cNvSpPr>
+            <a:spLocks noGrp="1"/>
+          </p:cNvSpPr>
+          <p:nvPr>
+            <p:ph idx="1"/>
+          </p:nvPr>
+        </p:nvSpPr>
+        <p:spPr/>
+        <p:txBody>
+          <a:bodyPr/>
+          <a:lstStyle/>
+          <a:p>
+            <a:r>
+              <a:rPr lang="en-US" dirty="0" smtClean="0"/>
+              <a:t>C++</a:t>
+            </a:r>
+          </a:p>
+          <a:p>
+            <a:r>
+              <a:rPr lang="en-US" dirty="0" smtClean="0"/>
+              <a:t>Windows 8.1 SDK</a:t>
+            </a:r>
+          </a:p>
+          <a:p>
+            <a:r>
+              <a:rPr lang="en-US" dirty="0" smtClean="0"/>
+              <a:t>DirectX 11 SDK</a:t>
+            </a:r>
+          </a:p>
+          <a:p>
+            <a:r>
+              <a:rPr lang="en-US" dirty="0" err="1" smtClean="0"/>
+              <a:t>DirectXTK</a:t>
+            </a:r>
+            <a:endParaRPr lang="en-US" dirty="0" smtClean="0"/>
+          </a:p>
+          <a:p>
+            <a:r>
+              <a:rPr lang="en-US" dirty="0" smtClean="0"/>
+              <a:t>Visual Studio 2013</a:t>
+            </a:r>
+          </a:p>
+          <a:p>
+            <a:r>
+              <a:rPr lang="en-US" dirty="0" err="1" smtClean="0"/>
+              <a:t>Github</a:t>
+            </a:r>
+            <a:r>
+              <a:rPr lang="en-US" dirty="0"/>
+              <a:t> </a:t>
+            </a:r>
+            <a:r>
+              <a:rPr lang="en-US" dirty="0" smtClean="0"/>
+              <a:t>/ </a:t>
+            </a:r>
+            <a:r>
+              <a:rPr lang="en-US" dirty="0" err="1" smtClean="0"/>
+              <a:t>GitExtentions</a:t>
+            </a:r>
+            <a:endParaRPr lang="en-US" dirty="0"/>
+          </a:p>
+        </p:txBody>
+      </p:sp>
+    </p:spTree>
+    <p:extLst>
+      <p:ext uri="{BB962C8B-B14F-4D97-AF65-F5344CB8AC3E}">
+        <p14:creationId xmlns:p14="http://schemas.microsoft.com/office/powerpoint/2010/main" val="2128679913"/>
+      </p:ext>
+    </p:extLst>
+  </p:cSld>
+  <p:clrMapOvr>
+    <a:masterClrMapping/>
+  </p:clrMapOvr>
+</p:sld>
+</file>
+
+<file path=ppt/slides/slide25.xml><?xml version="1.0" encoding="utf-8"?>
+<p:sld xmlns:a="http://schemas.openxmlformats.org/drawingml/2006/main" xmlns:r="http://schemas.openxmlformats.org/officeDocument/2006/relationships" xmlns:p="http://schemas.openxmlformats.org/presentationml/2006/main">
+  <p:cSld>
+    <p:spTree>
+      <p:nvGrpSpPr>
+        <p:cNvPr id="1" name=""/>
+        <p:cNvGrpSpPr/>
+        <p:nvPr/>
+      </p:nvGrpSpPr>
+      <p:grpSpPr>
+        <a:xfrm>
+          <a:off x="0" y="0"/>
+          <a:ext cx="0" cy="0"/>
+          <a:chOff x="0" y="0"/>
+          <a:chExt cx="0" cy="0"/>
+        </a:xfrm>
+      </p:grpSpPr>
+      <p:sp>
+        <p:nvSpPr>
+          <p:cNvPr id="2" name="Title 1"/>
+          <p:cNvSpPr>
+            <a:spLocks noGrp="1"/>
+          </p:cNvSpPr>
+          <p:nvPr>
+            <p:ph type="title"/>
+          </p:nvPr>
+        </p:nvSpPr>
+        <p:spPr/>
+        <p:txBody>
+          <a:bodyPr/>
+          <a:lstStyle/>
+          <a:p>
+            <a:r>
+              <a:rPr lang="en-US" dirty="0" smtClean="0"/>
+              <a:t>Gains from DirectX 11</a:t>
+            </a:r>
+            <a:endParaRPr lang="en-US" dirty="0"/>
+          </a:p>
+        </p:txBody>
+      </p:sp>
+      <p:sp>
+        <p:nvSpPr>
+          <p:cNvPr id="3" name="Content Placeholder 2"/>
+          <p:cNvSpPr>
+            <a:spLocks noGrp="1"/>
+          </p:cNvSpPr>
+          <p:nvPr>
+            <p:ph idx="1"/>
+          </p:nvPr>
+        </p:nvSpPr>
+        <p:spPr/>
+        <p:txBody>
+          <a:bodyPr>
+            <a:normAutofit fontScale="92500" lnSpcReduction="10000"/>
+          </a:bodyPr>
+          <a:lstStyle/>
+          <a:p>
+            <a:r>
+              <a:rPr lang="en-US" dirty="0" smtClean="0"/>
+              <a:t>Fixed </a:t>
+            </a:r>
+            <a:r>
+              <a:rPr lang="en-US" dirty="0" err="1" smtClean="0"/>
+              <a:t>shader</a:t>
+            </a:r>
+            <a:r>
+              <a:rPr lang="en-US" dirty="0" smtClean="0"/>
+              <a:t> pipeline vs DirectX 11 </a:t>
+            </a:r>
+            <a:r>
+              <a:rPr lang="en-US" dirty="0" err="1" smtClean="0"/>
+              <a:t>shader</a:t>
+            </a:r>
+            <a:r>
+              <a:rPr lang="en-US" dirty="0" smtClean="0"/>
+              <a:t> pipeline</a:t>
+            </a:r>
+          </a:p>
+          <a:p>
+            <a:r>
+              <a:rPr lang="en-US" dirty="0" smtClean="0"/>
+              <a:t>Vertex buffers and Index Buffers</a:t>
+            </a:r>
+          </a:p>
+          <a:p>
+            <a:r>
+              <a:rPr lang="en-US" dirty="0" smtClean="0"/>
+              <a:t>CPU vs GPU computation power</a:t>
+            </a:r>
+          </a:p>
+          <a:p>
+            <a:r>
+              <a:rPr lang="en-US" dirty="0" smtClean="0"/>
+              <a:t>Performance Gains</a:t>
+            </a:r>
+          </a:p>
+          <a:p>
+            <a:pPr lvl="1"/>
+            <a:r>
+              <a:rPr lang="en-US" dirty="0" smtClean="0"/>
+              <a:t>Unable to achieve 60fps in original implementation</a:t>
+            </a:r>
+          </a:p>
+          <a:p>
+            <a:pPr lvl="1"/>
+            <a:r>
+              <a:rPr lang="en-US" dirty="0" smtClean="0"/>
+              <a:t>Enough spare time to incorporate into much larger projects with this implementation</a:t>
+            </a:r>
+          </a:p>
+          <a:p>
+            <a:r>
+              <a:rPr lang="en-US" dirty="0" smtClean="0"/>
+              <a:t>No more keeping track of current “state” and matrix operations</a:t>
+            </a:r>
+          </a:p>
+          <a:p>
+            <a:r>
+              <a:rPr lang="en-US" dirty="0" smtClean="0"/>
+              <a:t>Development Tools</a:t>
+            </a:r>
+          </a:p>
+          <a:p>
+            <a:pPr lvl="1"/>
+            <a:r>
+              <a:rPr lang="en-US" dirty="0" smtClean="0"/>
+              <a:t>Visual Studio Editor and Debugger</a:t>
+            </a:r>
+          </a:p>
+          <a:p>
+            <a:pPr lvl="1"/>
+            <a:r>
+              <a:rPr lang="en-US" dirty="0" smtClean="0"/>
+              <a:t>Visual Studio Graphics Debugger</a:t>
+            </a:r>
+          </a:p>
+          <a:p>
+            <a:r>
+              <a:rPr lang="en-US" dirty="0" smtClean="0"/>
+              <a:t>Larger adoption - Windows</a:t>
+            </a:r>
+            <a:endParaRPr lang="en-US" dirty="0"/>
+          </a:p>
+        </p:txBody>
+      </p:sp>
+    </p:spTree>
+    <p:extLst>
+      <p:ext uri="{BB962C8B-B14F-4D97-AF65-F5344CB8AC3E}">
+        <p14:creationId xmlns:p14="http://schemas.microsoft.com/office/powerpoint/2010/main" val="140292859"/>
+      </p:ext>
+    </p:extLst>
+  </p:cSld>
+  <p:clrMapOvr>
+    <a:masterClrMapping/>
+  </p:clrMapOvr>
+</p:sld>
+</file>
+
+<file path=ppt/slides/slide26.xml><?xml version="1.0" encoding="utf-8"?>
+<p:sld xmlns:a="http://schemas.openxmlformats.org/drawingml/2006/main" xmlns:r="http://schemas.openxmlformats.org/officeDocument/2006/relationships" xmlns:p="http://schemas.openxmlformats.org/presentationml/2006/main">
+  <p:cSld>
+    <p:spTree>
+      <p:nvGrpSpPr>
+        <p:cNvPr id="1" name=""/>
+        <p:cNvGrpSpPr/>
+        <p:nvPr/>
+      </p:nvGrpSpPr>
+      <p:grpSpPr>
+        <a:xfrm>
+          <a:off x="0" y="0"/>
+          <a:ext cx="0" cy="0"/>
+          <a:chOff x="0" y="0"/>
+          <a:chExt cx="0" cy="0"/>
+        </a:xfrm>
+      </p:grpSpPr>
+      <p:sp>
+        <p:nvSpPr>
+          <p:cNvPr id="2" name="Title 1"/>
+          <p:cNvSpPr>
+            <a:spLocks noGrp="1"/>
+          </p:cNvSpPr>
+          <p:nvPr>
+            <p:ph type="title"/>
+          </p:nvPr>
+        </p:nvSpPr>
+        <p:spPr/>
+        <p:txBody>
+          <a:bodyPr/>
+          <a:lstStyle/>
+          <a:p>
+            <a:r>
+              <a:rPr lang="en-US" dirty="0" smtClean="0"/>
+              <a:t>Performance Statistics</a:t>
+            </a:r>
+            <a:endParaRPr lang="en-US" dirty="0"/>
+          </a:p>
+        </p:txBody>
+      </p:sp>
+      <p:sp>
+        <p:nvSpPr>
+          <p:cNvPr id="3" name="Content Placeholder 2"/>
+          <p:cNvSpPr>
+            <a:spLocks noGrp="1"/>
+          </p:cNvSpPr>
+          <p:nvPr>
+            <p:ph idx="1"/>
+          </p:nvPr>
+        </p:nvSpPr>
+        <p:spPr/>
+        <p:txBody>
+          <a:bodyPr/>
+          <a:lstStyle/>
+          <a:p>
+            <a:r>
+              <a:rPr lang="en-US" dirty="0" smtClean="0"/>
+              <a:t>With sync enabled</a:t>
+            </a:r>
+            <a:endParaRPr lang="en-US" dirty="0"/>
+          </a:p>
+        </p:txBody>
+      </p:sp>
+      <p:pic>
+        <p:nvPicPr>
+          <p:cNvPr id="4" name="Picture 3"/>
+          <p:cNvPicPr/>
+          <p:nvPr/>
+        </p:nvPicPr>
+        <p:blipFill>
+          <a:blip r:embed="rId2">
+            <a:extLst>
+              <a:ext uri="{28A0092B-C50C-407E-A947-70E740481C1C}">
+                <a14:useLocalDpi xmlns:a14="http://schemas.microsoft.com/office/drawing/2010/main" val="0"/>
+              </a:ext>
+            </a:extLst>
+          </a:blip>
+          <a:srcRect/>
+          <a:stretch>
+            <a:fillRect/>
+          </a:stretch>
+        </p:blipFill>
+        <p:spPr bwMode="auto">
+          <a:xfrm>
+            <a:off x="3585018" y="2633490"/>
             <a:ext cx="2781300" cy="2934970"/>
+          </a:xfrm>
+          <a:prstGeom prst="rect">
+            <a:avLst/>
+          </a:prstGeom>
+          <a:noFill/>
+          <a:ln>
+            <a:noFill/>
+          </a:ln>
+        </p:spPr>
+      </p:pic>
+    </p:spTree>
+    <p:extLst>
+      <p:ext uri="{BB962C8B-B14F-4D97-AF65-F5344CB8AC3E}">
+        <p14:creationId xmlns:p14="http://schemas.microsoft.com/office/powerpoint/2010/main" val="2378063408"/>
+      </p:ext>
+    </p:extLst>
+  </p:cSld>
+  <p:clrMapOvr>
+    <a:masterClrMapping/>
+  </p:clrMapOvr>
+</p:sld>
+</file>
+
+<file path=ppt/slides/slide27.xml><?xml version="1.0" encoding="utf-8"?>
+<p:sld xmlns:a="http://schemas.openxmlformats.org/drawingml/2006/main" xmlns:r="http://schemas.openxmlformats.org/officeDocument/2006/relationships" xmlns:p="http://schemas.openxmlformats.org/presentationml/2006/main">
+  <p:cSld>
+    <p:spTree>
+      <p:nvGrpSpPr>
+        <p:cNvPr id="1" name=""/>
+        <p:cNvGrpSpPr/>
+        <p:nvPr/>
+      </p:nvGrpSpPr>
+      <p:grpSpPr>
+        <a:xfrm>
+          <a:off x="0" y="0"/>
+          <a:ext cx="0" cy="0"/>
+          <a:chOff x="0" y="0"/>
+          <a:chExt cx="0" cy="0"/>
+        </a:xfrm>
+      </p:grpSpPr>
+      <p:sp>
+        <p:nvSpPr>
+          <p:cNvPr id="2" name="Title 1"/>
+          <p:cNvSpPr>
+            <a:spLocks noGrp="1"/>
+          </p:cNvSpPr>
+          <p:nvPr>
+            <p:ph type="title"/>
+          </p:nvPr>
+        </p:nvSpPr>
+        <p:spPr/>
+        <p:txBody>
+          <a:bodyPr/>
+          <a:lstStyle/>
+          <a:p>
+            <a:r>
+              <a:rPr lang="en-US" dirty="0" smtClean="0"/>
+              <a:t>Performance Statistics</a:t>
+            </a:r>
+            <a:endParaRPr lang="en-US" dirty="0"/>
+          </a:p>
+        </p:txBody>
+      </p:sp>
+      <p:sp>
+        <p:nvSpPr>
+          <p:cNvPr id="3" name="Content Placeholder 2"/>
+          <p:cNvSpPr>
+            <a:spLocks noGrp="1"/>
+          </p:cNvSpPr>
+          <p:nvPr>
+            <p:ph idx="1"/>
+          </p:nvPr>
+        </p:nvSpPr>
+        <p:spPr/>
+        <p:txBody>
+          <a:bodyPr/>
+          <a:lstStyle/>
+          <a:p>
+            <a:r>
+              <a:rPr lang="en-US" dirty="0" smtClean="0"/>
+              <a:t>With sync disabled</a:t>
+            </a:r>
+          </a:p>
+          <a:p>
+            <a:endParaRPr lang="en-US" dirty="0" smtClean="0"/>
+          </a:p>
+        </p:txBody>
+      </p:sp>
+      <p:pic>
+        <p:nvPicPr>
+          <p:cNvPr id="5" name="Picture 4"/>
+          <p:cNvPicPr/>
+          <p:nvPr/>
+        </p:nvPicPr>
+        <p:blipFill>
+          <a:blip r:embed="rId2">
+            <a:extLst>
+              <a:ext uri="{28A0092B-C50C-407E-A947-70E740481C1C}">
+                <a14:useLocalDpi xmlns:a14="http://schemas.microsoft.com/office/drawing/2010/main" val="0"/>
+              </a:ext>
+            </a:extLst>
+          </a:blip>
+          <a:srcRect/>
+          <a:stretch>
+            <a:fillRect/>
+          </a:stretch>
+        </p:blipFill>
+        <p:spPr bwMode="auto">
+          <a:xfrm>
+            <a:off x="3615498" y="2654445"/>
+            <a:ext cx="2720340" cy="2893060"/>
           </a:xfrm>
           <a:prstGeom prst="rect">
             <a:avLst/>
@@ -6189,7 +8517,7 @@
 </p:sld>
 </file>
 
-<file path=ppt/slides/slide13.xml><?xml version="1.0" encoding="utf-8"?>
+<file path=ppt/slides/slide28.xml><?xml version="1.0" encoding="utf-8"?>
 <p:sld xmlns:a="http://schemas.openxmlformats.org/drawingml/2006/main" xmlns:r="http://schemas.openxmlformats.org/officeDocument/2006/relationships" xmlns:p="http://schemas.openxmlformats.org/presentationml/2006/main">
   <p:cSld>
     <p:spTree>
@@ -6223,7 +8551,7 @@
           <a:p>
             <a:r>
               <a:rPr lang="en-US" dirty="0" smtClean="0"/>
-              <a:t>Technology</a:t>
+              <a:t>Performance Statistics</a:t>
             </a:r>
             <a:endParaRPr lang="en-US" dirty="0"/>
           </a:p>
@@ -6246,50 +8574,35 @@
           <a:p>
             <a:r>
               <a:rPr lang="en-US" dirty="0" smtClean="0"/>
-              <a:t>C++</a:t>
-            </a:r>
-          </a:p>
-          <a:p>
-            <a:r>
-              <a:rPr lang="en-US" dirty="0" smtClean="0"/>
-              <a:t>Windows 8.1 SDK</a:t>
-            </a:r>
-          </a:p>
-          <a:p>
-            <a:r>
-              <a:rPr lang="en-US" dirty="0" smtClean="0"/>
-              <a:t>DirectX 11 SDK</a:t>
-            </a:r>
-          </a:p>
-          <a:p>
-            <a:r>
-              <a:rPr lang="en-US" dirty="0" err="1" smtClean="0"/>
-              <a:t>DirecXTK</a:t>
-            </a:r>
-            <a:endParaRPr lang="en-US" dirty="0" smtClean="0"/>
-          </a:p>
-          <a:p>
-            <a:r>
-              <a:rPr lang="en-US" dirty="0" smtClean="0"/>
-              <a:t>Visual Studio 2013</a:t>
-            </a:r>
-          </a:p>
-          <a:p>
-            <a:r>
-              <a:rPr lang="en-US" dirty="0" err="1" smtClean="0"/>
-              <a:t>Github</a:t>
-            </a:r>
-            <a:r>
-              <a:rPr lang="en-US" dirty="0"/>
-              <a:t> </a:t>
-            </a:r>
-            <a:r>
-              <a:rPr lang="en-US" dirty="0" smtClean="0"/>
-              <a:t>/ </a:t>
-            </a:r>
-            <a:r>
-              <a:rPr lang="en-US" dirty="0" err="1" smtClean="0"/>
-              <a:t>GitExtentions</a:t>
+              <a:t>Observations</a:t>
+            </a:r>
+          </a:p>
+          <a:p>
+            <a:pPr lvl="1"/>
+            <a:r>
+              <a:rPr lang="en-US" dirty="0" smtClean="0"/>
+              <a:t>Small frame time</a:t>
+            </a:r>
+          </a:p>
+          <a:p>
+            <a:pPr lvl="2"/>
+            <a:r>
+              <a:rPr lang="en-US" dirty="0" smtClean="0"/>
+              <a:t>Majority of the frame time can be utilized to implemented complex and/or interactive scenes</a:t>
+            </a:r>
+          </a:p>
+          <a:p>
+            <a:pPr lvl="1"/>
+            <a:r>
+              <a:rPr lang="en-US" dirty="0" smtClean="0"/>
+              <a:t>Small memory footprint </a:t>
+            </a:r>
+          </a:p>
+          <a:p>
+            <a:pPr lvl="2"/>
+            <a:r>
+              <a:rPr lang="en-US" dirty="0" smtClean="0"/>
+              <a:t>no additional resources used for texturing</a:t>
             </a:r>
             <a:endParaRPr lang="en-US" dirty="0"/>
           </a:p>
@@ -6298,7 +8611,7 @@
     </p:spTree>
     <p:extLst>
       <p:ext uri="{BB962C8B-B14F-4D97-AF65-F5344CB8AC3E}">
-        <p14:creationId xmlns:p14="http://schemas.microsoft.com/office/powerpoint/2010/main" val="2128679913"/>
+        <p14:creationId xmlns:p14="http://schemas.microsoft.com/office/powerpoint/2010/main" val="3432790618"/>
       </p:ext>
     </p:extLst>
   </p:cSld>
@@ -6308,7 +8621,7 @@
 </p:sld>
 </file>
 
-<file path=ppt/slides/slide14.xml><?xml version="1.0" encoding="utf-8"?>
+<file path=ppt/slides/slide29.xml><?xml version="1.0" encoding="utf-8"?>
 <p:sld xmlns:a="http://schemas.openxmlformats.org/drawingml/2006/main" xmlns:r="http://schemas.openxmlformats.org/officeDocument/2006/relationships" xmlns:p="http://schemas.openxmlformats.org/presentationml/2006/main">
   <p:cSld>
     <p:spTree>
@@ -6360,19 +8673,45 @@
         </p:nvSpPr>
         <p:spPr/>
         <p:txBody>
-          <a:bodyPr/>
-          <a:lstStyle/>
-          <a:p>
-            <a:r>
-              <a:rPr lang="en-US" dirty="0" smtClean="0"/>
-              <a:t>Sharp Transitions</a:t>
-            </a:r>
-          </a:p>
-          <a:p>
-            <a:r>
-              <a:rPr lang="en-US" dirty="0" smtClean="0"/>
-              <a:t>Texture Stretching</a:t>
-            </a:r>
+          <a:bodyPr>
+            <a:normAutofit fontScale="92500" lnSpcReduction="20000"/>
+          </a:bodyPr>
+          <a:lstStyle/>
+          <a:p>
+            <a:r>
+              <a:rPr lang="en-US" dirty="0" smtClean="0"/>
+              <a:t>Sharp </a:t>
+            </a:r>
+            <a:r>
+              <a:rPr lang="en-US" dirty="0" smtClean="0"/>
+              <a:t>Transitions</a:t>
+            </a:r>
+          </a:p>
+          <a:p>
+            <a:pPr lvl="1"/>
+            <a:r>
+              <a:rPr lang="en-US" dirty="0" smtClean="0"/>
+              <a:t>Had to play with height generation parameters and smoothing</a:t>
+            </a:r>
+            <a:endParaRPr lang="en-US" dirty="0" smtClean="0"/>
+          </a:p>
+          <a:p>
+            <a:r>
+              <a:rPr lang="en-US" dirty="0" smtClean="0"/>
+              <a:t>Texture </a:t>
+            </a:r>
+            <a:r>
+              <a:rPr lang="en-US" dirty="0" smtClean="0"/>
+              <a:t>Stretching</a:t>
+            </a:r>
+          </a:p>
+          <a:p>
+            <a:pPr lvl="1"/>
+            <a:r>
+              <a:rPr lang="en-US" dirty="0" smtClean="0"/>
+              <a:t>Tri-planar texture mapping</a:t>
+            </a:r>
+            <a:endParaRPr lang="en-US" dirty="0" smtClean="0"/>
           </a:p>
           <a:p>
             <a:r>
@@ -6380,8 +8719,15 @@
               <a:t>Sea Level </a:t>
             </a:r>
             <a:r>
-              <a:rPr lang="en-US" dirty="0" err="1" smtClean="0"/>
-              <a:t>Transisiton</a:t>
+              <a:rPr lang="en-US" dirty="0" smtClean="0"/>
+              <a:t>Transition</a:t>
+            </a:r>
+          </a:p>
+          <a:p>
+            <a:pPr lvl="1"/>
+            <a:r>
+              <a:rPr lang="en-US" dirty="0" smtClean="0"/>
+              <a:t>Interpolating texture mapping between water and land</a:t>
             </a:r>
             <a:endParaRPr lang="en-US" dirty="0" smtClean="0"/>
           </a:p>
@@ -6392,9 +8738,38 @@
             </a:r>
           </a:p>
           <a:p>
+            <a:pPr lvl="1"/>
+            <a:r>
+              <a:rPr lang="en-US" dirty="0" smtClean="0"/>
+              <a:t>Skybox vs Far-plane</a:t>
+            </a:r>
+          </a:p>
+          <a:p>
+            <a:pPr lvl="1"/>
+            <a:r>
+              <a:rPr lang="en-US" dirty="0" smtClean="0"/>
+              <a:t>Collision detection ( future work )</a:t>
+            </a:r>
+          </a:p>
+          <a:p>
             <a:r>
               <a:rPr lang="en-US" dirty="0" smtClean="0"/>
               <a:t>Skybox Edges</a:t>
+            </a:r>
+          </a:p>
+          <a:p>
+            <a:pPr lvl="1"/>
+            <a:r>
+              <a:rPr lang="en-US" dirty="0" smtClean="0"/>
+              <a:t>Matching choice of skybox and water texture</a:t>
+            </a:r>
+            <a:endParaRPr lang="en-US" dirty="0" smtClean="0"/>
+          </a:p>
+          <a:p>
+            <a:pPr lvl="1"/>
+            <a:r>
+              <a:rPr lang="en-US" dirty="0" smtClean="0"/>
+              <a:t>Bounds to the scene</a:t>
             </a:r>
             <a:endParaRPr lang="en-US" dirty="0"/>
           </a:p>
@@ -6413,7 +8788,7 @@
 </p:sld>
 </file>
 
-<file path=ppt/slides/slide15.xml><?xml version="1.0" encoding="utf-8"?>
+<file path=ppt/slides/slide3.xml><?xml version="1.0" encoding="utf-8"?>
 <p:sld xmlns:a="http://schemas.openxmlformats.org/drawingml/2006/main" xmlns:r="http://schemas.openxmlformats.org/officeDocument/2006/relationships" xmlns:p="http://schemas.openxmlformats.org/presentationml/2006/main">
   <p:cSld>
     <p:spTree>
@@ -6447,7 +8822,7 @@
           <a:p>
             <a:r>
               <a:rPr lang="en-US" dirty="0" smtClean="0"/>
-              <a:t>Conclusion</a:t>
+              <a:t>Overview</a:t>
             </a:r>
             <a:endParaRPr lang="en-US" dirty="0"/>
           </a:p>
@@ -6468,24 +8843,72 @@
           <a:bodyPr/>
           <a:lstStyle/>
           <a:p>
-            <a:endParaRPr lang="en-US"/>
+            <a:r>
+              <a:rPr lang="en-US" dirty="0" smtClean="0"/>
+              <a:t>Height map generation</a:t>
+            </a:r>
+          </a:p>
+          <a:p>
+            <a:r>
+              <a:rPr lang="en-US" dirty="0" smtClean="0"/>
+              <a:t>Tessellation</a:t>
+            </a:r>
+          </a:p>
+          <a:p>
+            <a:r>
+              <a:rPr lang="en-US" dirty="0" smtClean="0"/>
+              <a:t>Lighting</a:t>
+            </a:r>
+            <a:endParaRPr lang="en-US" dirty="0" smtClean="0"/>
+          </a:p>
+          <a:p>
+            <a:r>
+              <a:rPr lang="en-US" dirty="0" smtClean="0"/>
+              <a:t>Texturing</a:t>
+            </a:r>
+          </a:p>
+          <a:p>
+            <a:r>
+              <a:rPr lang="en-US" dirty="0" smtClean="0"/>
+              <a:t>Skybox</a:t>
+            </a:r>
+          </a:p>
+          <a:p>
+            <a:r>
+              <a:rPr lang="en-US" dirty="0" smtClean="0"/>
+              <a:t>Camera Controls</a:t>
+            </a:r>
+          </a:p>
+          <a:p>
+            <a:r>
+              <a:rPr lang="en-US" dirty="0" smtClean="0"/>
+              <a:t>Performance Statistics</a:t>
+            </a:r>
+            <a:endParaRPr lang="en-US" dirty="0"/>
           </a:p>
         </p:txBody>
       </p:sp>
     </p:spTree>
     <p:extLst>
       <p:ext uri="{BB962C8B-B14F-4D97-AF65-F5344CB8AC3E}">
-        <p14:creationId xmlns:p14="http://schemas.microsoft.com/office/powerpoint/2010/main" val="10931396"/>
+        <p14:creationId xmlns:p14="http://schemas.microsoft.com/office/powerpoint/2010/main" val="1244146580"/>
       </p:ext>
     </p:extLst>
   </p:cSld>
   <p:clrMapOvr>
     <a:masterClrMapping/>
   </p:clrMapOvr>
+  <p:timing>
+    <p:tnLst>
+      <p:par>
+        <p:cTn id="1" dur="indefinite" restart="never" nodeType="tmRoot"/>
+      </p:par>
+    </p:tnLst>
+  </p:timing>
 </p:sld>
 </file>
 
-<file path=ppt/slides/slide16.xml><?xml version="1.0" encoding="utf-8"?>
+<file path=ppt/slides/slide30.xml><?xml version="1.0" encoding="utf-8"?>
 <p:sld xmlns:a="http://schemas.openxmlformats.org/drawingml/2006/main" xmlns:r="http://schemas.openxmlformats.org/officeDocument/2006/relationships" xmlns:p="http://schemas.openxmlformats.org/presentationml/2006/main">
   <p:cSld>
     <p:spTree>
@@ -6519,7 +8942,7 @@
           <a:p>
             <a:r>
               <a:rPr lang="en-US" dirty="0" smtClean="0"/>
-              <a:t>Future Enhancements</a:t>
+              <a:t>Conclusion</a:t>
             </a:r>
             <a:endParaRPr lang="en-US" dirty="0"/>
           </a:p>
@@ -6537,61 +8960,86 @@
         </p:nvSpPr>
         <p:spPr/>
         <p:txBody>
-          <a:bodyPr/>
-          <a:lstStyle/>
-          <a:p>
-            <a:r>
-              <a:rPr lang="en-US" dirty="0" smtClean="0"/>
-              <a:t>Shadow Mapping</a:t>
-            </a:r>
-          </a:p>
-          <a:p>
-            <a:r>
-              <a:rPr lang="en-US" dirty="0" smtClean="0"/>
-              <a:t>Tessellation </a:t>
-            </a:r>
-            <a:r>
-              <a:rPr lang="en-US" dirty="0" err="1" smtClean="0"/>
-              <a:t>Shader</a:t>
+          <a:bodyPr>
+            <a:normAutofit fontScale="92500" lnSpcReduction="10000"/>
+          </a:bodyPr>
+          <a:lstStyle/>
+          <a:p>
+            <a:r>
+              <a:rPr lang="en-US" dirty="0" smtClean="0"/>
+              <a:t>Simple and intuitive techniques that can be examined in isolation</a:t>
+            </a:r>
+          </a:p>
+          <a:p>
+            <a:r>
+              <a:rPr lang="en-US" dirty="0" smtClean="0"/>
+              <a:t>Recap of texturing techniques gains</a:t>
+            </a:r>
+          </a:p>
+          <a:p>
+            <a:r>
+              <a:rPr lang="en-US" dirty="0" smtClean="0"/>
+              <a:t>Advantages of height map generation</a:t>
             </a:r>
             <a:endParaRPr lang="en-US" dirty="0" smtClean="0"/>
           </a:p>
           <a:p>
             <a:r>
               <a:rPr lang="en-US" dirty="0" smtClean="0"/>
-              <a:t>Terrain Editor</a:t>
-            </a:r>
-          </a:p>
-          <a:p>
-            <a:r>
-              <a:rPr lang="en-US" dirty="0" smtClean="0"/>
-              <a:t>Ocean </a:t>
-            </a:r>
-            <a:r>
-              <a:rPr lang="en-US" dirty="0" err="1" smtClean="0"/>
-              <a:t>Shader</a:t>
-            </a:r>
-            <a:endParaRPr lang="en-US" dirty="0" smtClean="0"/>
-          </a:p>
-          <a:p>
-            <a:r>
-              <a:rPr lang="en-US" dirty="0" smtClean="0"/>
-              <a:t>User Interface</a:t>
-            </a:r>
-          </a:p>
-          <a:p>
-            <a:r>
-              <a:rPr lang="en-US" dirty="0" smtClean="0"/>
-              <a:t>Segway to Game Engine</a:t>
-            </a:r>
-            <a:endParaRPr lang="en-US" dirty="0"/>
+              <a:t>Gains observed in performance statistics</a:t>
+            </a:r>
+            <a:endParaRPr lang="en-US" dirty="0"/>
+          </a:p>
+          <a:p>
+            <a:pPr lvl="1"/>
+            <a:r>
+              <a:rPr lang="en-US" dirty="0" smtClean="0"/>
+              <a:t>Frame time</a:t>
+            </a:r>
+          </a:p>
+          <a:p>
+            <a:pPr lvl="1"/>
+            <a:r>
+              <a:rPr lang="en-US" dirty="0" smtClean="0"/>
+              <a:t>Buffer sizes</a:t>
+            </a:r>
+          </a:p>
+          <a:p>
+            <a:r>
+              <a:rPr lang="en-US" dirty="0" smtClean="0"/>
+              <a:t>Candidate for integration into larger projects</a:t>
+            </a:r>
+          </a:p>
+          <a:p>
+            <a:r>
+              <a:rPr lang="en-US" dirty="0" smtClean="0"/>
+              <a:t>Importance of feature toggling</a:t>
+            </a:r>
+          </a:p>
+          <a:p>
+            <a:r>
+              <a:rPr lang="en-US" dirty="0" smtClean="0"/>
+              <a:t>Understanding contribution of each stage</a:t>
+            </a:r>
+          </a:p>
+          <a:p>
+            <a:r>
+              <a:rPr lang="en-US" dirty="0" smtClean="0"/>
+              <a:t>Benefits of DirectX 11</a:t>
+            </a:r>
+          </a:p>
+          <a:p>
+            <a:r>
+              <a:rPr lang="en-US" dirty="0" smtClean="0"/>
+              <a:t>Great for explaining techniques to a graphics enthusiast</a:t>
+            </a:r>
           </a:p>
         </p:txBody>
       </p:sp>
     </p:spTree>
     <p:extLst>
       <p:ext uri="{BB962C8B-B14F-4D97-AF65-F5344CB8AC3E}">
-        <p14:creationId xmlns:p14="http://schemas.microsoft.com/office/powerpoint/2010/main" val="4214031117"/>
+        <p14:creationId xmlns:p14="http://schemas.microsoft.com/office/powerpoint/2010/main" val="10931396"/>
       </p:ext>
     </p:extLst>
   </p:cSld>
@@ -6601,7 +9049,7 @@
 </p:sld>
 </file>
 
-<file path=ppt/slides/slide17.xml><?xml version="1.0" encoding="utf-8"?>
+<file path=ppt/slides/slide31.xml><?xml version="1.0" encoding="utf-8"?>
 <p:sld xmlns:a="http://schemas.openxmlformats.org/drawingml/2006/main" xmlns:r="http://schemas.openxmlformats.org/officeDocument/2006/relationships" xmlns:p="http://schemas.openxmlformats.org/presentationml/2006/main">
   <p:cSld>
     <p:spTree>
@@ -6635,6 +9083,133 @@
           <a:p>
             <a:r>
               <a:rPr lang="en-US" dirty="0" smtClean="0"/>
+              <a:t>Future Enhancements</a:t>
+            </a:r>
+            <a:endParaRPr lang="en-US" dirty="0"/>
+          </a:p>
+        </p:txBody>
+      </p:sp>
+      <p:sp>
+        <p:nvSpPr>
+          <p:cNvPr id="3" name="Content Placeholder 2"/>
+          <p:cNvSpPr>
+            <a:spLocks noGrp="1"/>
+          </p:cNvSpPr>
+          <p:nvPr>
+            <p:ph idx="1"/>
+          </p:nvPr>
+        </p:nvSpPr>
+        <p:spPr/>
+        <p:txBody>
+          <a:bodyPr/>
+          <a:lstStyle/>
+          <a:p>
+            <a:r>
+              <a:rPr lang="en-US" dirty="0" smtClean="0"/>
+              <a:t>Shadow Mapping</a:t>
+            </a:r>
+          </a:p>
+          <a:p>
+            <a:r>
+              <a:rPr lang="en-US" dirty="0" smtClean="0"/>
+              <a:t>Tessellation </a:t>
+            </a:r>
+            <a:r>
+              <a:rPr lang="en-US" dirty="0" err="1" smtClean="0"/>
+              <a:t>Shader</a:t>
+            </a:r>
+            <a:endParaRPr lang="en-US" dirty="0" smtClean="0"/>
+          </a:p>
+          <a:p>
+            <a:r>
+              <a:rPr lang="en-US" dirty="0" smtClean="0"/>
+              <a:t>Terrain Editor</a:t>
+            </a:r>
+          </a:p>
+          <a:p>
+            <a:r>
+              <a:rPr lang="en-US" dirty="0" smtClean="0"/>
+              <a:t>Ocean </a:t>
+            </a:r>
+            <a:r>
+              <a:rPr lang="en-US" dirty="0" err="1" smtClean="0"/>
+              <a:t>Shader</a:t>
+            </a:r>
+            <a:endParaRPr lang="en-US" dirty="0" smtClean="0"/>
+          </a:p>
+          <a:p>
+            <a:r>
+              <a:rPr lang="en-US" dirty="0" smtClean="0"/>
+              <a:t>User </a:t>
+            </a:r>
+            <a:r>
+              <a:rPr lang="en-US" dirty="0" smtClean="0"/>
+              <a:t>Interface</a:t>
+            </a:r>
+          </a:p>
+          <a:p>
+            <a:r>
+              <a:rPr lang="en-US" dirty="0" smtClean="0"/>
+              <a:t>Collision detection</a:t>
+            </a:r>
+            <a:endParaRPr lang="en-US" dirty="0" smtClean="0"/>
+          </a:p>
+          <a:p>
+            <a:r>
+              <a:rPr lang="en-US" dirty="0" smtClean="0"/>
+              <a:t>Segway to Game Engine</a:t>
+            </a:r>
+            <a:endParaRPr lang="en-US" dirty="0"/>
+          </a:p>
+        </p:txBody>
+      </p:sp>
+    </p:spTree>
+    <p:extLst>
+      <p:ext uri="{BB962C8B-B14F-4D97-AF65-F5344CB8AC3E}">
+        <p14:creationId xmlns:p14="http://schemas.microsoft.com/office/powerpoint/2010/main" val="4214031117"/>
+      </p:ext>
+    </p:extLst>
+  </p:cSld>
+  <p:clrMapOvr>
+    <a:masterClrMapping/>
+  </p:clrMapOvr>
+</p:sld>
+</file>
+
+<file path=ppt/slides/slide32.xml><?xml version="1.0" encoding="utf-8"?>
+<p:sld xmlns:a="http://schemas.openxmlformats.org/drawingml/2006/main" xmlns:r="http://schemas.openxmlformats.org/officeDocument/2006/relationships" xmlns:p="http://schemas.openxmlformats.org/presentationml/2006/main">
+  <p:cSld>
+    <p:spTree>
+      <p:nvGrpSpPr>
+        <p:cNvPr id="1" name=""/>
+        <p:cNvGrpSpPr/>
+        <p:nvPr/>
+      </p:nvGrpSpPr>
+      <p:grpSpPr>
+        <a:xfrm>
+          <a:off x="0" y="0"/>
+          <a:ext cx="0" cy="0"/>
+          <a:chOff x="0" y="0"/>
+          <a:chExt cx="0" cy="0"/>
+        </a:xfrm>
+      </p:grpSpPr>
+      <p:sp>
+        <p:nvSpPr>
+          <p:cNvPr id="2" name="Title 1"/>
+          <p:cNvSpPr>
+            <a:spLocks noGrp="1"/>
+          </p:cNvSpPr>
+          <p:nvPr>
+            <p:ph type="title"/>
+          </p:nvPr>
+        </p:nvSpPr>
+        <p:spPr/>
+        <p:txBody>
+          <a:bodyPr/>
+          <a:lstStyle/>
+          <a:p>
+            <a:r>
+              <a:rPr lang="en-US" dirty="0" smtClean="0"/>
               <a:t>Demo</a:t>
             </a:r>
             <a:endParaRPr lang="en-US" dirty="0"/>
@@ -6745,7 +9320,7 @@
       </p:sp>
       <p:sp>
         <p:nvSpPr>
-          <p:cNvPr id="4" name="Content Placeholder 3"/>
+          <p:cNvPr id="9" name="Content Placeholder 8"/>
           <p:cNvSpPr>
             <a:spLocks noGrp="1"/>
           </p:cNvSpPr>
@@ -6753,231 +9328,15 @@
             <p:ph sz="half" idx="2"/>
           </p:nvPr>
         </p:nvSpPr>
-        <p:spPr>
-          <a:xfrm>
-            <a:off x="4461429" y="1424801"/>
-            <a:ext cx="4184034" cy="3880773"/>
-          </a:xfrm>
-        </p:spPr>
+        <p:spPr/>
         <p:txBody>
           <a:bodyPr/>
           <a:lstStyle/>
           <a:p>
-            <a:pPr marL="0" indent="0" algn="ctr">
-              <a:buNone/>
-            </a:pPr>
-            <a:endParaRPr lang="en-US" dirty="0" smtClean="0">
-              <a:solidFill>
-                <a:schemeClr val="accent2">
-                  <a:lumMod val="60000"/>
-                  <a:lumOff val="40000"/>
-                </a:schemeClr>
-              </a:solidFill>
-              <a:latin typeface="+mj-lt"/>
-            </a:endParaRPr>
-          </a:p>
-          <a:p>
-            <a:pPr marL="0" indent="0" algn="ctr">
-              <a:buNone/>
-            </a:pPr>
-            <a:endParaRPr lang="en-US" dirty="0">
-              <a:solidFill>
-                <a:schemeClr val="accent2">
-                  <a:lumMod val="60000"/>
-                  <a:lumOff val="40000"/>
-                </a:schemeClr>
-              </a:solidFill>
-              <a:latin typeface="+mj-lt"/>
-            </a:endParaRPr>
-          </a:p>
-          <a:p>
-            <a:pPr marL="0" indent="0" algn="ctr">
-              <a:buNone/>
-            </a:pPr>
-            <a:endParaRPr lang="en-US" dirty="0" smtClean="0">
-              <a:solidFill>
-                <a:schemeClr val="accent2">
-                  <a:lumMod val="60000"/>
-                  <a:lumOff val="40000"/>
-                </a:schemeClr>
-              </a:solidFill>
-              <a:latin typeface="+mj-lt"/>
-            </a:endParaRPr>
-          </a:p>
-          <a:p>
-            <a:pPr marL="0" indent="0" algn="ctr">
-              <a:buNone/>
-            </a:pPr>
-            <a:endParaRPr lang="en-US" dirty="0">
-              <a:solidFill>
-                <a:schemeClr val="accent2">
-                  <a:lumMod val="60000"/>
-                  <a:lumOff val="40000"/>
-                </a:schemeClr>
-              </a:solidFill>
-              <a:latin typeface="+mj-lt"/>
-            </a:endParaRPr>
-          </a:p>
-          <a:p>
-            <a:pPr marL="0" indent="0" algn="ctr">
-              <a:buNone/>
-            </a:pPr>
-            <a:r>
-              <a:rPr lang="en-US" sz="4000" dirty="0" smtClean="0">
-                <a:solidFill>
-                  <a:schemeClr val="accent2">
-                    <a:lumMod val="60000"/>
-                    <a:lumOff val="40000"/>
-                  </a:schemeClr>
-                </a:solidFill>
-                <a:latin typeface="Cooper Black" panose="0208090404030B020404" pitchFamily="18" charset="0"/>
-              </a:rPr>
-              <a:t>THANK YOU !</a:t>
-            </a:r>
-            <a:endParaRPr lang="en-US" sz="4000" dirty="0">
-              <a:solidFill>
-                <a:schemeClr val="accent2">
-                  <a:lumMod val="60000"/>
-                  <a:lumOff val="40000"/>
-                </a:schemeClr>
-              </a:solidFill>
-              <a:latin typeface="Cooper Black" panose="0208090404030B020404" pitchFamily="18" charset="0"/>
-            </a:endParaRPr>
-          </a:p>
-        </p:txBody>
-      </p:sp>
-      <p:pic>
-        <p:nvPicPr>
-          <p:cNvPr id="5" name="Picture 4"/>
-          <p:cNvPicPr/>
-          <p:nvPr/>
-        </p:nvPicPr>
-        <p:blipFill>
-          <a:blip r:embed="rId2">
-            <a:extLst>
-              <a:ext uri="{28A0092B-C50C-407E-A947-70E740481C1C}">
-                <a14:useLocalDpi xmlns:a14="http://schemas.microsoft.com/office/drawing/2010/main" val="0"/>
-              </a:ext>
-            </a:extLst>
-          </a:blip>
-          <a:srcRect/>
-          <a:stretch>
-            <a:fillRect/>
-          </a:stretch>
-        </p:blipFill>
-        <p:spPr bwMode="auto">
-          <a:xfrm>
-            <a:off x="6770832" y="368968"/>
-            <a:ext cx="2503170" cy="2590800"/>
-          </a:xfrm>
-          <a:prstGeom prst="rect">
-            <a:avLst/>
-          </a:prstGeom>
-          <a:noFill/>
-          <a:ln>
-            <a:noFill/>
-          </a:ln>
-        </p:spPr>
-      </p:pic>
-      <p:pic>
-        <p:nvPicPr>
-          <p:cNvPr id="6" name="Picture 5"/>
-          <p:cNvPicPr/>
-          <p:nvPr/>
-        </p:nvPicPr>
-        <p:blipFill>
-          <a:blip r:embed="rId3">
-            <a:extLst>
-              <a:ext uri="{28A0092B-C50C-407E-A947-70E740481C1C}">
-                <a14:useLocalDpi xmlns:a14="http://schemas.microsoft.com/office/drawing/2010/main" val="0"/>
-              </a:ext>
-            </a:extLst>
-          </a:blip>
-          <a:srcRect/>
-          <a:stretch>
-            <a:fillRect/>
-          </a:stretch>
-        </p:blipFill>
-        <p:spPr bwMode="auto">
-          <a:xfrm>
-            <a:off x="3838385" y="368968"/>
-            <a:ext cx="2503170" cy="2590800"/>
-          </a:xfrm>
-          <a:prstGeom prst="rect">
-            <a:avLst/>
-          </a:prstGeom>
-          <a:noFill/>
-          <a:ln>
-            <a:noFill/>
-          </a:ln>
-        </p:spPr>
-      </p:pic>
-      <p:pic>
-        <p:nvPicPr>
-          <p:cNvPr id="7" name="Picture 6"/>
-          <p:cNvPicPr/>
-          <p:nvPr/>
-        </p:nvPicPr>
-        <p:blipFill>
-          <a:blip r:embed="rId4">
-            <a:extLst>
-              <a:ext uri="{28A0092B-C50C-407E-A947-70E740481C1C}">
-                <a14:useLocalDpi xmlns:a14="http://schemas.microsoft.com/office/drawing/2010/main" val="0"/>
-              </a:ext>
-            </a:extLst>
-          </a:blip>
-          <a:srcRect/>
-          <a:stretch>
-            <a:fillRect/>
-          </a:stretch>
-        </p:blipFill>
-        <p:spPr bwMode="auto">
-          <a:xfrm>
-            <a:off x="3827491" y="3855690"/>
-            <a:ext cx="2503170" cy="2590165"/>
-          </a:xfrm>
-          <a:prstGeom prst="rect">
-            <a:avLst/>
-          </a:prstGeom>
-          <a:noFill/>
-          <a:ln>
-            <a:noFill/>
-          </a:ln>
-        </p:spPr>
-      </p:pic>
-      <p:pic>
-        <p:nvPicPr>
-          <p:cNvPr id="8" name="Picture 7"/>
-          <p:cNvPicPr/>
-          <p:nvPr/>
-        </p:nvPicPr>
-        <p:blipFill>
-          <a:blip r:embed="rId5">
-            <a:extLst>
-              <a:ext uri="{28A0092B-C50C-407E-A947-70E740481C1C}">
-                <a14:useLocalDpi xmlns:a14="http://schemas.microsoft.com/office/drawing/2010/main" val="0"/>
-              </a:ext>
-            </a:extLst>
-          </a:blip>
-          <a:srcRect/>
-          <a:stretch>
-            <a:fillRect/>
-          </a:stretch>
-        </p:blipFill>
-        <p:spPr bwMode="auto">
-          <a:xfrm>
-            <a:off x="6765434" y="3813148"/>
-            <a:ext cx="2513965" cy="2601595"/>
-          </a:xfrm>
-          <a:prstGeom prst="rect">
-            <a:avLst/>
-          </a:prstGeom>
-          <a:noFill/>
-          <a:ln>
-            <a:noFill/>
-          </a:ln>
-        </p:spPr>
-      </p:pic>
+            <a:endParaRPr lang="en-US"/>
+          </a:p>
+        </p:txBody>
+      </p:sp>
     </p:spTree>
     <p:extLst>
       <p:ext uri="{BB962C8B-B14F-4D97-AF65-F5344CB8AC3E}">
@@ -6998,7 +9357,7 @@
 </p:sld>
 </file>
 
-<file path=ppt/slides/slide2.xml><?xml version="1.0" encoding="utf-8"?>
+<file path=ppt/slides/slide33.xml><?xml version="1.0" encoding="utf-8"?>
 <p:sld xmlns:a="http://schemas.openxmlformats.org/drawingml/2006/main" xmlns:r="http://schemas.openxmlformats.org/officeDocument/2006/relationships" xmlns:p="http://schemas.openxmlformats.org/presentationml/2006/main">
   <p:cSld>
     <p:spTree>
@@ -7032,7 +9391,7 @@
           <a:p>
             <a:r>
               <a:rPr lang="en-US" dirty="0" smtClean="0"/>
-              <a:t>Agenda</a:t>
+              <a:t>Questions ?</a:t>
             </a:r>
             <a:endParaRPr lang="en-US" dirty="0"/>
           </a:p>
@@ -7045,226 +9404,447 @@
             <a:spLocks noGrp="1"/>
           </p:cNvSpPr>
           <p:nvPr>
-            <p:ph idx="1"/>
-          </p:nvPr>
-        </p:nvSpPr>
-        <p:spPr/>
-        <p:txBody>
-          <a:bodyPr>
-            <a:normAutofit lnSpcReduction="10000"/>
+            <p:ph sz="half" idx="1"/>
+          </p:nvPr>
+        </p:nvSpPr>
+        <p:spPr/>
+        <p:txBody>
+          <a:bodyPr/>
+          <a:lstStyle/>
+          <a:p>
+            <a:pPr marL="0" indent="0">
+              <a:buNone/>
+            </a:pPr>
+            <a:r>
+              <a:rPr lang="en-US" dirty="0" smtClean="0"/>
+              <a:t> </a:t>
+            </a:r>
+            <a:endParaRPr lang="en-US" dirty="0"/>
+          </a:p>
+        </p:txBody>
+      </p:sp>
+      <p:sp>
+        <p:nvSpPr>
+          <p:cNvPr id="5" name="Content Placeholder 3"/>
+          <p:cNvSpPr txBox="1">
+            <a:spLocks/>
+          </p:cNvSpPr>
+          <p:nvPr/>
+        </p:nvSpPr>
+        <p:spPr>
+          <a:xfrm>
+            <a:off x="824206" y="2709808"/>
+            <a:ext cx="8074325" cy="3880773"/>
+          </a:xfrm>
+          <a:prstGeom prst="rect">
+            <a:avLst/>
+          </a:prstGeom>
+        </p:spPr>
+        <p:txBody>
+          <a:bodyPr vert="horz" lIns="91440" tIns="45720" rIns="91440" bIns="45720" rtlCol="0">
+            <a:normAutofit/>
           </a:bodyPr>
-          <a:lstStyle/>
-          <a:p>
-            <a:r>
-              <a:rPr lang="en-US" dirty="0" smtClean="0"/>
-              <a:t>Overview</a:t>
-            </a:r>
-          </a:p>
-          <a:p>
-            <a:r>
-              <a:rPr lang="en-US" dirty="0" smtClean="0"/>
-              <a:t>Background &amp; Motivation</a:t>
-            </a:r>
-            <a:endParaRPr lang="en-US" dirty="0" smtClean="0"/>
-          </a:p>
-          <a:p>
-            <a:r>
-              <a:rPr lang="en-US" dirty="0" smtClean="0"/>
-              <a:t>Height-map Generation</a:t>
-            </a:r>
-          </a:p>
-          <a:p>
-            <a:r>
-              <a:rPr lang="en-US" dirty="0" smtClean="0"/>
-              <a:t>Rendering Techniques</a:t>
-            </a:r>
-            <a:endParaRPr lang="en-US" dirty="0" smtClean="0"/>
-          </a:p>
-          <a:p>
-            <a:r>
-              <a:rPr lang="en-US" dirty="0" smtClean="0"/>
-              <a:t>Technology</a:t>
-            </a:r>
-          </a:p>
-          <a:p>
-            <a:r>
-              <a:rPr lang="en-US" dirty="0" smtClean="0"/>
-              <a:t>Challenges</a:t>
-            </a:r>
-          </a:p>
-          <a:p>
-            <a:r>
-              <a:rPr lang="en-US" dirty="0" smtClean="0"/>
-              <a:t>Conclusion</a:t>
-            </a:r>
-          </a:p>
-          <a:p>
-            <a:r>
-              <a:rPr lang="en-US" dirty="0" smtClean="0"/>
-              <a:t>Future Work</a:t>
-            </a:r>
-          </a:p>
-          <a:p>
-            <a:r>
-              <a:rPr lang="en-US" dirty="0" smtClean="0"/>
-              <a:t>Demo</a:t>
-            </a:r>
-          </a:p>
-          <a:p>
-            <a:r>
-              <a:rPr lang="en-US" dirty="0" smtClean="0"/>
-              <a:t>Questions</a:t>
-            </a:r>
-          </a:p>
-        </p:txBody>
-      </p:sp>
+          <a:lstStyle>
+            <a:lvl1pPr marL="342900" indent="-342900" algn="l" defTabSz="457200" rtl="0" eaLnBrk="1" latinLnBrk="0" hangingPunct="1">
+              <a:spcBef>
+                <a:spcPts val="1000"/>
+              </a:spcBef>
+              <a:spcAft>
+                <a:spcPts val="0"/>
+              </a:spcAft>
+              <a:buClr>
+                <a:schemeClr val="accent1"/>
+              </a:buClr>
+              <a:buSzPct val="80000"/>
+              <a:buFont typeface="Wingdings 3" charset="2"/>
+              <a:buChar char=""/>
+              <a:defRPr sz="1800" kern="1200">
+                <a:solidFill>
+                  <a:schemeClr val="tx1">
+                    <a:lumMod val="75000"/>
+                    <a:lumOff val="25000"/>
+                  </a:schemeClr>
+                </a:solidFill>
+                <a:latin typeface="+mn-lt"/>
+                <a:ea typeface="+mn-ea"/>
+                <a:cs typeface="+mn-cs"/>
+              </a:defRPr>
+            </a:lvl1pPr>
+            <a:lvl2pPr marL="742950" indent="-285750" algn="l" defTabSz="457200" rtl="0" eaLnBrk="1" latinLnBrk="0" hangingPunct="1">
+              <a:spcBef>
+                <a:spcPts val="1000"/>
+              </a:spcBef>
+              <a:spcAft>
+                <a:spcPts val="0"/>
+              </a:spcAft>
+              <a:buClr>
+                <a:schemeClr val="accent1"/>
+              </a:buClr>
+              <a:buSzPct val="80000"/>
+              <a:buFont typeface="Wingdings 3" charset="2"/>
+              <a:buChar char=""/>
+              <a:defRPr sz="1600" kern="1200">
+                <a:solidFill>
+                  <a:schemeClr val="tx1">
+                    <a:lumMod val="75000"/>
+                    <a:lumOff val="25000"/>
+                  </a:schemeClr>
+                </a:solidFill>
+                <a:latin typeface="+mn-lt"/>
+                <a:ea typeface="+mn-ea"/>
+                <a:cs typeface="+mn-cs"/>
+              </a:defRPr>
+            </a:lvl2pPr>
+            <a:lvl3pPr marL="1143000" indent="-228600" algn="l" defTabSz="457200" rtl="0" eaLnBrk="1" latinLnBrk="0" hangingPunct="1">
+              <a:spcBef>
+                <a:spcPts val="1000"/>
+              </a:spcBef>
+              <a:spcAft>
+                <a:spcPts val="0"/>
+              </a:spcAft>
+              <a:buClr>
+                <a:schemeClr val="accent1"/>
+              </a:buClr>
+              <a:buSzPct val="80000"/>
+              <a:buFont typeface="Wingdings 3" charset="2"/>
+              <a:buChar char=""/>
+              <a:defRPr sz="1400" kern="1200">
+                <a:solidFill>
+                  <a:schemeClr val="tx1">
+                    <a:lumMod val="75000"/>
+                    <a:lumOff val="25000"/>
+                  </a:schemeClr>
+                </a:solidFill>
+                <a:latin typeface="+mn-lt"/>
+                <a:ea typeface="+mn-ea"/>
+                <a:cs typeface="+mn-cs"/>
+              </a:defRPr>
+            </a:lvl3pPr>
+            <a:lvl4pPr marL="1600200" indent="-228600" algn="l" defTabSz="457200" rtl="0" eaLnBrk="1" latinLnBrk="0" hangingPunct="1">
+              <a:spcBef>
+                <a:spcPts val="1000"/>
+              </a:spcBef>
+              <a:spcAft>
+                <a:spcPts val="0"/>
+              </a:spcAft>
+              <a:buClr>
+                <a:schemeClr val="accent1"/>
+              </a:buClr>
+              <a:buSzPct val="80000"/>
+              <a:buFont typeface="Wingdings 3" charset="2"/>
+              <a:buChar char=""/>
+              <a:defRPr sz="1200" kern="1200">
+                <a:solidFill>
+                  <a:schemeClr val="tx1">
+                    <a:lumMod val="75000"/>
+                    <a:lumOff val="25000"/>
+                  </a:schemeClr>
+                </a:solidFill>
+                <a:latin typeface="+mn-lt"/>
+                <a:ea typeface="+mn-ea"/>
+                <a:cs typeface="+mn-cs"/>
+              </a:defRPr>
+            </a:lvl4pPr>
+            <a:lvl5pPr marL="2057400" indent="-228600" algn="l" defTabSz="457200" rtl="0" eaLnBrk="1" latinLnBrk="0" hangingPunct="1">
+              <a:spcBef>
+                <a:spcPts val="1000"/>
+              </a:spcBef>
+              <a:spcAft>
+                <a:spcPts val="0"/>
+              </a:spcAft>
+              <a:buClr>
+                <a:schemeClr val="accent1"/>
+              </a:buClr>
+              <a:buSzPct val="80000"/>
+              <a:buFont typeface="Wingdings 3" charset="2"/>
+              <a:buChar char=""/>
+              <a:defRPr sz="1200" kern="1200">
+                <a:solidFill>
+                  <a:schemeClr val="tx1">
+                    <a:lumMod val="75000"/>
+                    <a:lumOff val="25000"/>
+                  </a:schemeClr>
+                </a:solidFill>
+                <a:latin typeface="+mn-lt"/>
+                <a:ea typeface="+mn-ea"/>
+                <a:cs typeface="+mn-cs"/>
+              </a:defRPr>
+            </a:lvl5pPr>
+            <a:lvl6pPr marL="2514600" indent="-228600" algn="l" defTabSz="457200" rtl="0" eaLnBrk="1" latinLnBrk="0" hangingPunct="1">
+              <a:spcBef>
+                <a:spcPts val="1000"/>
+              </a:spcBef>
+              <a:spcAft>
+                <a:spcPts val="0"/>
+              </a:spcAft>
+              <a:buClr>
+                <a:schemeClr val="accent1"/>
+              </a:buClr>
+              <a:buSzPct val="80000"/>
+              <a:buFont typeface="Wingdings 3" charset="2"/>
+              <a:buChar char=""/>
+              <a:defRPr sz="1200" kern="1200">
+                <a:solidFill>
+                  <a:schemeClr val="tx1">
+                    <a:lumMod val="75000"/>
+                    <a:lumOff val="25000"/>
+                  </a:schemeClr>
+                </a:solidFill>
+                <a:latin typeface="+mn-lt"/>
+                <a:ea typeface="+mn-ea"/>
+                <a:cs typeface="+mn-cs"/>
+              </a:defRPr>
+            </a:lvl6pPr>
+            <a:lvl7pPr marL="2971800" indent="-228600" algn="l" defTabSz="457200" rtl="0" eaLnBrk="1" latinLnBrk="0" hangingPunct="1">
+              <a:spcBef>
+                <a:spcPts val="1000"/>
+              </a:spcBef>
+              <a:spcAft>
+                <a:spcPts val="0"/>
+              </a:spcAft>
+              <a:buClr>
+                <a:schemeClr val="accent1"/>
+              </a:buClr>
+              <a:buSzPct val="80000"/>
+              <a:buFont typeface="Wingdings 3" charset="2"/>
+              <a:buChar char=""/>
+              <a:defRPr sz="1200" kern="1200">
+                <a:solidFill>
+                  <a:schemeClr val="tx1">
+                    <a:lumMod val="75000"/>
+                    <a:lumOff val="25000"/>
+                  </a:schemeClr>
+                </a:solidFill>
+                <a:latin typeface="+mn-lt"/>
+                <a:ea typeface="+mn-ea"/>
+                <a:cs typeface="+mn-cs"/>
+              </a:defRPr>
+            </a:lvl7pPr>
+            <a:lvl8pPr marL="3429000" indent="-228600" algn="l" defTabSz="457200" rtl="0" eaLnBrk="1" latinLnBrk="0" hangingPunct="1">
+              <a:spcBef>
+                <a:spcPts val="1000"/>
+              </a:spcBef>
+              <a:spcAft>
+                <a:spcPts val="0"/>
+              </a:spcAft>
+              <a:buClr>
+                <a:schemeClr val="accent1"/>
+              </a:buClr>
+              <a:buSzPct val="80000"/>
+              <a:buFont typeface="Wingdings 3" charset="2"/>
+              <a:buChar char=""/>
+              <a:defRPr sz="1200" kern="1200">
+                <a:solidFill>
+                  <a:schemeClr val="tx1">
+                    <a:lumMod val="75000"/>
+                    <a:lumOff val="25000"/>
+                  </a:schemeClr>
+                </a:solidFill>
+                <a:latin typeface="+mn-lt"/>
+                <a:ea typeface="+mn-ea"/>
+                <a:cs typeface="+mn-cs"/>
+              </a:defRPr>
+            </a:lvl8pPr>
+            <a:lvl9pPr marL="3886200" indent="-228600" algn="l" defTabSz="457200" rtl="0" eaLnBrk="1" latinLnBrk="0" hangingPunct="1">
+              <a:spcBef>
+                <a:spcPts val="1000"/>
+              </a:spcBef>
+              <a:spcAft>
+                <a:spcPts val="0"/>
+              </a:spcAft>
+              <a:buClr>
+                <a:schemeClr val="accent1"/>
+              </a:buClr>
+              <a:buSzPct val="80000"/>
+              <a:buFont typeface="Wingdings 3" charset="2"/>
+              <a:buChar char=""/>
+              <a:defRPr sz="1200" kern="1200">
+                <a:solidFill>
+                  <a:schemeClr val="tx1">
+                    <a:lumMod val="75000"/>
+                    <a:lumOff val="25000"/>
+                  </a:schemeClr>
+                </a:solidFill>
+                <a:latin typeface="+mn-lt"/>
+                <a:ea typeface="+mn-ea"/>
+                <a:cs typeface="+mn-cs"/>
+              </a:defRPr>
+            </a:lvl9pPr>
+          </a:lstStyle>
+          <a:p>
+            <a:pPr marL="0" indent="0" algn="ctr">
+              <a:buFont typeface="Wingdings 3" charset="2"/>
+              <a:buNone/>
+            </a:pPr>
+            <a:endParaRPr lang="en-US" dirty="0" smtClean="0">
+              <a:solidFill>
+                <a:schemeClr val="accent2">
+                  <a:lumMod val="60000"/>
+                  <a:lumOff val="40000"/>
+                </a:schemeClr>
+              </a:solidFill>
+              <a:latin typeface="+mj-lt"/>
+            </a:endParaRPr>
+          </a:p>
+          <a:p>
+            <a:pPr marL="0" indent="0" algn="ctr">
+              <a:buFont typeface="Wingdings 3" charset="2"/>
+              <a:buNone/>
+            </a:pPr>
+            <a:endParaRPr lang="en-US" dirty="0" smtClean="0">
+              <a:solidFill>
+                <a:schemeClr val="accent2">
+                  <a:lumMod val="60000"/>
+                  <a:lumOff val="40000"/>
+                </a:schemeClr>
+              </a:solidFill>
+              <a:latin typeface="+mj-lt"/>
+            </a:endParaRPr>
+          </a:p>
+          <a:p>
+            <a:pPr marL="0" indent="0" algn="ctr">
+              <a:buFont typeface="Wingdings 3" charset="2"/>
+              <a:buNone/>
+            </a:pPr>
+            <a:endParaRPr lang="en-US" dirty="0" smtClean="0">
+              <a:solidFill>
+                <a:schemeClr val="accent2">
+                  <a:lumMod val="60000"/>
+                  <a:lumOff val="40000"/>
+                </a:schemeClr>
+              </a:solidFill>
+              <a:latin typeface="+mj-lt"/>
+            </a:endParaRPr>
+          </a:p>
+          <a:p>
+            <a:pPr marL="0" indent="0" algn="ctr">
+              <a:buFont typeface="Wingdings 3" charset="2"/>
+              <a:buNone/>
+            </a:pPr>
+            <a:endParaRPr lang="en-US" dirty="0" smtClean="0">
+              <a:solidFill>
+                <a:schemeClr val="accent2">
+                  <a:lumMod val="60000"/>
+                  <a:lumOff val="40000"/>
+                </a:schemeClr>
+              </a:solidFill>
+              <a:latin typeface="+mj-lt"/>
+            </a:endParaRPr>
+          </a:p>
+          <a:p>
+            <a:pPr marL="0" indent="0" algn="ctr">
+              <a:buFont typeface="Wingdings 3" charset="2"/>
+              <a:buNone/>
+            </a:pPr>
+            <a:r>
+              <a:rPr lang="en-US" sz="4000" dirty="0" smtClean="0">
+                <a:solidFill>
+                  <a:schemeClr val="accent2">
+                    <a:lumMod val="60000"/>
+                    <a:lumOff val="40000"/>
+                  </a:schemeClr>
+                </a:solidFill>
+                <a:latin typeface="Cooper Black" panose="0208090404030B020404" pitchFamily="18" charset="0"/>
+              </a:rPr>
+              <a:t>THANK YOU !</a:t>
+            </a:r>
+          </a:p>
+          <a:p>
+            <a:pPr marL="0" indent="0" algn="ctr">
+              <a:buFont typeface="Wingdings 3" charset="2"/>
+              <a:buNone/>
+            </a:pPr>
+            <a:r>
+              <a:rPr lang="en-US" sz="4000" dirty="0" err="1" smtClean="0">
+                <a:solidFill>
+                  <a:schemeClr val="accent2">
+                    <a:lumMod val="60000"/>
+                    <a:lumOff val="40000"/>
+                  </a:schemeClr>
+                </a:solidFill>
+                <a:latin typeface="Cooper Black" panose="0208090404030B020404" pitchFamily="18" charset="0"/>
+              </a:rPr>
+              <a:t>Karteek</a:t>
+            </a:r>
+            <a:r>
+              <a:rPr lang="en-US" sz="4000" dirty="0" smtClean="0">
+                <a:solidFill>
+                  <a:schemeClr val="accent2">
+                    <a:lumMod val="60000"/>
+                    <a:lumOff val="40000"/>
+                  </a:schemeClr>
+                </a:solidFill>
+                <a:latin typeface="Cooper Black" panose="0208090404030B020404" pitchFamily="18" charset="0"/>
+              </a:rPr>
+              <a:t> </a:t>
+            </a:r>
+            <a:r>
+              <a:rPr lang="en-US" sz="4000" dirty="0" err="1" smtClean="0">
+                <a:solidFill>
+                  <a:schemeClr val="accent2">
+                    <a:lumMod val="60000"/>
+                    <a:lumOff val="40000"/>
+                  </a:schemeClr>
+                </a:solidFill>
+                <a:latin typeface="Cooper Black" panose="0208090404030B020404" pitchFamily="18" charset="0"/>
+              </a:rPr>
+              <a:t>Mekala</a:t>
+            </a:r>
+            <a:endParaRPr lang="en-US" sz="4000" dirty="0">
+              <a:solidFill>
+                <a:schemeClr val="accent2">
+                  <a:lumMod val="60000"/>
+                  <a:lumOff val="40000"/>
+                </a:schemeClr>
+              </a:solidFill>
+              <a:latin typeface="Cooper Black" panose="0208090404030B020404" pitchFamily="18" charset="0"/>
+            </a:endParaRPr>
+          </a:p>
+        </p:txBody>
+      </p:sp>
+      <p:pic>
+        <p:nvPicPr>
+          <p:cNvPr id="6" name="Picture 5"/>
+          <p:cNvPicPr/>
+          <p:nvPr/>
+        </p:nvPicPr>
+        <p:blipFill>
+          <a:blip r:embed="rId2">
+            <a:extLst>
+              <a:ext uri="{28A0092B-C50C-407E-A947-70E740481C1C}">
+                <a14:useLocalDpi xmlns:a14="http://schemas.microsoft.com/office/drawing/2010/main" val="0"/>
+              </a:ext>
+            </a:extLst>
+          </a:blip>
+          <a:srcRect/>
+          <a:stretch>
+            <a:fillRect/>
+          </a:stretch>
+        </p:blipFill>
+        <p:spPr bwMode="auto">
+          <a:xfrm>
+            <a:off x="3462925" y="1270000"/>
+            <a:ext cx="2503170" cy="2590800"/>
+          </a:xfrm>
+          <a:prstGeom prst="rect">
+            <a:avLst/>
+          </a:prstGeom>
+          <a:noFill/>
+          <a:ln>
+            <a:noFill/>
+          </a:ln>
+        </p:spPr>
+      </p:pic>
     </p:spTree>
     <p:extLst>
       <p:ext uri="{BB962C8B-B14F-4D97-AF65-F5344CB8AC3E}">
-        <p14:creationId xmlns:p14="http://schemas.microsoft.com/office/powerpoint/2010/main" val="276086946"/>
+        <p14:creationId xmlns:p14="http://schemas.microsoft.com/office/powerpoint/2010/main" val="3550681085"/>
       </p:ext>
     </p:extLst>
   </p:cSld>
   <p:clrMapOvr>
     <a:masterClrMapping/>
   </p:clrMapOvr>
-  <p:timing>
-    <p:tnLst>
-      <p:par>
-        <p:cTn id="1" dur="indefinite" restart="never" nodeType="tmRoot"/>
-      </p:par>
-    </p:tnLst>
-  </p:timing>
-</p:sld>
-</file>
-
-<file path=ppt/slides/slide3.xml><?xml version="1.0" encoding="utf-8"?>
-<p:sld xmlns:a="http://schemas.openxmlformats.org/drawingml/2006/main" xmlns:r="http://schemas.openxmlformats.org/officeDocument/2006/relationships" xmlns:p="http://schemas.openxmlformats.org/presentationml/2006/main">
-  <p:cSld>
-    <p:spTree>
-      <p:nvGrpSpPr>
-        <p:cNvPr id="1" name=""/>
-        <p:cNvGrpSpPr/>
-        <p:nvPr/>
-      </p:nvGrpSpPr>
-      <p:grpSpPr>
-        <a:xfrm>
-          <a:off x="0" y="0"/>
-          <a:ext cx="0" cy="0"/>
-          <a:chOff x="0" y="0"/>
-          <a:chExt cx="0" cy="0"/>
-        </a:xfrm>
-      </p:grpSpPr>
-      <p:sp>
-        <p:nvSpPr>
-          <p:cNvPr id="2" name="Title 1"/>
-          <p:cNvSpPr>
-            <a:spLocks noGrp="1"/>
-          </p:cNvSpPr>
-          <p:nvPr>
-            <p:ph type="title"/>
-          </p:nvPr>
-        </p:nvSpPr>
-        <p:spPr/>
-        <p:txBody>
-          <a:bodyPr/>
-          <a:lstStyle/>
-          <a:p>
-            <a:r>
-              <a:rPr lang="en-US" dirty="0" smtClean="0"/>
-              <a:t>Overview</a:t>
-            </a:r>
-            <a:endParaRPr lang="en-US" dirty="0"/>
-          </a:p>
-        </p:txBody>
-      </p:sp>
-      <p:sp>
-        <p:nvSpPr>
-          <p:cNvPr id="3" name="Content Placeholder 2"/>
-          <p:cNvSpPr>
-            <a:spLocks noGrp="1"/>
-          </p:cNvSpPr>
-          <p:nvPr>
-            <p:ph idx="1"/>
-          </p:nvPr>
-        </p:nvSpPr>
-        <p:spPr/>
-        <p:txBody>
-          <a:bodyPr/>
-          <a:lstStyle/>
-          <a:p>
-            <a:r>
-              <a:rPr lang="en-US" dirty="0" smtClean="0"/>
-              <a:t>Height map generation</a:t>
-            </a:r>
-          </a:p>
-          <a:p>
-            <a:r>
-              <a:rPr lang="en-US" dirty="0" smtClean="0"/>
-              <a:t>Tessellation</a:t>
-            </a:r>
-          </a:p>
-          <a:p>
-            <a:r>
-              <a:rPr lang="en-US" dirty="0" smtClean="0"/>
-              <a:t>Calculating </a:t>
-            </a:r>
-            <a:r>
-              <a:rPr lang="en-US" dirty="0" err="1" smtClean="0"/>
-              <a:t>Normals</a:t>
-            </a:r>
-            <a:endParaRPr lang="en-US" dirty="0" smtClean="0"/>
-          </a:p>
-          <a:p>
-            <a:r>
-              <a:rPr lang="en-US" dirty="0" smtClean="0"/>
-              <a:t>Lighting</a:t>
-            </a:r>
-          </a:p>
-          <a:p>
-            <a:r>
-              <a:rPr lang="en-US" dirty="0" smtClean="0"/>
-              <a:t>Texturing</a:t>
-            </a:r>
-          </a:p>
-          <a:p>
-            <a:r>
-              <a:rPr lang="en-US" dirty="0" smtClean="0"/>
-              <a:t>Skybox</a:t>
-            </a:r>
-          </a:p>
-          <a:p>
-            <a:r>
-              <a:rPr lang="en-US" dirty="0" smtClean="0"/>
-              <a:t>Camera Controls</a:t>
-            </a:r>
-          </a:p>
-          <a:p>
-            <a:r>
-              <a:rPr lang="en-US" dirty="0" smtClean="0"/>
-              <a:t>Performance Statistics</a:t>
-            </a:r>
-            <a:endParaRPr lang="en-US" dirty="0"/>
-          </a:p>
-        </p:txBody>
-      </p:sp>
-    </p:spTree>
-    <p:extLst>
-      <p:ext uri="{BB962C8B-B14F-4D97-AF65-F5344CB8AC3E}">
-        <p14:creationId xmlns:p14="http://schemas.microsoft.com/office/powerpoint/2010/main" val="1244146580"/>
-      </p:ext>
-    </p:extLst>
-  </p:cSld>
-  <p:clrMapOvr>
-    <a:masterClrMapping/>
-  </p:clrMapOvr>
-  <p:timing>
-    <p:tnLst>
-      <p:par>
-        <p:cTn id="1" dur="indefinite" restart="never" nodeType="tmRoot"/>
-      </p:par>
-    </p:tnLst>
-  </p:timing>
 </p:sld>
 </file>
 
@@ -7302,7 +9882,7 @@
           <a:p>
             <a:r>
               <a:rPr lang="en-US" dirty="0" smtClean="0"/>
-              <a:t>Background</a:t>
+              <a:t>Height map generation</a:t>
             </a:r>
             <a:endParaRPr lang="en-US" dirty="0"/>
           </a:p>
@@ -7325,22 +9905,189 @@
           <a:p>
             <a:r>
               <a:rPr lang="en-US" dirty="0" smtClean="0"/>
-              <a:t>Diamon</a:t>
-            </a:r>
-            <a:r>
-              <a:rPr lang="en-US" dirty="0" smtClean="0"/>
-              <a:t>d Square Recursive Subdivision</a:t>
-            </a:r>
-          </a:p>
-          <a:p>
-            <a:r>
-              <a:rPr lang="en-US" dirty="0" smtClean="0"/>
-              <a:t>Applications</a:t>
-            </a:r>
-            <a:endParaRPr lang="en-US" dirty="0"/>
-          </a:p>
-        </p:txBody>
-      </p:sp>
+              <a:t>John Carpenter – “Computer Rendering of Fractal Curves and Surfaces” 1979-80</a:t>
+            </a:r>
+          </a:p>
+          <a:p>
+            <a:r>
+              <a:rPr lang="en-US" dirty="0" smtClean="0"/>
+              <a:t>Diamond </a:t>
+            </a:r>
+            <a:r>
+              <a:rPr lang="en-US" dirty="0" smtClean="0"/>
+              <a:t>Square Recursive </a:t>
+            </a:r>
+            <a:r>
+              <a:rPr lang="en-US" dirty="0" smtClean="0"/>
+              <a:t>Subdivision</a:t>
+            </a:r>
+          </a:p>
+        </p:txBody>
+      </p:sp>
+      <p:pic>
+        <p:nvPicPr>
+          <p:cNvPr id="1026" name="Picture 2" descr="http://www.cs.rit.edu/~kkm6815/cg2/clip_image001.png"/>
+          <p:cNvPicPr>
+            <a:picLocks noChangeAspect="1" noChangeArrowheads="1"/>
+          </p:cNvPicPr>
+          <p:nvPr/>
+        </p:nvPicPr>
+        <p:blipFill>
+          <a:blip r:embed="rId2">
+            <a:extLst>
+              <a:ext uri="{28A0092B-C50C-407E-A947-70E740481C1C}">
+                <a14:useLocalDpi xmlns:a14="http://schemas.microsoft.com/office/drawing/2010/main" val="0"/>
+              </a:ext>
+            </a:extLst>
+          </a:blip>
+          <a:srcRect/>
+          <a:stretch>
+            <a:fillRect/>
+          </a:stretch>
+        </p:blipFill>
+        <p:spPr bwMode="auto">
+          <a:xfrm>
+            <a:off x="1949869" y="3658062"/>
+            <a:ext cx="857250" cy="885825"/>
+          </a:xfrm>
+          <a:prstGeom prst="rect">
+            <a:avLst/>
+          </a:prstGeom>
+          <a:noFill/>
+          <a:extLst>
+            <a:ext uri="{909E8E84-426E-40DD-AFC4-6F175D3DCCD1}">
+              <a14:hiddenFill xmlns:a14="http://schemas.microsoft.com/office/drawing/2010/main">
+                <a:solidFill>
+                  <a:srgbClr val="FFFFFF"/>
+                </a:solidFill>
+              </a14:hiddenFill>
+            </a:ext>
+          </a:extLst>
+        </p:spPr>
+      </p:pic>
+      <p:pic>
+        <p:nvPicPr>
+          <p:cNvPr id="1028" name="Picture 4" descr="http://www.cs.rit.edu/~kkm6815/cg2/clip_image002.png"/>
+          <p:cNvPicPr>
+            <a:picLocks noChangeAspect="1" noChangeArrowheads="1"/>
+          </p:cNvPicPr>
+          <p:nvPr/>
+        </p:nvPicPr>
+        <p:blipFill>
+          <a:blip r:embed="rId3">
+            <a:extLst>
+              <a:ext uri="{28A0092B-C50C-407E-A947-70E740481C1C}">
+                <a14:useLocalDpi xmlns:a14="http://schemas.microsoft.com/office/drawing/2010/main" val="0"/>
+              </a:ext>
+            </a:extLst>
+          </a:blip>
+          <a:srcRect/>
+          <a:stretch>
+            <a:fillRect/>
+          </a:stretch>
+        </p:blipFill>
+        <p:spPr bwMode="auto">
+          <a:xfrm>
+            <a:off x="2959160" y="3696162"/>
+            <a:ext cx="838200" cy="847725"/>
+          </a:xfrm>
+          <a:prstGeom prst="rect">
+            <a:avLst/>
+          </a:prstGeom>
+          <a:noFill/>
+          <a:extLst>
+            <a:ext uri="{909E8E84-426E-40DD-AFC4-6F175D3DCCD1}">
+              <a14:hiddenFill xmlns:a14="http://schemas.microsoft.com/office/drawing/2010/main">
+                <a:solidFill>
+                  <a:srgbClr val="FFFFFF"/>
+                </a:solidFill>
+              </a14:hiddenFill>
+            </a:ext>
+          </a:extLst>
+        </p:spPr>
+      </p:pic>
+      <p:pic>
+        <p:nvPicPr>
+          <p:cNvPr id="1030" name="Picture 6" descr="http://www.cs.rit.edu/~kkm6815/cg2/clip_image003.png"/>
+          <p:cNvPicPr>
+            <a:picLocks noChangeAspect="1" noChangeArrowheads="1"/>
+          </p:cNvPicPr>
+          <p:nvPr/>
+        </p:nvPicPr>
+        <p:blipFill>
+          <a:blip r:embed="rId4">
+            <a:extLst>
+              <a:ext uri="{28A0092B-C50C-407E-A947-70E740481C1C}">
+                <a14:useLocalDpi xmlns:a14="http://schemas.microsoft.com/office/drawing/2010/main" val="0"/>
+              </a:ext>
+            </a:extLst>
+          </a:blip>
+          <a:srcRect/>
+          <a:stretch>
+            <a:fillRect/>
+          </a:stretch>
+        </p:blipFill>
+        <p:spPr bwMode="auto">
+          <a:xfrm>
+            <a:off x="4079654" y="3658062"/>
+            <a:ext cx="847725" cy="866776"/>
+          </a:xfrm>
+          <a:prstGeom prst="rect">
+            <a:avLst/>
+          </a:prstGeom>
+          <a:noFill/>
+          <a:extLst>
+            <a:ext uri="{909E8E84-426E-40DD-AFC4-6F175D3DCCD1}">
+              <a14:hiddenFill xmlns:a14="http://schemas.microsoft.com/office/drawing/2010/main">
+                <a:solidFill>
+                  <a:srgbClr val="FFFFFF"/>
+                </a:solidFill>
+              </a14:hiddenFill>
+            </a:ext>
+          </a:extLst>
+        </p:spPr>
+      </p:pic>
+      <p:pic>
+        <p:nvPicPr>
+          <p:cNvPr id="1032" name="Picture 8" descr="http://www.cs.rit.edu/~kkm6815/cg2/clip_image004.png"/>
+          <p:cNvPicPr>
+            <a:picLocks noChangeAspect="1" noChangeArrowheads="1"/>
+          </p:cNvPicPr>
+          <p:nvPr/>
+        </p:nvPicPr>
+        <p:blipFill>
+          <a:blip r:embed="rId5">
+            <a:extLst>
+              <a:ext uri="{28A0092B-C50C-407E-A947-70E740481C1C}">
+                <a14:useLocalDpi xmlns:a14="http://schemas.microsoft.com/office/drawing/2010/main" val="0"/>
+              </a:ext>
+            </a:extLst>
+          </a:blip>
+          <a:srcRect/>
+          <a:stretch>
+            <a:fillRect/>
+          </a:stretch>
+        </p:blipFill>
+        <p:spPr bwMode="auto">
+          <a:xfrm>
+            <a:off x="5209673" y="3640644"/>
+            <a:ext cx="942975" cy="885825"/>
+          </a:xfrm>
+          <a:prstGeom prst="rect">
+            <a:avLst/>
+          </a:prstGeom>
+          <a:noFill/>
+          <a:extLst>
+            <a:ext uri="{909E8E84-426E-40DD-AFC4-6F175D3DCCD1}">
+              <a14:hiddenFill xmlns:a14="http://schemas.microsoft.com/office/drawing/2010/main">
+                <a:solidFill>
+                  <a:srgbClr val="FFFFFF"/>
+                </a:solidFill>
+              </a14:hiddenFill>
+            </a:ext>
+          </a:extLst>
+        </p:spPr>
+      </p:pic>
     </p:spTree>
     <p:extLst>
       <p:ext uri="{BB962C8B-B14F-4D97-AF65-F5344CB8AC3E}">
@@ -7426,12 +10173,212 @@
             </a:r>
             <a:r>
               <a:rPr lang="en-US" dirty="0" smtClean="0"/>
-              <a:t>Noise</a:t>
-            </a:r>
+              <a:t>Noise Generation</a:t>
+            </a:r>
+          </a:p>
+          <a:p>
             <a:endParaRPr lang="en-US" dirty="0" smtClean="0"/>
           </a:p>
         </p:txBody>
       </p:sp>
+      <p:pic>
+        <p:nvPicPr>
+          <p:cNvPr id="4" name="Picture 3" descr="http://freespace.virgin.net/hugo.elias/models/noise1.gif"/>
+          <p:cNvPicPr/>
+          <p:nvPr/>
+        </p:nvPicPr>
+        <p:blipFill>
+          <a:blip r:embed="rId2">
+            <a:extLst>
+              <a:ext uri="{28A0092B-C50C-407E-A947-70E740481C1C}">
+                <a14:useLocalDpi xmlns:a14="http://schemas.microsoft.com/office/drawing/2010/main" val="0"/>
+              </a:ext>
+            </a:extLst>
+          </a:blip>
+          <a:srcRect/>
+          <a:stretch>
+            <a:fillRect/>
+          </a:stretch>
+        </p:blipFill>
+        <p:spPr bwMode="auto">
+          <a:xfrm>
+            <a:off x="2270568" y="2815100"/>
+            <a:ext cx="2705100" cy="1285875"/>
+          </a:xfrm>
+          <a:prstGeom prst="rect">
+            <a:avLst/>
+          </a:prstGeom>
+          <a:noFill/>
+          <a:ln>
+            <a:noFill/>
+          </a:ln>
+        </p:spPr>
+      </p:pic>
+      <p:pic>
+        <p:nvPicPr>
+          <p:cNvPr id="5" name="Picture 4" descr="http://freespace.virgin.net/hugo.elias/models/noise2.gif"/>
+          <p:cNvPicPr/>
+          <p:nvPr/>
+        </p:nvPicPr>
+        <p:blipFill>
+          <a:blip r:embed="rId3">
+            <a:extLst>
+              <a:ext uri="{28A0092B-C50C-407E-A947-70E740481C1C}">
+                <a14:useLocalDpi xmlns:a14="http://schemas.microsoft.com/office/drawing/2010/main" val="0"/>
+              </a:ext>
+            </a:extLst>
+          </a:blip>
+          <a:srcRect/>
+          <a:stretch>
+            <a:fillRect/>
+          </a:stretch>
+        </p:blipFill>
+        <p:spPr bwMode="auto">
+          <a:xfrm>
+            <a:off x="4975668" y="2758592"/>
+            <a:ext cx="2752725" cy="1323975"/>
+          </a:xfrm>
+          <a:prstGeom prst="rect">
+            <a:avLst/>
+          </a:prstGeom>
+          <a:noFill/>
+          <a:ln>
+            <a:noFill/>
+          </a:ln>
+        </p:spPr>
+      </p:pic>
+      <p:pic>
+        <p:nvPicPr>
+          <p:cNvPr id="6" name="Picture 5" descr="http://freespace.virgin.net/hugo.elias/models/noise_a.gif"/>
+          <p:cNvPicPr/>
+          <p:nvPr/>
+        </p:nvPicPr>
+        <p:blipFill>
+          <a:blip r:embed="rId4">
+            <a:extLst>
+              <a:ext uri="{28A0092B-C50C-407E-A947-70E740481C1C}">
+                <a14:useLocalDpi xmlns:a14="http://schemas.microsoft.com/office/drawing/2010/main" val="0"/>
+              </a:ext>
+            </a:extLst>
+          </a:blip>
+          <a:srcRect/>
+          <a:stretch>
+            <a:fillRect/>
+          </a:stretch>
+        </p:blipFill>
+        <p:spPr bwMode="auto">
+          <a:xfrm>
+            <a:off x="1051368" y="4755486"/>
+            <a:ext cx="1219200" cy="952500"/>
+          </a:xfrm>
+          <a:prstGeom prst="rect">
+            <a:avLst/>
+          </a:prstGeom>
+          <a:noFill/>
+          <a:ln>
+            <a:noFill/>
+          </a:ln>
+        </p:spPr>
+      </p:pic>
+      <p:pic>
+        <p:nvPicPr>
+          <p:cNvPr id="7" name="Picture 6" descr="http://freespace.virgin.net/hugo.elias/models/noise_b.gif"/>
+          <p:cNvPicPr/>
+          <p:nvPr/>
+        </p:nvPicPr>
+        <p:blipFill>
+          <a:blip r:embed="rId5">
+            <a:extLst>
+              <a:ext uri="{28A0092B-C50C-407E-A947-70E740481C1C}">
+                <a14:useLocalDpi xmlns:a14="http://schemas.microsoft.com/office/drawing/2010/main" val="0"/>
+              </a:ext>
+            </a:extLst>
+          </a:blip>
+          <a:srcRect/>
+          <a:stretch>
+            <a:fillRect/>
+          </a:stretch>
+        </p:blipFill>
+        <p:spPr bwMode="auto">
+          <a:xfrm>
+            <a:off x="2736323" y="4717386"/>
+            <a:ext cx="1267460" cy="990600"/>
+          </a:xfrm>
+          <a:prstGeom prst="rect">
+            <a:avLst/>
+          </a:prstGeom>
+          <a:noFill/>
+          <a:ln>
+            <a:noFill/>
+          </a:ln>
+        </p:spPr>
+      </p:pic>
+      <p:pic>
+        <p:nvPicPr>
+          <p:cNvPr id="8" name="Picture 7" descr="http://freespace.virgin.net/hugo.elias/models/noise_c.gif"/>
+          <p:cNvPicPr/>
+          <p:nvPr/>
+        </p:nvPicPr>
+        <p:blipFill>
+          <a:blip r:embed="rId6">
+            <a:extLst>
+              <a:ext uri="{28A0092B-C50C-407E-A947-70E740481C1C}">
+                <a14:useLocalDpi xmlns:a14="http://schemas.microsoft.com/office/drawing/2010/main" val="0"/>
+              </a:ext>
+            </a:extLst>
+          </a:blip>
+          <a:srcRect/>
+          <a:stretch>
+            <a:fillRect/>
+          </a:stretch>
+        </p:blipFill>
+        <p:spPr bwMode="auto">
+          <a:xfrm>
+            <a:off x="4646199" y="4737078"/>
+            <a:ext cx="1243330" cy="971550"/>
+          </a:xfrm>
+          <a:prstGeom prst="rect">
+            <a:avLst/>
+          </a:prstGeom>
+          <a:noFill/>
+          <a:ln>
+            <a:noFill/>
+          </a:ln>
+        </p:spPr>
+      </p:pic>
+      <p:pic>
+        <p:nvPicPr>
+          <p:cNvPr id="9" name="Picture 8" descr="http://freespace.virgin.net/hugo.elias/models/noise_d.gif"/>
+          <p:cNvPicPr/>
+          <p:nvPr/>
+        </p:nvPicPr>
+        <p:blipFill>
+          <a:blip r:embed="rId7">
+            <a:extLst>
+              <a:ext uri="{28A0092B-C50C-407E-A947-70E740481C1C}">
+                <a14:useLocalDpi xmlns:a14="http://schemas.microsoft.com/office/drawing/2010/main" val="0"/>
+              </a:ext>
+            </a:extLst>
+          </a:blip>
+          <a:srcRect/>
+          <a:stretch>
+            <a:fillRect/>
+          </a:stretch>
+        </p:blipFill>
+        <p:spPr bwMode="auto">
+          <a:xfrm>
+            <a:off x="6531945" y="4706908"/>
+            <a:ext cx="1295400" cy="1011555"/>
+          </a:xfrm>
+          <a:prstGeom prst="rect">
+            <a:avLst/>
+          </a:prstGeom>
+          <a:noFill/>
+          <a:ln>
+            <a:noFill/>
+          </a:ln>
+        </p:spPr>
+      </p:pic>
     </p:spTree>
     <p:extLst>
       <p:ext uri="{BB962C8B-B14F-4D97-AF65-F5344CB8AC3E}">
@@ -7486,31 +10433,417 @@
           <a:p>
             <a:r>
               <a:rPr lang="en-US" dirty="0" smtClean="0"/>
+              <a:t>Height map generation</a:t>
+            </a:r>
+            <a:endParaRPr lang="en-US" dirty="0"/>
+          </a:p>
+        </p:txBody>
+      </p:sp>
+      <p:sp>
+        <p:nvSpPr>
+          <p:cNvPr id="3" name="Content Placeholder 2"/>
+          <p:cNvSpPr>
+            <a:spLocks noGrp="1"/>
+          </p:cNvSpPr>
+          <p:nvPr>
+            <p:ph idx="1"/>
+          </p:nvPr>
+        </p:nvSpPr>
+        <p:spPr/>
+        <p:txBody>
+          <a:bodyPr/>
+          <a:lstStyle/>
+          <a:p>
+            <a:r>
+              <a:rPr lang="en-US" dirty="0" err="1" smtClean="0"/>
+              <a:t>Perlin</a:t>
+            </a:r>
+            <a:r>
+              <a:rPr lang="en-US" dirty="0" smtClean="0"/>
+              <a:t> Noise Generation</a:t>
+            </a:r>
+            <a:endParaRPr lang="en-US" dirty="0"/>
+          </a:p>
+        </p:txBody>
+      </p:sp>
+      <p:pic>
+        <p:nvPicPr>
+          <p:cNvPr id="4" name="Picture 3" descr="http://freespace.virgin.net/hugo.elias/models/perlin1.gif"/>
+          <p:cNvPicPr/>
+          <p:nvPr/>
+        </p:nvPicPr>
+        <p:blipFill>
+          <a:blip r:embed="rId2">
+            <a:extLst>
+              <a:ext uri="{28A0092B-C50C-407E-A947-70E740481C1C}">
+                <a14:useLocalDpi xmlns:a14="http://schemas.microsoft.com/office/drawing/2010/main" val="0"/>
+              </a:ext>
+            </a:extLst>
+          </a:blip>
+          <a:srcRect/>
+          <a:stretch>
+            <a:fillRect/>
+          </a:stretch>
+        </p:blipFill>
+        <p:spPr bwMode="auto">
+          <a:xfrm>
+            <a:off x="3453441" y="3148475"/>
+            <a:ext cx="2438400" cy="1905000"/>
+          </a:xfrm>
+          <a:prstGeom prst="rect">
+            <a:avLst/>
+          </a:prstGeom>
+          <a:noFill/>
+          <a:ln>
+            <a:noFill/>
+          </a:ln>
+        </p:spPr>
+      </p:pic>
+    </p:spTree>
+    <p:extLst>
+      <p:ext uri="{BB962C8B-B14F-4D97-AF65-F5344CB8AC3E}">
+        <p14:creationId xmlns:p14="http://schemas.microsoft.com/office/powerpoint/2010/main" val="3824721071"/>
+      </p:ext>
+    </p:extLst>
+  </p:cSld>
+  <p:clrMapOvr>
+    <a:masterClrMapping/>
+  </p:clrMapOvr>
+  <p:timing>
+    <p:tnLst>
+      <p:par>
+        <p:cTn id="1" dur="indefinite" restart="never" nodeType="tmRoot"/>
+      </p:par>
+    </p:tnLst>
+  </p:timing>
+</p:sld>
+</file>
+
+<file path=ppt/slides/slide7.xml><?xml version="1.0" encoding="utf-8"?>
+<p:sld xmlns:a="http://schemas.openxmlformats.org/drawingml/2006/main" xmlns:r="http://schemas.openxmlformats.org/officeDocument/2006/relationships" xmlns:p="http://schemas.openxmlformats.org/presentationml/2006/main">
+  <p:cSld>
+    <p:spTree>
+      <p:nvGrpSpPr>
+        <p:cNvPr id="1" name=""/>
+        <p:cNvGrpSpPr/>
+        <p:nvPr/>
+      </p:nvGrpSpPr>
+      <p:grpSpPr>
+        <a:xfrm>
+          <a:off x="0" y="0"/>
+          <a:ext cx="0" cy="0"/>
+          <a:chOff x="0" y="0"/>
+          <a:chExt cx="0" cy="0"/>
+        </a:xfrm>
+      </p:grpSpPr>
+      <p:sp>
+        <p:nvSpPr>
+          <p:cNvPr id="2" name="Title 1"/>
+          <p:cNvSpPr>
+            <a:spLocks noGrp="1"/>
+          </p:cNvSpPr>
+          <p:nvPr>
+            <p:ph type="title"/>
+          </p:nvPr>
+        </p:nvSpPr>
+        <p:spPr/>
+        <p:txBody>
+          <a:bodyPr/>
+          <a:lstStyle/>
+          <a:p>
+            <a:r>
+              <a:rPr lang="en-US" dirty="0" smtClean="0"/>
+              <a:t>Learning here</a:t>
+            </a:r>
+            <a:endParaRPr lang="en-US" dirty="0"/>
+          </a:p>
+        </p:txBody>
+      </p:sp>
+      <p:sp>
+        <p:nvSpPr>
+          <p:cNvPr id="3" name="Content Placeholder 2"/>
+          <p:cNvSpPr>
+            <a:spLocks noGrp="1"/>
+          </p:cNvSpPr>
+          <p:nvPr>
+            <p:ph idx="1"/>
+          </p:nvPr>
+        </p:nvSpPr>
+        <p:spPr/>
+        <p:txBody>
+          <a:bodyPr/>
+          <a:lstStyle/>
+          <a:p>
+            <a:r>
+              <a:rPr lang="en-US" dirty="0" err="1" smtClean="0"/>
+              <a:t>Perlin</a:t>
+            </a:r>
+            <a:r>
+              <a:rPr lang="en-US" dirty="0" smtClean="0"/>
+              <a:t> Noise generation – Good for parallel programming</a:t>
+            </a:r>
+          </a:p>
+          <a:p>
+            <a:r>
+              <a:rPr lang="en-US" dirty="0" smtClean="0"/>
+              <a:t>Save the generated height map </a:t>
+            </a:r>
+          </a:p>
+          <a:p>
+            <a:pPr lvl="1"/>
+            <a:r>
+              <a:rPr lang="en-US" dirty="0" smtClean="0"/>
+              <a:t>Avoid run time calculation</a:t>
+            </a:r>
+          </a:p>
+          <a:p>
+            <a:pPr lvl="1"/>
+            <a:r>
+              <a:rPr lang="en-US" dirty="0" smtClean="0"/>
+              <a:t>Can use bitmap compression techniques if needed</a:t>
+            </a:r>
+          </a:p>
+          <a:p>
+            <a:r>
+              <a:rPr lang="en-US" dirty="0" smtClean="0"/>
+              <a:t>Control of the roughness/smoothness of the height-map is desired</a:t>
+            </a:r>
+            <a:endParaRPr lang="en-US" dirty="0"/>
+          </a:p>
+        </p:txBody>
+      </p:sp>
+    </p:spTree>
+    <p:extLst>
+      <p:ext uri="{BB962C8B-B14F-4D97-AF65-F5344CB8AC3E}">
+        <p14:creationId xmlns:p14="http://schemas.microsoft.com/office/powerpoint/2010/main" val="3166798462"/>
+      </p:ext>
+    </p:extLst>
+  </p:cSld>
+  <p:clrMapOvr>
+    <a:masterClrMapping/>
+  </p:clrMapOvr>
+  <p:timing>
+    <p:tnLst>
+      <p:par>
+        <p:cTn id="1" dur="indefinite" restart="never" nodeType="tmRoot"/>
+      </p:par>
+    </p:tnLst>
+  </p:timing>
+</p:sld>
+</file>
+
+<file path=ppt/slides/slide8.xml><?xml version="1.0" encoding="utf-8"?>
+<p:sld xmlns:a="http://schemas.openxmlformats.org/drawingml/2006/main" xmlns:r="http://schemas.openxmlformats.org/officeDocument/2006/relationships" xmlns:p="http://schemas.openxmlformats.org/presentationml/2006/main">
+  <p:cSld>
+    <p:spTree>
+      <p:nvGrpSpPr>
+        <p:cNvPr id="1" name=""/>
+        <p:cNvGrpSpPr/>
+        <p:nvPr/>
+      </p:nvGrpSpPr>
+      <p:grpSpPr>
+        <a:xfrm>
+          <a:off x="0" y="0"/>
+          <a:ext cx="0" cy="0"/>
+          <a:chOff x="0" y="0"/>
+          <a:chExt cx="0" cy="0"/>
+        </a:xfrm>
+      </p:grpSpPr>
+      <p:sp>
+        <p:nvSpPr>
+          <p:cNvPr id="2" name="Title 1"/>
+          <p:cNvSpPr>
+            <a:spLocks noGrp="1"/>
+          </p:cNvSpPr>
+          <p:nvPr>
+            <p:ph type="title"/>
+          </p:nvPr>
+        </p:nvSpPr>
+        <p:spPr/>
+        <p:txBody>
+          <a:bodyPr/>
+          <a:lstStyle/>
+          <a:p>
+            <a:r>
+              <a:rPr lang="en-US" dirty="0" smtClean="0"/>
               <a:t>Tessellation</a:t>
             </a:r>
             <a:endParaRPr lang="en-US" dirty="0"/>
           </a:p>
         </p:txBody>
       </p:sp>
-      <p:sp>
-        <p:nvSpPr>
-          <p:cNvPr id="3" name="Content Placeholder 2"/>
-          <p:cNvSpPr>
-            <a:spLocks noGrp="1"/>
-          </p:cNvSpPr>
-          <p:nvPr>
-            <p:ph idx="1"/>
-          </p:nvPr>
-        </p:nvSpPr>
-        <p:spPr/>
-        <p:txBody>
-          <a:bodyPr/>
-          <a:lstStyle/>
-          <a:p>
-            <a:endParaRPr lang="en-US"/>
-          </a:p>
-        </p:txBody>
-      </p:sp>
+      <mc:AlternateContent xmlns:mc="http://schemas.openxmlformats.org/markup-compatibility/2006">
+        <mc:Choice xmlns:a14="http://schemas.microsoft.com/office/drawing/2010/main" Requires="a14">
+          <p:sp>
+            <p:nvSpPr>
+              <p:cNvPr id="3" name="Content Placeholder 2"/>
+              <p:cNvSpPr>
+                <a:spLocks noGrp="1"/>
+              </p:cNvSpPr>
+              <p:nvPr>
+                <p:ph idx="1"/>
+              </p:nvPr>
+            </p:nvSpPr>
+            <p:spPr/>
+            <p:txBody>
+              <a:bodyPr/>
+              <a:lstStyle/>
+              <a:p>
+                <a:r>
+                  <a:rPr lang="en-US" dirty="0" smtClean="0"/>
+                  <a:t>Conver</a:t>
+                </a:r>
+                <a:r>
+                  <a:rPr lang="en-US" dirty="0" smtClean="0"/>
+                  <a:t>t the height map into triangles</a:t>
+                </a:r>
+              </a:p>
+              <a:p>
+                <a:r>
+                  <a:rPr lang="en-US" dirty="0" smtClean="0"/>
+                  <a:t>Grid of M*N rectangles – divided into 2 triangles each</a:t>
+                </a:r>
+              </a:p>
+              <a:p>
+                <a:r>
+                  <a:rPr lang="en-US" dirty="0" smtClean="0"/>
+                  <a:t>Use of index buffer</a:t>
+                </a:r>
+              </a:p>
+              <a:p>
+                <a:r>
+                  <a:rPr lang="en-US" dirty="0" smtClean="0"/>
+                  <a:t>Render wire-mesh</a:t>
+                </a:r>
+              </a:p>
+              <a:p>
+                <a:r>
+                  <a:rPr lang="en-US" dirty="0" smtClean="0"/>
+                  <a:t>Calculating </a:t>
+                </a:r>
+                <a:r>
+                  <a:rPr lang="en-US" dirty="0" err="1" smtClean="0"/>
+                  <a:t>Normals</a:t>
+                </a:r>
+                <a:endParaRPr lang="en-US" dirty="0"/>
+              </a:p>
+              <a:p>
+                <a:pPr lvl="1"/>
+                <a14:m>
+                  <m:oMath xmlns:m="http://schemas.openxmlformats.org/officeDocument/2006/math">
+                    <m:r>
+                      <a:rPr lang="en-US" i="1"/>
+                      <m:t>𝑛</m:t>
+                    </m:r>
+                    <m:r>
+                      <a:rPr lang="en-US" i="1"/>
+                      <m:t>=</m:t>
+                    </m:r>
+                    <m:d>
+                      <m:dPr>
+                        <m:ctrlPr>
+                          <a:rPr lang="en-US" i="1"/>
+                        </m:ctrlPr>
+                      </m:dPr>
+                      <m:e>
+                        <m:r>
+                          <a:rPr lang="en-US" i="1"/>
+                          <m:t>𝑏</m:t>
+                        </m:r>
+                        <m:r>
+                          <a:rPr lang="en-US" i="1"/>
+                          <m:t>−</m:t>
+                        </m:r>
+                        <m:r>
+                          <a:rPr lang="en-US" i="1"/>
+                          <m:t>𝑎</m:t>
+                        </m:r>
+                      </m:e>
+                    </m:d>
+                    <m:r>
+                      <a:rPr lang="en-US" i="1"/>
+                      <m:t> </m:t>
+                    </m:r>
+                    <m:r>
+                      <a:rPr lang="en-US" i="1"/>
+                      <m:t>𝑋</m:t>
+                    </m:r>
+                    <m:r>
+                      <a:rPr lang="en-US" i="1"/>
+                      <m:t> (</m:t>
+                    </m:r>
+                    <m:r>
+                      <a:rPr lang="en-US" i="1"/>
+                      <m:t>𝑐</m:t>
+                    </m:r>
+                    <m:r>
+                      <a:rPr lang="en-US" i="1"/>
+                      <m:t>−</m:t>
+                    </m:r>
+                    <m:r>
+                      <a:rPr lang="en-US" i="1"/>
+                      <m:t>𝑎</m:t>
+                    </m:r>
+                    <m:r>
+                      <a:rPr lang="en-US" i="1"/>
+                      <m:t>)</m:t>
+                    </m:r>
+                  </m:oMath>
+                </a14:m>
+                <a:endParaRPr lang="en-US" dirty="0" smtClean="0"/>
+              </a:p>
+              <a:p>
+                <a:r>
+                  <a:rPr lang="en-US" dirty="0" smtClean="0"/>
+                  <a:t>Tessellation </a:t>
+                </a:r>
+                <a:r>
+                  <a:rPr lang="en-US" dirty="0" err="1" smtClean="0"/>
+                  <a:t>shader</a:t>
+                </a:r>
+                <a:r>
+                  <a:rPr lang="en-US" dirty="0" smtClean="0"/>
+                  <a:t> ( future work )</a:t>
+                </a:r>
+                <a:endParaRPr lang="en-US" dirty="0"/>
+              </a:p>
+            </p:txBody>
+          </p:sp>
+        </mc:Choice>
+        <mc:Fallback>
+          <p:sp>
+            <p:nvSpPr>
+              <p:cNvPr id="3" name="Content Placeholder 2"/>
+              <p:cNvSpPr>
+                <a:spLocks noGrp="1" noRot="1" noChangeAspect="1" noMove="1" noResize="1" noEditPoints="1" noAdjustHandles="1" noChangeArrowheads="1" noChangeShapeType="1" noTextEdit="1"/>
+              </p:cNvSpPr>
+              <p:nvPr>
+                <p:ph idx="1"/>
+              </p:nvPr>
+            </p:nvSpPr>
+            <p:spPr>
+              <a:blipFill rotWithShape="0">
+                <a:blip r:embed="rId2"/>
+                <a:stretch>
+                  <a:fillRect l="-142" t="-942"/>
+                </a:stretch>
+              </a:blipFill>
+            </p:spPr>
+            <p:txBody>
+              <a:bodyPr/>
+              <a:lstStyle/>
+              <a:p>
+                <a:r>
+                  <a:rPr lang="en-US">
+                    <a:noFill/>
+                  </a:rPr>
+                  <a:t> </a:t>
+                </a:r>
+              </a:p>
+            </p:txBody>
+          </p:sp>
+        </mc:Fallback>
+      </mc:AlternateContent>
       <p:pic>
         <p:nvPicPr>
           <p:cNvPr id="4" name="Picture 3"/>
@@ -7518,7 +10851,7 @@
           <p:nvPr/>
         </p:nvPicPr>
         <p:blipFill>
-          <a:blip r:embed="rId2">
+          <a:blip r:embed="rId3">
             <a:extLst>
               <a:ext uri="{28A0092B-C50C-407E-A947-70E740481C1C}">
                 <a14:useLocalDpi xmlns:a14="http://schemas.microsoft.com/office/drawing/2010/main" val="0"/>
@@ -7551,7 +10884,7 @@
           <p:nvPr/>
         </p:nvPicPr>
         <p:blipFill>
-          <a:blip r:embed="rId3">
+          <a:blip r:embed="rId4">
             <a:extLst>
               <a:ext uri="{28A0092B-C50C-407E-A947-70E740481C1C}">
                 <a14:useLocalDpi xmlns:a14="http://schemas.microsoft.com/office/drawing/2010/main" val="0"/>
@@ -7597,7 +10930,7 @@
 </p:sld>
 </file>
 
-<file path=ppt/slides/slide7.xml><?xml version="1.0" encoding="utf-8"?>
+<file path=ppt/slides/slide9.xml><?xml version="1.0" encoding="utf-8"?>
 <p:sld xmlns:a="http://schemas.openxmlformats.org/drawingml/2006/main" xmlns:r="http://schemas.openxmlformats.org/officeDocument/2006/relationships" xmlns:p="http://schemas.openxmlformats.org/presentationml/2006/main">
   <p:cSld>
     <p:spTree>
@@ -7631,110 +10964,75 @@
           <a:p>
             <a:r>
               <a:rPr lang="en-US" dirty="0" smtClean="0"/>
-              <a:t>Calculating </a:t>
+              <a:t>Lighting</a:t>
+            </a:r>
+            <a:endParaRPr lang="en-US" dirty="0"/>
+          </a:p>
+        </p:txBody>
+      </p:sp>
+      <p:sp>
+        <p:nvSpPr>
+          <p:cNvPr id="3" name="Content Placeholder 2"/>
+          <p:cNvSpPr>
+            <a:spLocks noGrp="1"/>
+          </p:cNvSpPr>
+          <p:nvPr>
+            <p:ph idx="1"/>
+          </p:nvPr>
+        </p:nvSpPr>
+        <p:spPr/>
+        <p:txBody>
+          <a:bodyPr/>
+          <a:lstStyle/>
+          <a:p>
+            <a:r>
+              <a:rPr lang="en-US" dirty="0" smtClean="0"/>
+              <a:t>Fixed </a:t>
             </a:r>
             <a:r>
               <a:rPr lang="en-US" dirty="0" err="1" smtClean="0"/>
-              <a:t>Normals</a:t>
-            </a:r>
-            <a:endParaRPr lang="en-US" dirty="0"/>
-          </a:p>
-        </p:txBody>
-      </p:sp>
-      <p:sp>
-        <p:nvSpPr>
-          <p:cNvPr id="3" name="Content Placeholder 2"/>
-          <p:cNvSpPr>
-            <a:spLocks noGrp="1"/>
-          </p:cNvSpPr>
-          <p:nvPr>
-            <p:ph idx="1"/>
-          </p:nvPr>
-        </p:nvSpPr>
-        <p:spPr/>
-        <p:txBody>
-          <a:bodyPr/>
-          <a:lstStyle/>
-          <a:p>
-            <a:endParaRPr lang="en-US"/>
-          </a:p>
-        </p:txBody>
-      </p:sp>
-    </p:spTree>
-    <p:extLst>
-      <p:ext uri="{BB962C8B-B14F-4D97-AF65-F5344CB8AC3E}">
-        <p14:creationId xmlns:p14="http://schemas.microsoft.com/office/powerpoint/2010/main" val="1454559471"/>
-      </p:ext>
-    </p:extLst>
-  </p:cSld>
-  <p:clrMapOvr>
-    <a:masterClrMapping/>
-  </p:clrMapOvr>
-  <p:timing>
-    <p:tnLst>
-      <p:par>
-        <p:cTn id="1" dur="indefinite" restart="never" nodeType="tmRoot"/>
-      </p:par>
-    </p:tnLst>
-  </p:timing>
-</p:sld>
-</file>
-
-<file path=ppt/slides/slide8.xml><?xml version="1.0" encoding="utf-8"?>
-<p:sld xmlns:a="http://schemas.openxmlformats.org/drawingml/2006/main" xmlns:r="http://schemas.openxmlformats.org/officeDocument/2006/relationships" xmlns:p="http://schemas.openxmlformats.org/presentationml/2006/main">
-  <p:cSld>
-    <p:spTree>
-      <p:nvGrpSpPr>
-        <p:cNvPr id="1" name=""/>
-        <p:cNvGrpSpPr/>
-        <p:nvPr/>
-      </p:nvGrpSpPr>
-      <p:grpSpPr>
-        <a:xfrm>
-          <a:off x="0" y="0"/>
-          <a:ext cx="0" cy="0"/>
-          <a:chOff x="0" y="0"/>
-          <a:chExt cx="0" cy="0"/>
-        </a:xfrm>
-      </p:grpSpPr>
-      <p:sp>
-        <p:nvSpPr>
-          <p:cNvPr id="2" name="Title 1"/>
-          <p:cNvSpPr>
-            <a:spLocks noGrp="1"/>
-          </p:cNvSpPr>
-          <p:nvPr>
-            <p:ph type="title"/>
-          </p:nvPr>
-        </p:nvSpPr>
-        <p:spPr/>
-        <p:txBody>
-          <a:bodyPr/>
-          <a:lstStyle/>
-          <a:p>
-            <a:r>
-              <a:rPr lang="en-US" dirty="0" smtClean="0"/>
-              <a:t>Lighting</a:t>
-            </a:r>
-            <a:endParaRPr lang="en-US" dirty="0"/>
-          </a:p>
-        </p:txBody>
-      </p:sp>
-      <p:sp>
-        <p:nvSpPr>
-          <p:cNvPr id="3" name="Content Placeholder 2"/>
-          <p:cNvSpPr>
-            <a:spLocks noGrp="1"/>
-          </p:cNvSpPr>
-          <p:nvPr>
-            <p:ph idx="1"/>
-          </p:nvPr>
-        </p:nvSpPr>
-        <p:spPr/>
-        <p:txBody>
-          <a:bodyPr/>
-          <a:lstStyle/>
-          <a:p>
+              <a:t>shader</a:t>
+            </a:r>
+            <a:r>
+              <a:rPr lang="en-US" dirty="0" smtClean="0"/>
+              <a:t> pipelines vs DirectX 11 </a:t>
+            </a:r>
+            <a:r>
+              <a:rPr lang="en-US" dirty="0" err="1" smtClean="0"/>
+              <a:t>shader</a:t>
+            </a:r>
+            <a:r>
+              <a:rPr lang="en-US" dirty="0" smtClean="0"/>
+              <a:t> pipeline</a:t>
+            </a:r>
+          </a:p>
+          <a:p>
+            <a:r>
+              <a:rPr lang="en-US" dirty="0" smtClean="0"/>
+              <a:t>Ambient Light</a:t>
+            </a:r>
+          </a:p>
+          <a:p>
+            <a:r>
+              <a:rPr lang="en-US" dirty="0" smtClean="0"/>
+              <a:t>Diffuse Light</a:t>
+            </a:r>
+          </a:p>
+          <a:p>
+            <a:r>
+              <a:rPr lang="en-US" dirty="0" smtClean="0"/>
+              <a:t>Single source – directional light</a:t>
+            </a:r>
+          </a:p>
+          <a:p>
+            <a:r>
+              <a:rPr lang="en-US" dirty="0" smtClean="0"/>
+              <a:t>Calculated at the pixel </a:t>
+            </a:r>
+            <a:r>
+              <a:rPr lang="en-US" dirty="0" err="1" smtClean="0"/>
+              <a:t>shader</a:t>
+            </a:r>
             <a:endParaRPr lang="en-US" dirty="0"/>
           </a:p>
         </p:txBody>
@@ -7789,96 +11087,6 @@
       </p:par>
     </p:tnLst>
   </p:timing>
-</p:sld>
-</file>
-
-<file path=ppt/slides/slide9.xml><?xml version="1.0" encoding="utf-8"?>
-<p:sld xmlns:a="http://schemas.openxmlformats.org/drawingml/2006/main" xmlns:r="http://schemas.openxmlformats.org/officeDocument/2006/relationships" xmlns:p="http://schemas.openxmlformats.org/presentationml/2006/main">
-  <p:cSld>
-    <p:spTree>
-      <p:nvGrpSpPr>
-        <p:cNvPr id="1" name=""/>
-        <p:cNvGrpSpPr/>
-        <p:nvPr/>
-      </p:nvGrpSpPr>
-      <p:grpSpPr>
-        <a:xfrm>
-          <a:off x="0" y="0"/>
-          <a:ext cx="0" cy="0"/>
-          <a:chOff x="0" y="0"/>
-          <a:chExt cx="0" cy="0"/>
-        </a:xfrm>
-      </p:grpSpPr>
-      <p:sp>
-        <p:nvSpPr>
-          <p:cNvPr id="2" name="Title 1"/>
-          <p:cNvSpPr>
-            <a:spLocks noGrp="1"/>
-          </p:cNvSpPr>
-          <p:nvPr>
-            <p:ph type="title"/>
-          </p:nvPr>
-        </p:nvSpPr>
-        <p:spPr/>
-        <p:txBody>
-          <a:bodyPr/>
-          <a:lstStyle/>
-          <a:p>
-            <a:r>
-              <a:rPr lang="en-US" dirty="0" smtClean="0"/>
-              <a:t>Texturing</a:t>
-            </a:r>
-            <a:endParaRPr lang="en-US" dirty="0"/>
-          </a:p>
-        </p:txBody>
-      </p:sp>
-      <p:pic>
-        <p:nvPicPr>
-          <p:cNvPr id="4" name="Content Placeholder 3"/>
-          <p:cNvPicPr>
-            <a:picLocks noGrp="1"/>
-          </p:cNvPicPr>
-          <p:nvPr>
-            <p:ph idx="1"/>
-          </p:nvPr>
-        </p:nvPicPr>
-        <p:blipFill>
-          <a:blip r:embed="rId2">
-            <a:extLst>
-              <a:ext uri="{28A0092B-C50C-407E-A947-70E740481C1C}">
-                <a14:useLocalDpi xmlns:a14="http://schemas.microsoft.com/office/drawing/2010/main" val="0"/>
-              </a:ext>
-            </a:extLst>
-          </a:blip>
-          <a:srcRect/>
-          <a:stretch>
-            <a:fillRect/>
-          </a:stretch>
-        </p:blipFill>
-        <p:spPr bwMode="auto">
-          <a:xfrm>
-            <a:off x="6641432" y="2058738"/>
-            <a:ext cx="2632570" cy="2673684"/>
-          </a:xfrm>
-          <a:prstGeom prst="rect">
-            <a:avLst/>
-          </a:prstGeom>
-          <a:noFill/>
-          <a:ln>
-            <a:noFill/>
-          </a:ln>
-        </p:spPr>
-      </p:pic>
-    </p:spTree>
-    <p:extLst>
-      <p:ext uri="{BB962C8B-B14F-4D97-AF65-F5344CB8AC3E}">
-        <p14:creationId xmlns:p14="http://schemas.microsoft.com/office/powerpoint/2010/main" val="2832251835"/>
-      </p:ext>
-    </p:extLst>
-  </p:cSld>
-  <p:clrMapOvr>
-    <a:masterClrMapping/>
-  </p:clrMapOvr>
 </p:sld>
 </file>
 

--- a/docs/Presentation.pptx
+++ b/docs/Presentation.pptx
@@ -867,7 +867,7 @@
             <a:fld id="{B61BEF0D-F0BB-DE4B-95CE-6DB70DBA9567}" type="datetimeFigureOut">
               <a:rPr lang="en-US" dirty="0"/>
               <a:pPr/>
-              <a:t>11/9/2014</a:t>
+              <a:t>11/10/2014</a:t>
             </a:fld>
             <a:endParaRPr lang="en-US" dirty="0"/>
           </a:p>
@@ -1115,7 +1115,7 @@
             <a:fld id="{B61BEF0D-F0BB-DE4B-95CE-6DB70DBA9567}" type="datetimeFigureOut">
               <a:rPr lang="en-US" dirty="0"/>
               <a:pPr/>
-              <a:t>11/9/2014</a:t>
+              <a:t>11/10/2014</a:t>
             </a:fld>
             <a:endParaRPr lang="en-US" dirty="0"/>
           </a:p>
@@ -1426,7 +1426,7 @@
             <a:fld id="{B61BEF0D-F0BB-DE4B-95CE-6DB70DBA9567}" type="datetimeFigureOut">
               <a:rPr lang="en-US" dirty="0"/>
               <a:pPr/>
-              <a:t>11/9/2014</a:t>
+              <a:t>11/10/2014</a:t>
             </a:fld>
             <a:endParaRPr lang="en-US" dirty="0"/>
           </a:p>
@@ -1764,7 +1764,7 @@
             <a:fld id="{B61BEF0D-F0BB-DE4B-95CE-6DB70DBA9567}" type="datetimeFigureOut">
               <a:rPr lang="en-US" dirty="0"/>
               <a:pPr/>
-              <a:t>11/9/2014</a:t>
+              <a:t>11/10/2014</a:t>
             </a:fld>
             <a:endParaRPr lang="en-US" dirty="0"/>
           </a:p>
@@ -2075,7 +2075,7 @@
             <a:fld id="{B61BEF0D-F0BB-DE4B-95CE-6DB70DBA9567}" type="datetimeFigureOut">
               <a:rPr lang="en-US" dirty="0"/>
               <a:pPr/>
-              <a:t>11/9/2014</a:t>
+              <a:t>11/10/2014</a:t>
             </a:fld>
             <a:endParaRPr lang="en-US" dirty="0"/>
           </a:p>
@@ -2465,7 +2465,7 @@
             <a:fld id="{B61BEF0D-F0BB-DE4B-95CE-6DB70DBA9567}" type="datetimeFigureOut">
               <a:rPr lang="en-US" dirty="0"/>
               <a:pPr/>
-              <a:t>11/9/2014</a:t>
+              <a:t>11/10/2014</a:t>
             </a:fld>
             <a:endParaRPr lang="en-US" dirty="0"/>
           </a:p>
@@ -2631,7 +2631,7 @@
           <a:p>
             <a:fld id="{55C6B4A9-1611-4792-9094-5F34BCA07E0B}" type="datetimeFigureOut">
               <a:rPr lang="en-US" dirty="0"/>
-              <a:t>11/9/2014</a:t>
+              <a:t>11/10/2014</a:t>
             </a:fld>
             <a:endParaRPr lang="en-US" dirty="0"/>
           </a:p>
@@ -2807,7 +2807,7 @@
             <a:fld id="{B61BEF0D-F0BB-DE4B-95CE-6DB70DBA9567}" type="datetimeFigureOut">
               <a:rPr lang="en-US" dirty="0"/>
               <a:pPr/>
-              <a:t>11/9/2014</a:t>
+              <a:t>11/10/2014</a:t>
             </a:fld>
             <a:endParaRPr lang="en-US" dirty="0"/>
           </a:p>
@@ -2980,7 +2980,7 @@
             <a:fld id="{B61BEF0D-F0BB-DE4B-95CE-6DB70DBA9567}" type="datetimeFigureOut">
               <a:rPr lang="en-US" dirty="0"/>
               <a:pPr/>
-              <a:t>11/9/2014</a:t>
+              <a:t>11/10/2014</a:t>
             </a:fld>
             <a:endParaRPr lang="en-US" dirty="0"/>
           </a:p>
@@ -3224,7 +3224,7 @@
             <a:fld id="{B61BEF0D-F0BB-DE4B-95CE-6DB70DBA9567}" type="datetimeFigureOut">
               <a:rPr lang="en-US" dirty="0"/>
               <a:pPr/>
-              <a:t>11/9/2014</a:t>
+              <a:t>11/10/2014</a:t>
             </a:fld>
             <a:endParaRPr lang="en-US" dirty="0"/>
           </a:p>
@@ -3452,7 +3452,7 @@
           <a:p>
             <a:fld id="{EB712588-04B1-427B-82EE-E8DB90309F08}" type="datetimeFigureOut">
               <a:rPr lang="en-US" dirty="0"/>
-              <a:t>11/9/2014</a:t>
+              <a:t>11/10/2014</a:t>
             </a:fld>
             <a:endParaRPr lang="en-US" dirty="0"/>
           </a:p>
@@ -3822,7 +3822,7 @@
             <a:fld id="{B61BEF0D-F0BB-DE4B-95CE-6DB70DBA9567}" type="datetimeFigureOut">
               <a:rPr lang="en-US" dirty="0"/>
               <a:pPr/>
-              <a:t>11/9/2014</a:t>
+              <a:t>11/10/2014</a:t>
             </a:fld>
             <a:endParaRPr lang="en-US" dirty="0"/>
           </a:p>
@@ -3942,7 +3942,7 @@
             <a:fld id="{B61BEF0D-F0BB-DE4B-95CE-6DB70DBA9567}" type="datetimeFigureOut">
               <a:rPr lang="en-US" dirty="0"/>
               <a:pPr/>
-              <a:t>11/9/2014</a:t>
+              <a:t>11/10/2014</a:t>
             </a:fld>
             <a:endParaRPr lang="en-US" dirty="0"/>
           </a:p>
@@ -4034,7 +4034,7 @@
             <a:fld id="{B61BEF0D-F0BB-DE4B-95CE-6DB70DBA9567}" type="datetimeFigureOut">
               <a:rPr lang="en-US" dirty="0"/>
               <a:pPr/>
-              <a:t>11/9/2014</a:t>
+              <a:t>11/10/2014</a:t>
             </a:fld>
             <a:endParaRPr lang="en-US" dirty="0"/>
           </a:p>
@@ -4285,7 +4285,7 @@
           <a:p>
             <a:fld id="{42A54C80-263E-416B-A8E0-580EDEADCBDC}" type="datetimeFigureOut">
               <a:rPr lang="en-US" dirty="0"/>
-              <a:t>11/9/2014</a:t>
+              <a:t>11/10/2014</a:t>
             </a:fld>
             <a:endParaRPr lang="en-US" dirty="0"/>
           </a:p>
@@ -4544,7 +4544,7 @@
             <a:fld id="{B61BEF0D-F0BB-DE4B-95CE-6DB70DBA9567}" type="datetimeFigureOut">
               <a:rPr lang="en-US" dirty="0"/>
               <a:pPr/>
-              <a:t>11/9/2014</a:t>
+              <a:t>11/10/2014</a:t>
             </a:fld>
             <a:endParaRPr lang="en-US" dirty="0"/>
           </a:p>
@@ -5284,7 +5284,7 @@
             <a:fld id="{B61BEF0D-F0BB-DE4B-95CE-6DB70DBA9567}" type="datetimeFigureOut">
               <a:rPr lang="en-US" dirty="0"/>
               <a:pPr/>
-              <a:t>11/9/2014</a:t>
+              <a:t>11/10/2014</a:t>
             </a:fld>
             <a:endParaRPr lang="en-US" dirty="0"/>
           </a:p>
@@ -5992,8 +5992,18 @@
           <a:lstStyle/>
           <a:p>
             <a:r>
+              <a:rPr lang="en-US" dirty="0" smtClean="0"/>
+              <a:t>Slope factor</a:t>
+            </a:r>
+          </a:p>
+          <a:p>
+            <a:r>
+              <a:rPr lang="en-US" dirty="0" smtClean="0"/>
+              <a:t>S </a:t>
+            </a:r>
+            <a:r>
               <a:rPr lang="en-US" dirty="0"/>
-              <a:t>S = Up </a:t>
+              <a:t>= Up </a:t>
             </a:r>
             <a:r>
               <a:rPr lang="en-US" dirty="0" smtClean="0"/>
@@ -6706,6 +6716,13 @@
   <p:clrMapOvr>
     <a:masterClrMapping/>
   </p:clrMapOvr>
+  <p:timing>
+    <p:tnLst>
+      <p:par>
+        <p:cTn id="1" dur="indefinite" restart="never" nodeType="tmRoot"/>
+      </p:par>
+    </p:tnLst>
+  </p:timing>
 </p:sld>
 </file>
 
@@ -6791,7 +6808,14 @@
             </a:br>
             <a:r>
               <a:rPr lang="en-US" dirty="0" smtClean="0"/>
-              <a:t>sun / moon</a:t>
+              <a:t>sun/moon</a:t>
+            </a:r>
+          </a:p>
+          <a:p>
+            <a:pPr lvl="1"/>
+            <a:r>
+              <a:rPr lang="en-US" dirty="0" smtClean="0"/>
+              <a:t>Use a separate sprite for sun/moon (future work)</a:t>
             </a:r>
             <a:endParaRPr lang="en-US" dirty="0"/>
           </a:p>
@@ -6875,6 +6899,13 @@
   <p:clrMapOvr>
     <a:masterClrMapping/>
   </p:clrMapOvr>
+  <p:timing>
+    <p:tnLst>
+      <p:par>
+        <p:cTn id="1" dur="indefinite" restart="never" nodeType="tmRoot"/>
+      </p:par>
+    </p:tnLst>
+  </p:timing>
 </p:sld>
 </file>
 
@@ -6971,6 +7002,13 @@
   <p:clrMapOvr>
     <a:masterClrMapping/>
   </p:clrMapOvr>
+  <p:timing>
+    <p:tnLst>
+      <p:par>
+        <p:cTn id="1" dur="indefinite" restart="never" nodeType="tmRoot"/>
+      </p:par>
+    </p:tnLst>
+  </p:timing>
 </p:sld>
 </file>
 
@@ -7226,6 +7264,13 @@
   <p:clrMapOvr>
     <a:masterClrMapping/>
   </p:clrMapOvr>
+  <p:timing>
+    <p:tnLst>
+      <p:par>
+        <p:cTn id="1" dur="indefinite" restart="never" nodeType="tmRoot"/>
+      </p:par>
+    </p:tnLst>
+  </p:timing>
 </p:sld>
 </file>
 
@@ -7326,6 +7371,13 @@
   <p:clrMapOvr>
     <a:masterClrMapping/>
   </p:clrMapOvr>
+  <p:timing>
+    <p:tnLst>
+      <p:par>
+        <p:cTn id="1" dur="indefinite" restart="never" nodeType="tmRoot"/>
+      </p:par>
+    </p:tnLst>
+  </p:timing>
 </p:sld>
 </file>
 
@@ -7638,6 +7690,13 @@
   <p:clrMapOvr>
     <a:masterClrMapping/>
   </p:clrMapOvr>
+  <p:timing>
+    <p:tnLst>
+      <p:par>
+        <p:cTn id="1" dur="indefinite" restart="never" nodeType="tmRoot"/>
+      </p:par>
+    </p:tnLst>
+  </p:timing>
 </p:sld>
 </file>
 
@@ -7764,6 +7823,13 @@
   <p:clrMapOvr>
     <a:masterClrMapping/>
   </p:clrMapOvr>
+  <p:timing>
+    <p:tnLst>
+      <p:par>
+        <p:cTn id="1" dur="indefinite" restart="never" nodeType="tmRoot"/>
+      </p:par>
+    </p:tnLst>
+  </p:timing>
 </p:sld>
 </file>
 
@@ -7919,6 +7985,13 @@
   <p:clrMapOvr>
     <a:masterClrMapping/>
   </p:clrMapOvr>
+  <p:timing>
+    <p:tnLst>
+      <p:par>
+        <p:cTn id="1" dur="indefinite" restart="never" nodeType="tmRoot"/>
+      </p:par>
+    </p:tnLst>
+  </p:timing>
 </p:sld>
 </file>
 
@@ -8017,6 +8090,13 @@
   <p:clrMapOvr>
     <a:masterClrMapping/>
   </p:clrMapOvr>
+  <p:timing>
+    <p:tnLst>
+      <p:par>
+        <p:cTn id="1" dur="indefinite" restart="never" nodeType="tmRoot"/>
+      </p:par>
+    </p:tnLst>
+  </p:timing>
 </p:sld>
 </file>
 
@@ -8136,6 +8216,13 @@
   <p:clrMapOvr>
     <a:masterClrMapping/>
   </p:clrMapOvr>
+  <p:timing>
+    <p:tnLst>
+      <p:par>
+        <p:cTn id="1" dur="indefinite" restart="never" nodeType="tmRoot"/>
+      </p:par>
+    </p:tnLst>
+  </p:timing>
 </p:sld>
 </file>
 
@@ -8173,7 +8260,11 @@
           <a:p>
             <a:r>
               <a:rPr lang="en-US" dirty="0" smtClean="0"/>
-              <a:t>Gains from DirectX 11</a:t>
+              <a:t>Gains from </a:t>
+            </a:r>
+            <a:r>
+              <a:rPr lang="en-US" dirty="0" smtClean="0"/>
+              <a:t>using modern Graphics API</a:t>
             </a:r>
             <a:endParaRPr lang="en-US" dirty="0"/>
           </a:p>
@@ -8192,7 +8283,7 @@
         <p:spPr/>
         <p:txBody>
           <a:bodyPr>
-            <a:normAutofit fontScale="92500" lnSpcReduction="10000"/>
+            <a:normAutofit lnSpcReduction="10000"/>
           </a:bodyPr>
           <a:lstStyle/>
           <a:p>
@@ -8272,15 +8363,13 @@
             <a:pPr lvl="1"/>
             <a:r>
               <a:rPr lang="en-US" dirty="0" smtClean="0"/>
-              <a:t>Visual Studio Graphics Debugger</a:t>
-            </a:r>
-          </a:p>
-          <a:p>
-            <a:r>
-              <a:rPr lang="en-US" dirty="0" smtClean="0"/>
-              <a:t>Larger adoption - Windows</a:t>
-            </a:r>
-            <a:endParaRPr lang="en-US" dirty="0"/>
+              <a:t>Visual Studio Graphics </a:t>
+            </a:r>
+            <a:r>
+              <a:rPr lang="en-US" dirty="0" smtClean="0"/>
+              <a:t>Debugger</a:t>
+            </a:r>
+            <a:endParaRPr lang="en-US" dirty="0" smtClean="0"/>
           </a:p>
         </p:txBody>
       </p:sp>
@@ -8294,6 +8383,13 @@
   <p:clrMapOvr>
     <a:masterClrMapping/>
   </p:clrMapOvr>
+  <p:timing>
+    <p:tnLst>
+      <p:par>
+        <p:cTn id="1" dur="indefinite" restart="never" nodeType="tmRoot"/>
+      </p:par>
+    </p:tnLst>
+  </p:timing>
 </p:sld>
 </file>
 
@@ -8403,6 +8499,13 @@
   <p:clrMapOvr>
     <a:masterClrMapping/>
   </p:clrMapOvr>
+  <p:timing>
+    <p:tnLst>
+      <p:par>
+        <p:cTn id="1" dur="indefinite" restart="never" nodeType="tmRoot"/>
+      </p:par>
+    </p:tnLst>
+  </p:timing>
 </p:sld>
 </file>
 
@@ -8514,6 +8617,13 @@
   <p:clrMapOvr>
     <a:masterClrMapping/>
   </p:clrMapOvr>
+  <p:timing>
+    <p:tnLst>
+      <p:par>
+        <p:cTn id="1" dur="indefinite" restart="never" nodeType="tmRoot"/>
+      </p:par>
+    </p:tnLst>
+  </p:timing>
 </p:sld>
 </file>
 
@@ -8588,7 +8698,14 @@
             <a:pPr lvl="2"/>
             <a:r>
               <a:rPr lang="en-US" dirty="0" smtClean="0"/>
-              <a:t>Majority of the frame time can be utilized to implemented complex and/or interactive scenes</a:t>
+              <a:t>Update + Render of Skybox and terrain together takes &lt; 0.008ms</a:t>
+            </a:r>
+          </a:p>
+          <a:p>
+            <a:pPr lvl="2"/>
+            <a:r>
+              <a:rPr lang="en-US" dirty="0" smtClean="0"/>
+              <a:t>Majority of the frame time can be utilized to implement complex and/or interactive scenes</a:t>
             </a:r>
           </a:p>
           <a:p>
@@ -8602,7 +8719,18 @@
             <a:pPr lvl="2"/>
             <a:r>
               <a:rPr lang="en-US" dirty="0" smtClean="0"/>
-              <a:t>no additional resources used for texturing</a:t>
+              <a:t>Buffers together are in the range &lt; 2MB</a:t>
+            </a:r>
+          </a:p>
+          <a:p>
+            <a:pPr lvl="2"/>
+            <a:r>
+              <a:rPr lang="en-US" dirty="0"/>
+              <a:t>N</a:t>
+            </a:r>
+            <a:r>
+              <a:rPr lang="en-US" dirty="0" smtClean="0"/>
+              <a:t>o additional resources used for texturing</a:t>
             </a:r>
             <a:endParaRPr lang="en-US" dirty="0"/>
           </a:p>
@@ -8618,6 +8746,13 @@
   <p:clrMapOvr>
     <a:masterClrMapping/>
   </p:clrMapOvr>
+  <p:timing>
+    <p:tnLst>
+      <p:par>
+        <p:cTn id="1" dur="indefinite" restart="never" nodeType="tmRoot"/>
+      </p:par>
+    </p:tnLst>
+  </p:timing>
 </p:sld>
 </file>
 
@@ -8680,11 +8815,7 @@
           <a:p>
             <a:r>
               <a:rPr lang="en-US" dirty="0" smtClean="0"/>
-              <a:t>Sharp </a:t>
-            </a:r>
-            <a:r>
-              <a:rPr lang="en-US" dirty="0" smtClean="0"/>
-              <a:t>Transitions</a:t>
+              <a:t>Sharp Transitions</a:t>
             </a:r>
           </a:p>
           <a:p>
@@ -8693,16 +8824,11 @@
               <a:rPr lang="en-US" dirty="0" smtClean="0"/>
               <a:t>Had to play with height generation parameters and smoothing</a:t>
             </a:r>
-            <a:endParaRPr lang="en-US" dirty="0" smtClean="0"/>
-          </a:p>
-          <a:p>
-            <a:r>
-              <a:rPr lang="en-US" dirty="0" smtClean="0"/>
-              <a:t>Texture </a:t>
-            </a:r>
-            <a:r>
-              <a:rPr lang="en-US" dirty="0" smtClean="0"/>
-              <a:t>Stretching</a:t>
+          </a:p>
+          <a:p>
+            <a:r>
+              <a:rPr lang="en-US" dirty="0" smtClean="0"/>
+              <a:t>Texture Stretching</a:t>
             </a:r>
           </a:p>
           <a:p>
@@ -8711,16 +8837,11 @@
               <a:rPr lang="en-US" dirty="0" smtClean="0"/>
               <a:t>Tri-planar texture mapping</a:t>
             </a:r>
-            <a:endParaRPr lang="en-US" dirty="0" smtClean="0"/>
-          </a:p>
-          <a:p>
-            <a:r>
-              <a:rPr lang="en-US" dirty="0" smtClean="0"/>
-              <a:t>Sea Level </a:t>
-            </a:r>
-            <a:r>
-              <a:rPr lang="en-US" dirty="0" smtClean="0"/>
-              <a:t>Transition</a:t>
+          </a:p>
+          <a:p>
+            <a:r>
+              <a:rPr lang="en-US" dirty="0" smtClean="0"/>
+              <a:t>Sea Level Transition</a:t>
             </a:r>
           </a:p>
           <a:p>
@@ -8729,7 +8850,6 @@
               <a:rPr lang="en-US" dirty="0" smtClean="0"/>
               <a:t>Interpolating texture mapping between water and land</a:t>
             </a:r>
-            <a:endParaRPr lang="en-US" dirty="0" smtClean="0"/>
           </a:p>
           <a:p>
             <a:r>
@@ -8763,7 +8883,6 @@
               <a:rPr lang="en-US" dirty="0" smtClean="0"/>
               <a:t>Matching choice of skybox and water texture</a:t>
             </a:r>
-            <a:endParaRPr lang="en-US" dirty="0" smtClean="0"/>
           </a:p>
           <a:p>
             <a:pPr lvl="1"/>
@@ -8785,6 +8904,13 @@
   <p:clrMapOvr>
     <a:masterClrMapping/>
   </p:clrMapOvr>
+  <p:timing>
+    <p:tnLst>
+      <p:par>
+        <p:cTn id="1" dur="indefinite" restart="never" nodeType="tmRoot"/>
+      </p:par>
+    </p:tnLst>
+  </p:timing>
 </p:sld>
 </file>
 
@@ -8859,7 +8985,6 @@
               <a:rPr lang="en-US" dirty="0" smtClean="0"/>
               <a:t>Lighting</a:t>
             </a:r>
-            <a:endParaRPr lang="en-US" dirty="0" smtClean="0"/>
           </a:p>
           <a:p>
             <a:r>
@@ -8981,7 +9106,6 @@
               <a:rPr lang="en-US" dirty="0" smtClean="0"/>
               <a:t>Advantages of height map generation</a:t>
             </a:r>
-            <a:endParaRPr lang="en-US" dirty="0" smtClean="0"/>
           </a:p>
           <a:p>
             <a:r>
@@ -9046,6 +9170,13 @@
   <p:clrMapOvr>
     <a:masterClrMapping/>
   </p:clrMapOvr>
+  <p:timing>
+    <p:tnLst>
+      <p:par>
+        <p:cTn id="1" dur="indefinite" restart="never" nodeType="tmRoot"/>
+      </p:par>
+    </p:tnLst>
+  </p:timing>
 </p:sld>
 </file>
 
@@ -9140,11 +9271,7 @@
           <a:p>
             <a:r>
               <a:rPr lang="en-US" dirty="0" smtClean="0"/>
-              <a:t>User </a:t>
-            </a:r>
-            <a:r>
-              <a:rPr lang="en-US" dirty="0" smtClean="0"/>
-              <a:t>Interface</a:t>
+              <a:t>User Interface</a:t>
             </a:r>
           </a:p>
           <a:p>
@@ -9152,12 +9279,15 @@
               <a:rPr lang="en-US" dirty="0" smtClean="0"/>
               <a:t>Collision detection</a:t>
             </a:r>
-            <a:endParaRPr lang="en-US" dirty="0" smtClean="0"/>
-          </a:p>
-          <a:p>
-            <a:r>
-              <a:rPr lang="en-US" dirty="0" smtClean="0"/>
-              <a:t>Segway to Game Engine</a:t>
+          </a:p>
+          <a:p>
+            <a:r>
+              <a:rPr lang="en-US" dirty="0" smtClean="0"/>
+              <a:t>Segue </a:t>
+            </a:r>
+            <a:r>
+              <a:rPr lang="en-US" dirty="0" smtClean="0"/>
+              <a:t>to Game Engine</a:t>
             </a:r>
             <a:endParaRPr lang="en-US" dirty="0"/>
           </a:p>
@@ -9173,6 +9303,13 @@
   <p:clrMapOvr>
     <a:masterClrMapping/>
   </p:clrMapOvr>
+  <p:timing>
+    <p:tnLst>
+      <p:par>
+        <p:cTn id="1" dur="indefinite" restart="never" nodeType="tmRoot"/>
+      </p:par>
+    </p:tnLst>
+  </p:timing>
 </p:sld>
 </file>
 
@@ -9845,6 +9982,13 @@
   <p:clrMapOvr>
     <a:masterClrMapping/>
   </p:clrMapOvr>
+  <p:timing>
+    <p:tnLst>
+      <p:par>
+        <p:cTn id="1" dur="indefinite" restart="never" nodeType="tmRoot"/>
+      </p:par>
+    </p:tnLst>
+  </p:timing>
 </p:sld>
 </file>
 
@@ -9911,15 +10055,7 @@
           <a:p>
             <a:r>
               <a:rPr lang="en-US" dirty="0" smtClean="0"/>
-              <a:t>Diamond </a:t>
-            </a:r>
-            <a:r>
-              <a:rPr lang="en-US" dirty="0" smtClean="0"/>
-              <a:t>Square Recursive </a:t>
-            </a:r>
-            <a:r>
-              <a:rPr lang="en-US" dirty="0" smtClean="0"/>
-              <a:t>Subdivision</a:t>
+              <a:t>Diamond Square Recursive Subdivision</a:t>
             </a:r>
           </a:p>
         </p:txBody>
@@ -10169,11 +10305,7 @@
             </a:r>
             <a:r>
               <a:rPr lang="en-US" dirty="0" smtClean="0"/>
-              <a:t> </a:t>
-            </a:r>
-            <a:r>
-              <a:rPr lang="en-US" dirty="0" smtClean="0"/>
-              <a:t>Noise Generation</a:t>
+              <a:t> Noise Generation</a:t>
             </a:r>
           </a:p>
           <a:p>
@@ -10672,8 +10804,8 @@
           </a:p>
         </p:txBody>
       </p:sp>
-      <mc:AlternateContent xmlns:mc="http://schemas.openxmlformats.org/markup-compatibility/2006">
-        <mc:Choice xmlns:a14="http://schemas.microsoft.com/office/drawing/2010/main" Requires="a14">
+      <mc:AlternateContent xmlns:mc="http://schemas.openxmlformats.org/markup-compatibility/2006" xmlns:a14="http://schemas.microsoft.com/office/drawing/2010/main">
+        <mc:Choice Requires="a14">
           <p:sp>
             <p:nvSpPr>
               <p:cNvPr id="3" name="Content Placeholder 2"/>
@@ -10691,11 +10823,7 @@
               <a:p>
                 <a:r>
                   <a:rPr lang="en-US" dirty="0" smtClean="0"/>
-                  <a:t>Conver</a:t>
-                </a:r>
-                <a:r>
-                  <a:rPr lang="en-US" dirty="0" smtClean="0"/>
-                  <a:t>t the height map into triangles</a:t>
+                  <a:t>Convert the height map into triangles</a:t>
                 </a:r>
               </a:p>
               <a:p>
@@ -10732,60 +10860,86 @@
                 <a14:m>
                   <m:oMath xmlns:m="http://schemas.openxmlformats.org/officeDocument/2006/math">
                     <m:r>
-                      <a:rPr lang="en-US" i="1"/>
+                      <a:rPr lang="en-US" i="1">
+                        <a:latin typeface="Cambria Math" panose="02040503050406030204" pitchFamily="18" charset="0"/>
+                      </a:rPr>
                       <m:t>𝑛</m:t>
                     </m:r>
                     <m:r>
-                      <a:rPr lang="en-US" i="1"/>
+                      <a:rPr lang="en-US" i="1">
+                        <a:latin typeface="Cambria Math" panose="02040503050406030204" pitchFamily="18" charset="0"/>
+                      </a:rPr>
                       <m:t>=</m:t>
                     </m:r>
                     <m:d>
                       <m:dPr>
                         <m:ctrlPr>
-                          <a:rPr lang="en-US" i="1"/>
+                          <a:rPr lang="en-US" i="1">
+                            <a:latin typeface="Cambria Math" panose="02040503050406030204" pitchFamily="18" charset="0"/>
+                          </a:rPr>
                         </m:ctrlPr>
                       </m:dPr>
                       <m:e>
                         <m:r>
-                          <a:rPr lang="en-US" i="1"/>
+                          <a:rPr lang="en-US" i="1">
+                            <a:latin typeface="Cambria Math" panose="02040503050406030204" pitchFamily="18" charset="0"/>
+                          </a:rPr>
                           <m:t>𝑏</m:t>
                         </m:r>
                         <m:r>
-                          <a:rPr lang="en-US" i="1"/>
+                          <a:rPr lang="en-US" i="1">
+                            <a:latin typeface="Cambria Math" panose="02040503050406030204" pitchFamily="18" charset="0"/>
+                          </a:rPr>
                           <m:t>−</m:t>
                         </m:r>
                         <m:r>
-                          <a:rPr lang="en-US" i="1"/>
+                          <a:rPr lang="en-US" i="1">
+                            <a:latin typeface="Cambria Math" panose="02040503050406030204" pitchFamily="18" charset="0"/>
+                          </a:rPr>
                           <m:t>𝑎</m:t>
                         </m:r>
                       </m:e>
                     </m:d>
                     <m:r>
-                      <a:rPr lang="en-US" i="1"/>
+                      <a:rPr lang="en-US" i="1">
+                        <a:latin typeface="Cambria Math" panose="02040503050406030204" pitchFamily="18" charset="0"/>
+                      </a:rPr>
                       <m:t> </m:t>
                     </m:r>
                     <m:r>
-                      <a:rPr lang="en-US" i="1"/>
+                      <a:rPr lang="en-US" i="1">
+                        <a:latin typeface="Cambria Math" panose="02040503050406030204" pitchFamily="18" charset="0"/>
+                      </a:rPr>
                       <m:t>𝑋</m:t>
                     </m:r>
                     <m:r>
-                      <a:rPr lang="en-US" i="1"/>
+                      <a:rPr lang="en-US" i="1">
+                        <a:latin typeface="Cambria Math" panose="02040503050406030204" pitchFamily="18" charset="0"/>
+                      </a:rPr>
                       <m:t> (</m:t>
                     </m:r>
                     <m:r>
-                      <a:rPr lang="en-US" i="1"/>
+                      <a:rPr lang="en-US" i="1">
+                        <a:latin typeface="Cambria Math" panose="02040503050406030204" pitchFamily="18" charset="0"/>
+                      </a:rPr>
                       <m:t>𝑐</m:t>
                     </m:r>
                     <m:r>
-                      <a:rPr lang="en-US" i="1"/>
+                      <a:rPr lang="en-US" i="1">
+                        <a:latin typeface="Cambria Math" panose="02040503050406030204" pitchFamily="18" charset="0"/>
+                      </a:rPr>
                       <m:t>−</m:t>
                     </m:r>
                     <m:r>
-                      <a:rPr lang="en-US" i="1"/>
+                      <a:rPr lang="en-US" i="1">
+                        <a:latin typeface="Cambria Math" panose="02040503050406030204" pitchFamily="18" charset="0"/>
+                      </a:rPr>
                       <m:t>𝑎</m:t>
                     </m:r>
                     <m:r>
-                      <a:rPr lang="en-US" i="1"/>
+                      <a:rPr lang="en-US" i="1">
+                        <a:latin typeface="Cambria Math" panose="02040503050406030204" pitchFamily="18" charset="0"/>
+                      </a:rPr>
                       <m:t>)</m:t>
                     </m:r>
                   </m:oMath>
@@ -10810,7 +10964,7 @@
             </p:txBody>
           </p:sp>
         </mc:Choice>
-        <mc:Fallback>
+        <mc:Fallback xmlns="">
           <p:sp>
             <p:nvSpPr>
               <p:cNvPr id="3" name="Content Placeholder 2"/>
@@ -10995,7 +11149,11 @@
             </a:r>
             <a:r>
               <a:rPr lang="en-US" dirty="0" smtClean="0"/>
-              <a:t> pipelines vs DirectX 11 </a:t>
+              <a:t> pipelines vs </a:t>
+            </a:r>
+            <a:r>
+              <a:rPr lang="en-US" dirty="0" smtClean="0"/>
+              <a:t>programmable </a:t>
             </a:r>
             <a:r>
               <a:rPr lang="en-US" dirty="0" err="1" smtClean="0"/>
